--- a/examples/pp_simple_example.pptx
+++ b/examples/pp_simple_example.pptx
@@ -5,8 +5,8 @@
     <p:sldMasterId id="2147483648" r:id="rId1"/>
   </p:sldMasterIdLst>
   <p:sldIdLst>
-    <p:sldId id="1268065580" r:id="rId6"/>
-    <p:sldId id="988108577" r:id="rId7"/>
+    <p:sldId id="2026830063" r:id="rId6"/>
+    <p:sldId id="2083563962" r:id="rId7"/>
   </p:sldIdLst>
   <p:sldSz cx="12192000" cy="6858000"/>
   <p:notesSz cx="6858000" cy="9144000"/>
@@ -2850,7 +2850,7 @@
                       </a:r>
                     </a:p>
                   </a:txBody>
-                  <a:tcPr marL="12700" marR="12700" marT="12700" marB="12700" anchor="ctr">
+                  <a:tcPr anchor="ctr">
                     <a:lnL w="12700">
                       <a:solidFill>
                         <a:srgbClr val="000000"/>
@@ -2907,7 +2907,7 @@
                       </a:r>
                     </a:p>
                   </a:txBody>
-                  <a:tcPr marL="12700" marR="12700" marT="12700" marB="12700" anchor="ctr">
+                  <a:tcPr anchor="ctr">
                     <a:lnL w="12700">
                       <a:solidFill>
                         <a:srgbClr val="000000"/>
@@ -2964,7 +2964,7 @@
                       </a:r>
                     </a:p>
                   </a:txBody>
-                  <a:tcPr marL="12700" marR="12700" marT="12700" marB="12700" anchor="ctr">
+                  <a:tcPr anchor="ctr">
                     <a:lnL w="12700">
                       <a:solidFill>
                         <a:srgbClr val="000000"/>
@@ -3021,7 +3021,7 @@
                       </a:r>
                     </a:p>
                   </a:txBody>
-                  <a:tcPr marL="12700" marR="12700" marT="12700" marB="12700" anchor="ctr">
+                  <a:tcPr anchor="ctr">
                     <a:lnL w="12700">
                       <a:solidFill>
                         <a:srgbClr val="000000"/>
@@ -3078,7 +3078,7 @@
                       </a:r>
                     </a:p>
                   </a:txBody>
-                  <a:tcPr marL="12700" marR="12700" marT="12700" marB="12700" anchor="ctr">
+                  <a:tcPr anchor="ctr">
                     <a:lnL w="12700">
                       <a:solidFill>
                         <a:srgbClr val="000000"/>
@@ -3148,7 +3148,7 @@
                       </a:r>
                     </a:p>
                   </a:txBody>
-                  <a:tcPr marL="12700" marR="12700" marT="12700" marB="12700" anchor="ctr">
+                  <a:tcPr anchor="ctr">
                     <a:lnL w="12700">
                       <a:solidFill>
                         <a:srgbClr val="000000"/>
@@ -3216,7 +3216,7 @@
                       </a:r>
                     </a:p>
                   </a:txBody>
-                  <a:tcPr marL="12700" marR="12700" marT="12700" marB="12700" anchor="ctr">
+                  <a:tcPr anchor="ctr">
                     <a:lnL w="12700">
                       <a:solidFill>
                         <a:srgbClr val="000000"/>
@@ -3284,7 +3284,7 @@
                       </a:r>
                     </a:p>
                   </a:txBody>
-                  <a:tcPr marL="12700" marR="12700" marT="12700" marB="12700" anchor="ctr">
+                  <a:tcPr anchor="ctr">
                     <a:lnL w="12700">
                       <a:solidFill>
                         <a:srgbClr val="000000"/>
@@ -3352,7 +3352,7 @@
                       </a:r>
                     </a:p>
                   </a:txBody>
-                  <a:tcPr marL="12700" marR="12700" marT="12700" marB="12700" anchor="ctr">
+                  <a:tcPr anchor="ctr">
                     <a:lnL w="12700">
                       <a:solidFill>
                         <a:srgbClr val="000000"/>
@@ -3420,7 +3420,7 @@
                       </a:r>
                     </a:p>
                   </a:txBody>
-                  <a:tcPr marL="12700" marR="12700" marT="12700" marB="12700" anchor="ctr">
+                  <a:tcPr anchor="ctr">
                     <a:lnL w="12700">
                       <a:solidFill>
                         <a:srgbClr val="000000"/>
@@ -3490,7 +3490,7 @@
                       </a:r>
                     </a:p>
                   </a:txBody>
-                  <a:tcPr marL="12700" marR="12700" marT="12700" marB="12700" anchor="ctr">
+                  <a:tcPr anchor="ctr">
                     <a:lnL w="12700">
                       <a:solidFill>
                         <a:srgbClr val="000000"/>
@@ -3558,7 +3558,7 @@
                       </a:r>
                     </a:p>
                   </a:txBody>
-                  <a:tcPr marL="12700" marR="12700" marT="12700" marB="12700" anchor="ctr">
+                  <a:tcPr anchor="ctr">
                     <a:lnL w="12700">
                       <a:solidFill>
                         <a:srgbClr val="000000"/>
@@ -3626,7 +3626,7 @@
                       </a:r>
                     </a:p>
                   </a:txBody>
-                  <a:tcPr marL="12700" marR="12700" marT="12700" marB="12700" anchor="ctr">
+                  <a:tcPr anchor="ctr">
                     <a:lnL w="12700">
                       <a:solidFill>
                         <a:srgbClr val="000000"/>
@@ -3694,7 +3694,7 @@
                       </a:r>
                     </a:p>
                   </a:txBody>
-                  <a:tcPr marL="12700" marR="12700" marT="12700" marB="12700" anchor="ctr">
+                  <a:tcPr anchor="ctr">
                     <a:lnL w="12700">
                       <a:solidFill>
                         <a:srgbClr val="000000"/>
@@ -3762,7 +3762,7 @@
                       </a:r>
                     </a:p>
                   </a:txBody>
-                  <a:tcPr marL="12700" marR="12700" marT="12700" marB="12700" anchor="ctr">
+                  <a:tcPr anchor="ctr">
                     <a:lnL w="12700">
                       <a:solidFill>
                         <a:srgbClr val="000000"/>
@@ -3832,7 +3832,7 @@
                       </a:r>
                     </a:p>
                   </a:txBody>
-                  <a:tcPr marL="12700" marR="12700" marT="12700" marB="12700" anchor="ctr">
+                  <a:tcPr anchor="ctr">
                     <a:lnL w="12700">
                       <a:solidFill>
                         <a:srgbClr val="000000"/>
@@ -3900,7 +3900,7 @@
                       </a:r>
                     </a:p>
                   </a:txBody>
-                  <a:tcPr marL="12700" marR="12700" marT="12700" marB="12700" anchor="ctr">
+                  <a:tcPr anchor="ctr">
                     <a:lnL w="12700">
                       <a:solidFill>
                         <a:srgbClr val="000000"/>
@@ -3968,7 +3968,7 @@
                       </a:r>
                     </a:p>
                   </a:txBody>
-                  <a:tcPr marL="12700" marR="12700" marT="12700" marB="12700" anchor="ctr">
+                  <a:tcPr anchor="ctr">
                     <a:lnL w="12700">
                       <a:solidFill>
                         <a:srgbClr val="000000"/>
@@ -4036,7 +4036,7 @@
                       </a:r>
                     </a:p>
                   </a:txBody>
-                  <a:tcPr marL="12700" marR="12700" marT="12700" marB="12700" anchor="ctr">
+                  <a:tcPr anchor="ctr">
                     <a:lnL w="12700">
                       <a:solidFill>
                         <a:srgbClr val="000000"/>
@@ -4104,7 +4104,7 @@
                       </a:r>
                     </a:p>
                   </a:txBody>
-                  <a:tcPr marL="12700" marR="12700" marT="12700" marB="12700" anchor="ctr">
+                  <a:tcPr anchor="ctr">
                     <a:lnL w="12700">
                       <a:solidFill>
                         <a:srgbClr val="000000"/>
@@ -4174,7 +4174,7 @@
                       </a:r>
                     </a:p>
                   </a:txBody>
-                  <a:tcPr marL="12700" marR="12700" marT="12700" marB="12700" anchor="ctr">
+                  <a:tcPr anchor="ctr">
                     <a:lnL w="12700">
                       <a:solidFill>
                         <a:srgbClr val="000000"/>
@@ -4242,7 +4242,7 @@
                       </a:r>
                     </a:p>
                   </a:txBody>
-                  <a:tcPr marL="12700" marR="12700" marT="12700" marB="12700" anchor="ctr">
+                  <a:tcPr anchor="ctr">
                     <a:lnL w="12700">
                       <a:solidFill>
                         <a:srgbClr val="000000"/>
@@ -4310,7 +4310,7 @@
                       </a:r>
                     </a:p>
                   </a:txBody>
-                  <a:tcPr marL="12700" marR="12700" marT="12700" marB="12700" anchor="ctr">
+                  <a:tcPr anchor="ctr">
                     <a:lnL w="12700">
                       <a:solidFill>
                         <a:srgbClr val="000000"/>
@@ -4378,7 +4378,7 @@
                       </a:r>
                     </a:p>
                   </a:txBody>
-                  <a:tcPr marL="12700" marR="12700" marT="12700" marB="12700" anchor="ctr">
+                  <a:tcPr anchor="ctr">
                     <a:lnL w="12700">
                       <a:solidFill>
                         <a:srgbClr val="000000"/>
@@ -4446,7 +4446,7 @@
                       </a:r>
                     </a:p>
                   </a:txBody>
-                  <a:tcPr marL="12700" marR="12700" marT="12700" marB="12700" anchor="ctr">
+                  <a:tcPr anchor="ctr">
                     <a:lnL w="12700">
                       <a:solidFill>
                         <a:srgbClr val="000000"/>
@@ -4516,7 +4516,7 @@
                       </a:r>
                     </a:p>
                   </a:txBody>
-                  <a:tcPr marL="12700" marR="12700" marT="12700" marB="12700" anchor="ctr">
+                  <a:tcPr anchor="ctr">
                     <a:lnL w="12700">
                       <a:solidFill>
                         <a:srgbClr val="000000"/>
@@ -4584,7 +4584,7 @@
                       </a:r>
                     </a:p>
                   </a:txBody>
-                  <a:tcPr marL="12700" marR="12700" marT="12700" marB="12700" anchor="ctr">
+                  <a:tcPr anchor="ctr">
                     <a:lnL w="12700">
                       <a:solidFill>
                         <a:srgbClr val="000000"/>
@@ -4652,7 +4652,7 @@
                       </a:r>
                     </a:p>
                   </a:txBody>
-                  <a:tcPr marL="12700" marR="12700" marT="12700" marB="12700" anchor="ctr">
+                  <a:tcPr anchor="ctr">
                     <a:lnL w="12700">
                       <a:solidFill>
                         <a:srgbClr val="000000"/>
@@ -4720,7 +4720,7 @@
                       </a:r>
                     </a:p>
                   </a:txBody>
-                  <a:tcPr marL="12700" marR="12700" marT="12700" marB="12700" anchor="ctr">
+                  <a:tcPr anchor="ctr">
                     <a:lnL w="12700">
                       <a:solidFill>
                         <a:srgbClr val="000000"/>
@@ -4788,7 +4788,7 @@
                       </a:r>
                     </a:p>
                   </a:txBody>
-                  <a:tcPr marL="12700" marR="12700" marT="12700" marB="12700" anchor="ctr">
+                  <a:tcPr anchor="ctr">
                     <a:lnL w="12700">
                       <a:solidFill>
                         <a:srgbClr val="000000"/>
@@ -4858,7 +4858,7 @@
                       </a:r>
                     </a:p>
                   </a:txBody>
-                  <a:tcPr marL="12700" marR="12700" marT="12700" marB="12700" anchor="ctr">
+                  <a:tcPr anchor="ctr">
                     <a:lnL w="12700">
                       <a:solidFill>
                         <a:srgbClr val="000000"/>
@@ -4926,7 +4926,7 @@
                       </a:r>
                     </a:p>
                   </a:txBody>
-                  <a:tcPr marL="12700" marR="12700" marT="12700" marB="12700" anchor="ctr">
+                  <a:tcPr anchor="ctr">
                     <a:lnL w="12700">
                       <a:solidFill>
                         <a:srgbClr val="000000"/>
@@ -4994,7 +4994,7 @@
                       </a:r>
                     </a:p>
                   </a:txBody>
-                  <a:tcPr marL="12700" marR="12700" marT="12700" marB="12700" anchor="ctr">
+                  <a:tcPr anchor="ctr">
                     <a:lnL w="12700">
                       <a:solidFill>
                         <a:srgbClr val="000000"/>
@@ -5062,7 +5062,7 @@
                       </a:r>
                     </a:p>
                   </a:txBody>
-                  <a:tcPr marL="12700" marR="12700" marT="12700" marB="12700" anchor="ctr">
+                  <a:tcPr anchor="ctr">
                     <a:lnL w="12700">
                       <a:solidFill>
                         <a:srgbClr val="000000"/>
@@ -5130,7 +5130,7 @@
                       </a:r>
                     </a:p>
                   </a:txBody>
-                  <a:tcPr marL="12700" marR="12700" marT="12700" marB="12700" anchor="ctr">
+                  <a:tcPr anchor="ctr">
                     <a:lnL w="12700">
                       <a:solidFill>
                         <a:srgbClr val="000000"/>
@@ -5200,7 +5200,7 @@
                       </a:r>
                     </a:p>
                   </a:txBody>
-                  <a:tcPr marL="12700" marR="12700" marT="12700" marB="12700" anchor="ctr">
+                  <a:tcPr anchor="ctr">
                     <a:lnL w="12700">
                       <a:solidFill>
                         <a:srgbClr val="000000"/>
@@ -5268,7 +5268,7 @@
                       </a:r>
                     </a:p>
                   </a:txBody>
-                  <a:tcPr marL="12700" marR="12700" marT="12700" marB="12700" anchor="ctr">
+                  <a:tcPr anchor="ctr">
                     <a:lnL w="12700">
                       <a:solidFill>
                         <a:srgbClr val="000000"/>
@@ -5336,7 +5336,7 @@
                       </a:r>
                     </a:p>
                   </a:txBody>
-                  <a:tcPr marL="12700" marR="12700" marT="12700" marB="12700" anchor="ctr">
+                  <a:tcPr anchor="ctr">
                     <a:lnL w="12700">
                       <a:solidFill>
                         <a:srgbClr val="000000"/>
@@ -5404,7 +5404,7 @@
                       </a:r>
                     </a:p>
                   </a:txBody>
-                  <a:tcPr marL="12700" marR="12700" marT="12700" marB="12700" anchor="ctr">
+                  <a:tcPr anchor="ctr">
                     <a:lnL w="12700">
                       <a:solidFill>
                         <a:srgbClr val="000000"/>
@@ -5472,7 +5472,7 @@
                       </a:r>
                     </a:p>
                   </a:txBody>
-                  <a:tcPr marL="12700" marR="12700" marT="12700" marB="12700" anchor="ctr">
+                  <a:tcPr anchor="ctr">
                     <a:lnL w="12700">
                       <a:solidFill>
                         <a:srgbClr val="000000"/>
@@ -5542,7 +5542,7 @@
                       </a:r>
                     </a:p>
                   </a:txBody>
-                  <a:tcPr marL="12700" marR="12700" marT="12700" marB="12700" anchor="ctr">
+                  <a:tcPr anchor="ctr">
                     <a:lnL w="12700">
                       <a:solidFill>
                         <a:srgbClr val="000000"/>
@@ -5610,7 +5610,7 @@
                       </a:r>
                     </a:p>
                   </a:txBody>
-                  <a:tcPr marL="12700" marR="12700" marT="12700" marB="12700" anchor="ctr">
+                  <a:tcPr anchor="ctr">
                     <a:lnL w="12700">
                       <a:solidFill>
                         <a:srgbClr val="000000"/>
@@ -5678,7 +5678,7 @@
                       </a:r>
                     </a:p>
                   </a:txBody>
-                  <a:tcPr marL="12700" marR="12700" marT="12700" marB="12700" anchor="ctr">
+                  <a:tcPr anchor="ctr">
                     <a:lnL w="12700">
                       <a:solidFill>
                         <a:srgbClr val="000000"/>
@@ -5746,7 +5746,7 @@
                       </a:r>
                     </a:p>
                   </a:txBody>
-                  <a:tcPr marL="12700" marR="12700" marT="12700" marB="12700" anchor="ctr">
+                  <a:tcPr anchor="ctr">
                     <a:lnL w="12700">
                       <a:solidFill>
                         <a:srgbClr val="000000"/>
@@ -5814,7 +5814,7 @@
                       </a:r>
                     </a:p>
                   </a:txBody>
-                  <a:tcPr marL="12700" marR="12700" marT="12700" marB="12700" anchor="ctr">
+                  <a:tcPr anchor="ctr">
                     <a:lnL w="12700">
                       <a:solidFill>
                         <a:srgbClr val="000000"/>
@@ -5884,7 +5884,7 @@
                       </a:r>
                     </a:p>
                   </a:txBody>
-                  <a:tcPr marL="12700" marR="12700" marT="12700" marB="12700" anchor="ctr">
+                  <a:tcPr anchor="ctr">
                     <a:lnL w="12700">
                       <a:solidFill>
                         <a:srgbClr val="000000"/>
@@ -5952,7 +5952,7 @@
                       </a:r>
                     </a:p>
                   </a:txBody>
-                  <a:tcPr marL="12700" marR="12700" marT="12700" marB="12700" anchor="ctr">
+                  <a:tcPr anchor="ctr">
                     <a:lnL w="12700">
                       <a:solidFill>
                         <a:srgbClr val="000000"/>
@@ -6020,7 +6020,7 @@
                       </a:r>
                     </a:p>
                   </a:txBody>
-                  <a:tcPr marL="12700" marR="12700" marT="12700" marB="12700" anchor="ctr">
+                  <a:tcPr anchor="ctr">
                     <a:lnL w="12700">
                       <a:solidFill>
                         <a:srgbClr val="000000"/>
@@ -6088,7 +6088,7 @@
                       </a:r>
                     </a:p>
                   </a:txBody>
-                  <a:tcPr marL="12700" marR="12700" marT="12700" marB="12700" anchor="ctr">
+                  <a:tcPr anchor="ctr">
                     <a:lnL w="12700">
                       <a:solidFill>
                         <a:srgbClr val="000000"/>
@@ -6156,7 +6156,7 @@
                       </a:r>
                     </a:p>
                   </a:txBody>
-                  <a:tcPr marL="12700" marR="12700" marT="12700" marB="12700" anchor="ctr">
+                  <a:tcPr anchor="ctr">
                     <a:lnL w="12700">
                       <a:solidFill>
                         <a:srgbClr val="000000"/>
@@ -6226,7 +6226,7 @@
                       </a:r>
                     </a:p>
                   </a:txBody>
-                  <a:tcPr marL="12700" marR="12700" marT="12700" marB="12700" anchor="ctr">
+                  <a:tcPr anchor="ctr">
                     <a:lnL w="12700">
                       <a:solidFill>
                         <a:srgbClr val="000000"/>
@@ -6294,7 +6294,7 @@
                       </a:r>
                     </a:p>
                   </a:txBody>
-                  <a:tcPr marL="12700" marR="12700" marT="12700" marB="12700" anchor="ctr">
+                  <a:tcPr anchor="ctr">
                     <a:lnL w="12700">
                       <a:solidFill>
                         <a:srgbClr val="000000"/>
@@ -6362,7 +6362,7 @@
                       </a:r>
                     </a:p>
                   </a:txBody>
-                  <a:tcPr marL="12700" marR="12700" marT="12700" marB="12700" anchor="ctr">
+                  <a:tcPr anchor="ctr">
                     <a:lnL w="12700">
                       <a:solidFill>
                         <a:srgbClr val="000000"/>
@@ -6430,7 +6430,7 @@
                       </a:r>
                     </a:p>
                   </a:txBody>
-                  <a:tcPr marL="12700" marR="12700" marT="12700" marB="12700" anchor="ctr">
+                  <a:tcPr anchor="ctr">
                     <a:lnL w="12700">
                       <a:solidFill>
                         <a:srgbClr val="000000"/>
@@ -6498,7 +6498,7 @@
                       </a:r>
                     </a:p>
                   </a:txBody>
-                  <a:tcPr marL="12700" marR="12700" marT="12700" marB="12700" anchor="ctr">
+                  <a:tcPr anchor="ctr">
                     <a:lnL w="12700">
                       <a:solidFill>
                         <a:srgbClr val="000000"/>

--- a/examples/pp_simple_example.pptx
+++ b/examples/pp_simple_example.pptx
@@ -2,20 +2,20 @@
 <file path=ppt/presentation.xml><?xml version="1.0" encoding="utf-8"?>
 <p:presentation xmlns:r="http://schemas.openxmlformats.org/officeDocument/2006/relationships" xmlns:a="http://schemas.openxmlformats.org/drawingml/2006/main" xmlns:p="http://schemas.openxmlformats.org/presentationml/2006/main" xmlns:mc="http://schemas.openxmlformats.org/markup-compatibility/2006" xmlns:c="http://schemas.openxmlformats.org/drawingml/2006/chart" xmlns:ns6="http://schemas.openxmlformats.org/drawingml/2006/chartDrawing" xmlns:dgm="http://schemas.openxmlformats.org/drawingml/2006/diagram" xmlns:pic="http://schemas.openxmlformats.org/drawingml/2006/picture" xmlns:wp="http://schemas.openxmlformats.org/drawingml/2006/wordprocessingDrawing" xmlns:xdr="http://schemas.openxmlformats.org/drawingml/2006/spreadsheetDrawing" xmlns:ns11="http://schemas.openxmlformats.org/drawingml/2006/compatibility" xmlns:ns12="http://schemas.openxmlformats.org/drawingml/2006/lockedCanvas" saveSubsetFonts="true">
   <p:sldMasterIdLst>
-    <p:sldMasterId id="2147483648" r:id="rId1"/>
+    <p:sldMasterId r:id="rId1" id="2147483648"/>
   </p:sldMasterIdLst>
   <p:sldIdLst>
-    <p:sldId id="2026830063" r:id="rId6"/>
-    <p:sldId id="2083563962" r:id="rId7"/>
+    <p:sldId r:id="rId6" id="1704904287"/>
+    <p:sldId r:id="rId7" id="414780442"/>
   </p:sldIdLst>
-  <p:sldSz cx="12192000" cy="6858000"/>
-  <p:notesSz cx="6858000" cy="9144000"/>
+  <p:sldSz cy="6858000" cx="12192000"/>
+  <p:notesSz cy="9144000" cx="6858000"/>
   <p:defaultTextStyle>
     <a:defPPr>
       <a:defRPr lang="fr-FR"/>
     </a:defPPr>
-    <a:lvl1pPr marL="0" algn="l" defTabSz="914400" rtl="false" eaLnBrk="true" latinLnBrk="false" hangingPunct="true">
-      <a:defRPr sz="1800" kern="1200">
+    <a:lvl1pPr hangingPunct="true" latinLnBrk="false" eaLnBrk="true" rtl="false" defTabSz="914400" algn="l" marL="0">
+      <a:defRPr kern="1200" sz="1800">
         <a:solidFill>
           <a:schemeClr val="tx1"/>
         </a:solidFill>
@@ -24,8 +24,8 @@
         <a:cs typeface="+mn-cs"/>
       </a:defRPr>
     </a:lvl1pPr>
-    <a:lvl2pPr marL="457200" algn="l" defTabSz="914400" rtl="false" eaLnBrk="true" latinLnBrk="false" hangingPunct="true">
-      <a:defRPr sz="1800" kern="1200">
+    <a:lvl2pPr hangingPunct="true" latinLnBrk="false" eaLnBrk="true" rtl="false" defTabSz="914400" algn="l" marL="457200">
+      <a:defRPr kern="1200" sz="1800">
         <a:solidFill>
           <a:schemeClr val="tx1"/>
         </a:solidFill>
@@ -34,8 +34,8 @@
         <a:cs typeface="+mn-cs"/>
       </a:defRPr>
     </a:lvl2pPr>
-    <a:lvl3pPr marL="914400" algn="l" defTabSz="914400" rtl="false" eaLnBrk="true" latinLnBrk="false" hangingPunct="true">
-      <a:defRPr sz="1800" kern="1200">
+    <a:lvl3pPr hangingPunct="true" latinLnBrk="false" eaLnBrk="true" rtl="false" defTabSz="914400" algn="l" marL="914400">
+      <a:defRPr kern="1200" sz="1800">
         <a:solidFill>
           <a:schemeClr val="tx1"/>
         </a:solidFill>
@@ -44,8 +44,8 @@
         <a:cs typeface="+mn-cs"/>
       </a:defRPr>
     </a:lvl3pPr>
-    <a:lvl4pPr marL="1371600" algn="l" defTabSz="914400" rtl="false" eaLnBrk="true" latinLnBrk="false" hangingPunct="true">
-      <a:defRPr sz="1800" kern="1200">
+    <a:lvl4pPr hangingPunct="true" latinLnBrk="false" eaLnBrk="true" rtl="false" defTabSz="914400" algn="l" marL="1371600">
+      <a:defRPr kern="1200" sz="1800">
         <a:solidFill>
           <a:schemeClr val="tx1"/>
         </a:solidFill>
@@ -54,8 +54,8 @@
         <a:cs typeface="+mn-cs"/>
       </a:defRPr>
     </a:lvl4pPr>
-    <a:lvl5pPr marL="1828800" algn="l" defTabSz="914400" rtl="false" eaLnBrk="true" latinLnBrk="false" hangingPunct="true">
-      <a:defRPr sz="1800" kern="1200">
+    <a:lvl5pPr hangingPunct="true" latinLnBrk="false" eaLnBrk="true" rtl="false" defTabSz="914400" algn="l" marL="1828800">
+      <a:defRPr kern="1200" sz="1800">
         <a:solidFill>
           <a:schemeClr val="tx1"/>
         </a:solidFill>
@@ -64,8 +64,8 @@
         <a:cs typeface="+mn-cs"/>
       </a:defRPr>
     </a:lvl5pPr>
-    <a:lvl6pPr marL="2286000" algn="l" defTabSz="914400" rtl="false" eaLnBrk="true" latinLnBrk="false" hangingPunct="true">
-      <a:defRPr sz="1800" kern="1200">
+    <a:lvl6pPr hangingPunct="true" latinLnBrk="false" eaLnBrk="true" rtl="false" defTabSz="914400" algn="l" marL="2286000">
+      <a:defRPr kern="1200" sz="1800">
         <a:solidFill>
           <a:schemeClr val="tx1"/>
         </a:solidFill>
@@ -74,8 +74,8 @@
         <a:cs typeface="+mn-cs"/>
       </a:defRPr>
     </a:lvl6pPr>
-    <a:lvl7pPr marL="2743200" algn="l" defTabSz="914400" rtl="false" eaLnBrk="true" latinLnBrk="false" hangingPunct="true">
-      <a:defRPr sz="1800" kern="1200">
+    <a:lvl7pPr hangingPunct="true" latinLnBrk="false" eaLnBrk="true" rtl="false" defTabSz="914400" algn="l" marL="2743200">
+      <a:defRPr kern="1200" sz="1800">
         <a:solidFill>
           <a:schemeClr val="tx1"/>
         </a:solidFill>
@@ -84,8 +84,8 @@
         <a:cs typeface="+mn-cs"/>
       </a:defRPr>
     </a:lvl7pPr>
-    <a:lvl8pPr marL="3200400" algn="l" defTabSz="914400" rtl="false" eaLnBrk="true" latinLnBrk="false" hangingPunct="true">
-      <a:defRPr sz="1800" kern="1200">
+    <a:lvl8pPr hangingPunct="true" latinLnBrk="false" eaLnBrk="true" rtl="false" defTabSz="914400" algn="l" marL="3200400">
+      <a:defRPr kern="1200" sz="1800">
         <a:solidFill>
           <a:schemeClr val="tx1"/>
         </a:solidFill>
@@ -94,8 +94,8 @@
         <a:cs typeface="+mn-cs"/>
       </a:defRPr>
     </a:lvl8pPr>
-    <a:lvl9pPr marL="3657600" algn="l" defTabSz="914400" rtl="false" eaLnBrk="true" latinLnBrk="false" hangingPunct="true">
-      <a:defRPr sz="1800" kern="1200">
+    <a:lvl9pPr hangingPunct="true" latinLnBrk="false" eaLnBrk="true" rtl="false" defTabSz="914400" algn="l" marL="3657600">
+      <a:defRPr kern="1200" sz="1800">
         <a:solidFill>
           <a:schemeClr val="tx1"/>
         </a:solidFill>
@@ -114,25 +114,25 @@
 </file>
 
 <file path=ppt/slideLayouts/slideLayout1.xml><?xml version="1.0" encoding="utf-8"?>
-<p:sldLayout xmlns:r="http://schemas.openxmlformats.org/officeDocument/2006/relationships" xmlns:a="http://schemas.openxmlformats.org/drawingml/2006/main" xmlns:p="http://schemas.openxmlformats.org/presentationml/2006/main" xmlns:mc="http://schemas.openxmlformats.org/markup-compatibility/2006" xmlns:c="http://schemas.openxmlformats.org/drawingml/2006/chart" xmlns:ns6="http://schemas.openxmlformats.org/drawingml/2006/chartDrawing" xmlns:dgm="http://schemas.openxmlformats.org/drawingml/2006/diagram" xmlns:pic="http://schemas.openxmlformats.org/drawingml/2006/picture" xmlns:wp="http://schemas.openxmlformats.org/drawingml/2006/wordprocessingDrawing" xmlns:xdr="http://schemas.openxmlformats.org/drawingml/2006/spreadsheetDrawing" xmlns:ns11="http://schemas.openxmlformats.org/drawingml/2006/compatibility" xmlns:ns12="http://schemas.openxmlformats.org/drawingml/2006/lockedCanvas" type="title" preserve="true">
+<p:sldLayout xmlns:r="http://schemas.openxmlformats.org/officeDocument/2006/relationships" xmlns:a="http://schemas.openxmlformats.org/drawingml/2006/main" xmlns:p="http://schemas.openxmlformats.org/presentationml/2006/main" xmlns:mc="http://schemas.openxmlformats.org/markup-compatibility/2006" xmlns:c="http://schemas.openxmlformats.org/drawingml/2006/chart" xmlns:ns6="http://schemas.openxmlformats.org/drawingml/2006/chartDrawing" xmlns:dgm="http://schemas.openxmlformats.org/drawingml/2006/diagram" xmlns:pic="http://schemas.openxmlformats.org/drawingml/2006/picture" xmlns:wp="http://schemas.openxmlformats.org/drawingml/2006/wordprocessingDrawing" xmlns:xdr="http://schemas.openxmlformats.org/drawingml/2006/spreadsheetDrawing" xmlns:ns11="http://schemas.openxmlformats.org/drawingml/2006/compatibility" xmlns:ns12="http://schemas.openxmlformats.org/drawingml/2006/lockedCanvas" preserve="true" type="title">
   <p:cSld name="Title Slide">
     <p:spTree>
       <p:nvGrpSpPr>
-        <p:cNvPr id="1" name=""/>
+        <p:cNvPr name="" id="1"/>
         <p:cNvGrpSpPr/>
         <p:nvPr/>
       </p:nvGrpSpPr>
       <p:grpSpPr>
         <a:xfrm>
-          <a:off x="0" y="0"/>
-          <a:ext cx="0" cy="0"/>
-          <a:chOff x="0" y="0"/>
-          <a:chExt cx="0" cy="0"/>
+          <a:off y="0" x="0"/>
+          <a:ext cy="0" cx="0"/>
+          <a:chOff y="0" x="0"/>
+          <a:chExt cy="0" cx="0"/>
         </a:xfrm>
       </p:grpSpPr>
       <p:sp>
         <p:nvSpPr>
-          <p:cNvPr id="2" name="Titre 1"/>
+          <p:cNvPr name="Titre 1" id="2"/>
           <p:cNvSpPr>
             <a:spLocks noGrp="true"/>
           </p:cNvSpPr>
@@ -142,8 +142,8 @@
         </p:nvSpPr>
         <p:spPr>
           <a:xfrm>
-            <a:off x="1524000" y="1122363"/>
-            <a:ext cx="9144000" cy="2387600"/>
+            <a:off y="1122363" x="1524000"/>
+            <a:ext cy="2387600" cx="9144000"/>
           </a:xfrm>
         </p:spPr>
         <p:txBody>
@@ -155,7 +155,7 @@
           </a:lstStyle>
           <a:p>
             <a:r>
-              <a:rPr lang="fr-FR" smtClean="false"/>
+              <a:rPr smtClean="false" lang="fr-FR"/>
               <a:t>Modifiez le style du titre</a:t>
             </a:r>
             <a:endParaRPr lang="fr-FR"/>
@@ -164,63 +164,63 @@
       </p:sp>
       <p:sp>
         <p:nvSpPr>
-          <p:cNvPr id="3" name="Sous-titre 2"/>
+          <p:cNvPr name="Sous-titre 2" id="3"/>
           <p:cNvSpPr>
             <a:spLocks noGrp="true"/>
           </p:cNvSpPr>
           <p:nvPr>
-            <p:ph type="subTitle" idx="1"/>
+            <p:ph idx="1" type="subTitle"/>
           </p:nvPr>
         </p:nvSpPr>
         <p:spPr>
           <a:xfrm>
-            <a:off x="1524000" y="3602038"/>
-            <a:ext cx="9144000" cy="1655762"/>
+            <a:off y="3602038" x="1524000"/>
+            <a:ext cy="1655762" cx="9144000"/>
           </a:xfrm>
         </p:spPr>
         <p:txBody>
           <a:bodyPr/>
           <a:lstStyle>
-            <a:lvl1pPr marL="0" indent="0" algn="ctr">
+            <a:lvl1pPr algn="ctr" indent="0" marL="0">
               <a:buNone/>
               <a:defRPr sz="2400"/>
             </a:lvl1pPr>
-            <a:lvl2pPr marL="457200" indent="0" algn="ctr">
+            <a:lvl2pPr algn="ctr" indent="0" marL="457200">
               <a:buNone/>
               <a:defRPr sz="2000"/>
             </a:lvl2pPr>
-            <a:lvl3pPr marL="914400" indent="0" algn="ctr">
+            <a:lvl3pPr algn="ctr" indent="0" marL="914400">
               <a:buNone/>
               <a:defRPr sz="1800"/>
             </a:lvl3pPr>
-            <a:lvl4pPr marL="1371600" indent="0" algn="ctr">
+            <a:lvl4pPr algn="ctr" indent="0" marL="1371600">
               <a:buNone/>
               <a:defRPr sz="1600"/>
             </a:lvl4pPr>
-            <a:lvl5pPr marL="1828800" indent="0" algn="ctr">
+            <a:lvl5pPr algn="ctr" indent="0" marL="1828800">
               <a:buNone/>
               <a:defRPr sz="1600"/>
             </a:lvl5pPr>
-            <a:lvl6pPr marL="2286000" indent="0" algn="ctr">
+            <a:lvl6pPr algn="ctr" indent="0" marL="2286000">
               <a:buNone/>
               <a:defRPr sz="1600"/>
             </a:lvl6pPr>
-            <a:lvl7pPr marL="2743200" indent="0" algn="ctr">
+            <a:lvl7pPr algn="ctr" indent="0" marL="2743200">
               <a:buNone/>
               <a:defRPr sz="1600"/>
             </a:lvl7pPr>
-            <a:lvl8pPr marL="3200400" indent="0" algn="ctr">
+            <a:lvl8pPr algn="ctr" indent="0" marL="3200400">
               <a:buNone/>
               <a:defRPr sz="1600"/>
             </a:lvl8pPr>
-            <a:lvl9pPr marL="3657600" indent="0" algn="ctr">
+            <a:lvl9pPr algn="ctr" indent="0" marL="3657600">
               <a:buNone/>
               <a:defRPr sz="1600"/>
             </a:lvl9pPr>
           </a:lstStyle>
           <a:p>
             <a:r>
-              <a:rPr lang="fr-FR" smtClean="false"/>
+              <a:rPr smtClean="false" lang="fr-FR"/>
               <a:t>Modifiez le style des sous-titres du masque</a:t>
             </a:r>
             <a:endParaRPr lang="fr-FR"/>
@@ -229,12 +229,12 @@
       </p:sp>
       <p:sp>
         <p:nvSpPr>
-          <p:cNvPr id="4" name="Espace réservé de la date 3"/>
+          <p:cNvPr name="Espace réservé de la date 3" id="4"/>
           <p:cNvSpPr>
             <a:spLocks noGrp="true"/>
           </p:cNvSpPr>
           <p:nvPr>
-            <p:ph type="dt" sz="half" idx="10"/>
+            <p:ph idx="10" sz="half" type="dt"/>
           </p:nvPr>
         </p:nvSpPr>
         <p:spPr/>
@@ -242,8 +242,8 @@
           <a:bodyPr/>
           <a:lstStyle/>
           <a:p>
-            <a:fld id="{CE3110EA-6548-4EF6-B0A9-8F847AEECEDD}" type="datetimeFigureOut">
-              <a:rPr lang="fr-FR" smtClean="false"/>
+            <a:fld type="datetimeFigureOut" id="{CE3110EA-6548-4EF6-B0A9-8F847AEECEDD}">
+              <a:rPr smtClean="false" lang="fr-FR"/>
               <a:t>07/12/2013</a:t>
             </a:fld>
             <a:endParaRPr lang="fr-FR"/>
@@ -252,12 +252,12 @@
       </p:sp>
       <p:sp>
         <p:nvSpPr>
-          <p:cNvPr id="5" name="Espace réservé du pied de page 4"/>
+          <p:cNvPr name="Espace réservé du pied de page 4" id="5"/>
           <p:cNvSpPr>
             <a:spLocks noGrp="true"/>
           </p:cNvSpPr>
           <p:nvPr>
-            <p:ph type="ftr" sz="quarter" idx="11"/>
+            <p:ph idx="11" sz="quarter" type="ftr"/>
           </p:nvPr>
         </p:nvSpPr>
         <p:spPr/>
@@ -271,12 +271,12 @@
       </p:sp>
       <p:sp>
         <p:nvSpPr>
-          <p:cNvPr id="6" name="Espace réservé du numéro de diapositive 5"/>
+          <p:cNvPr name="Espace réservé du numéro de diapositive 5" id="6"/>
           <p:cNvSpPr>
             <a:spLocks noGrp="true"/>
           </p:cNvSpPr>
           <p:nvPr>
-            <p:ph type="sldNum" sz="quarter" idx="12"/>
+            <p:ph idx="12" sz="quarter" type="sldNum"/>
           </p:nvPr>
         </p:nvSpPr>
         <p:spPr/>
@@ -284,8 +284,8 @@
           <a:bodyPr/>
           <a:lstStyle/>
           <a:p>
-            <a:fld id="{C47AABF0-D73A-43C1-84CC-8A30B6535388}" type="slidenum">
-              <a:rPr lang="fr-FR" smtClean="false"/>
+            <a:fld type="slidenum" id="{C47AABF0-D73A-43C1-84CC-8A30B6535388}">
+              <a:rPr smtClean="false" lang="fr-FR"/>
               <a:t>‹N°›</a:t>
             </a:fld>
             <a:endParaRPr lang="fr-FR"/>
@@ -305,7 +305,7 @@
   <p:timing>
     <p:tnLst>
       <p:par>
-        <p:cTn id="1" dur="indefinite" restart="never" nodeType="tmRoot"/>
+        <p:cTn nodeType="tmRoot" restart="never" dur="indefinite" id="1"/>
       </p:par>
     </p:tnLst>
   </p:timing>
@@ -313,36 +313,36 @@
 </file>
 
 <file path=ppt/slideLayouts/slideLayout10.xml><?xml version="1.0" encoding="utf-8"?>
-<p:sldLayout xmlns:r="http://schemas.openxmlformats.org/officeDocument/2006/relationships" xmlns:a="http://schemas.openxmlformats.org/drawingml/2006/main" xmlns:p="http://schemas.openxmlformats.org/presentationml/2006/main" xmlns:mc="http://schemas.openxmlformats.org/markup-compatibility/2006" xmlns:c="http://schemas.openxmlformats.org/drawingml/2006/chart" xmlns:ns6="http://schemas.openxmlformats.org/drawingml/2006/chartDrawing" xmlns:dgm="http://schemas.openxmlformats.org/drawingml/2006/diagram" xmlns:pic="http://schemas.openxmlformats.org/drawingml/2006/picture" xmlns:wp="http://schemas.openxmlformats.org/drawingml/2006/wordprocessingDrawing" xmlns:xdr="http://schemas.openxmlformats.org/drawingml/2006/spreadsheetDrawing" xmlns:ns11="http://schemas.openxmlformats.org/drawingml/2006/compatibility" xmlns:ns12="http://schemas.openxmlformats.org/drawingml/2006/lockedCanvas" type="vertTitleAndTx" preserve="true">
+<p:sldLayout xmlns:r="http://schemas.openxmlformats.org/officeDocument/2006/relationships" xmlns:a="http://schemas.openxmlformats.org/drawingml/2006/main" xmlns:p="http://schemas.openxmlformats.org/presentationml/2006/main" xmlns:mc="http://schemas.openxmlformats.org/markup-compatibility/2006" xmlns:c="http://schemas.openxmlformats.org/drawingml/2006/chart" xmlns:ns6="http://schemas.openxmlformats.org/drawingml/2006/chartDrawing" xmlns:dgm="http://schemas.openxmlformats.org/drawingml/2006/diagram" xmlns:pic="http://schemas.openxmlformats.org/drawingml/2006/picture" xmlns:wp="http://schemas.openxmlformats.org/drawingml/2006/wordprocessingDrawing" xmlns:xdr="http://schemas.openxmlformats.org/drawingml/2006/spreadsheetDrawing" xmlns:ns11="http://schemas.openxmlformats.org/drawingml/2006/compatibility" xmlns:ns12="http://schemas.openxmlformats.org/drawingml/2006/lockedCanvas" preserve="true" type="vertTitleAndTx">
   <p:cSld name="Vertical Title and Text">
     <p:spTree>
       <p:nvGrpSpPr>
-        <p:cNvPr id="1" name=""/>
+        <p:cNvPr name="" id="1"/>
         <p:cNvGrpSpPr/>
         <p:nvPr/>
       </p:nvGrpSpPr>
       <p:grpSpPr>
         <a:xfrm>
-          <a:off x="0" y="0"/>
-          <a:ext cx="0" cy="0"/>
-          <a:chOff x="0" y="0"/>
-          <a:chExt cx="0" cy="0"/>
+          <a:off y="0" x="0"/>
+          <a:ext cy="0" cx="0"/>
+          <a:chOff y="0" x="0"/>
+          <a:chExt cy="0" cx="0"/>
         </a:xfrm>
       </p:grpSpPr>
       <p:sp>
         <p:nvSpPr>
-          <p:cNvPr id="2" name="Titre vertical 1"/>
+          <p:cNvPr name="Titre vertical 1" id="2"/>
           <p:cNvSpPr>
             <a:spLocks noGrp="true"/>
           </p:cNvSpPr>
           <p:nvPr>
-            <p:ph type="title" orient="vert"/>
+            <p:ph orient="vert" type="title"/>
           </p:nvPr>
         </p:nvSpPr>
         <p:spPr>
           <a:xfrm>
-            <a:off x="8724900" y="365125"/>
-            <a:ext cx="2628900" cy="5811838"/>
+            <a:off y="365125" x="8724900"/>
+            <a:ext cy="5811838" cx="2628900"/>
           </a:xfrm>
         </p:spPr>
         <p:txBody>
@@ -350,7 +350,7 @@
           <a:lstStyle/>
           <a:p>
             <a:r>
-              <a:rPr lang="fr-FR" smtClean="false"/>
+              <a:rPr smtClean="false" lang="fr-FR"/>
               <a:t>Modifiez le style du titre</a:t>
             </a:r>
             <a:endParaRPr lang="fr-FR"/>
@@ -359,18 +359,18 @@
       </p:sp>
       <p:sp>
         <p:nvSpPr>
-          <p:cNvPr id="3" name="Espace réservé du texte vertical 2"/>
+          <p:cNvPr name="Espace réservé du texte vertical 2" id="3"/>
           <p:cNvSpPr>
             <a:spLocks noGrp="true"/>
           </p:cNvSpPr>
           <p:nvPr>
-            <p:ph type="body" orient="vert" idx="1"/>
+            <p:ph idx="1" orient="vert" type="body"/>
           </p:nvPr>
         </p:nvSpPr>
         <p:spPr>
           <a:xfrm>
-            <a:off x="838200" y="365125"/>
-            <a:ext cx="7734300" cy="5811838"/>
+            <a:off y="365125" x="838200"/>
+            <a:ext cy="5811838" cx="7734300"/>
           </a:xfrm>
         </p:spPr>
         <p:txBody>
@@ -379,35 +379,35 @@
           <a:p>
             <a:pPr lvl="0"/>
             <a:r>
-              <a:rPr lang="fr-FR" smtClean="false"/>
+              <a:rPr smtClean="false" lang="fr-FR"/>
               <a:t>Modifiez les styles du texte du masque</a:t>
             </a:r>
           </a:p>
           <a:p>
             <a:pPr lvl="1"/>
             <a:r>
-              <a:rPr lang="fr-FR" smtClean="false"/>
+              <a:rPr smtClean="false" lang="fr-FR"/>
               <a:t>Deuxième niveau</a:t>
             </a:r>
           </a:p>
           <a:p>
             <a:pPr lvl="2"/>
             <a:r>
-              <a:rPr lang="fr-FR" smtClean="false"/>
+              <a:rPr smtClean="false" lang="fr-FR"/>
               <a:t>Troisième niveau</a:t>
             </a:r>
           </a:p>
           <a:p>
             <a:pPr lvl="3"/>
             <a:r>
-              <a:rPr lang="fr-FR" smtClean="false"/>
+              <a:rPr smtClean="false" lang="fr-FR"/>
               <a:t>Quatrième niveau</a:t>
             </a:r>
           </a:p>
           <a:p>
             <a:pPr lvl="4"/>
             <a:r>
-              <a:rPr lang="fr-FR" smtClean="false"/>
+              <a:rPr smtClean="false" lang="fr-FR"/>
               <a:t>Cinquième niveau</a:t>
             </a:r>
             <a:endParaRPr lang="fr-FR"/>
@@ -416,12 +416,12 @@
       </p:sp>
       <p:sp>
         <p:nvSpPr>
-          <p:cNvPr id="4" name="Espace réservé de la date 3"/>
+          <p:cNvPr name="Espace réservé de la date 3" id="4"/>
           <p:cNvSpPr>
             <a:spLocks noGrp="true"/>
           </p:cNvSpPr>
           <p:nvPr>
-            <p:ph type="dt" sz="half" idx="10"/>
+            <p:ph idx="10" sz="half" type="dt"/>
           </p:nvPr>
         </p:nvSpPr>
         <p:spPr/>
@@ -429,8 +429,8 @@
           <a:bodyPr/>
           <a:lstStyle/>
           <a:p>
-            <a:fld id="{CE3110EA-6548-4EF6-B0A9-8F847AEECEDD}" type="datetimeFigureOut">
-              <a:rPr lang="fr-FR" smtClean="false"/>
+            <a:fld type="datetimeFigureOut" id="{CE3110EA-6548-4EF6-B0A9-8F847AEECEDD}">
+              <a:rPr smtClean="false" lang="fr-FR"/>
               <a:t>07/12/2013</a:t>
             </a:fld>
             <a:endParaRPr lang="fr-FR"/>
@@ -439,12 +439,12 @@
       </p:sp>
       <p:sp>
         <p:nvSpPr>
-          <p:cNvPr id="5" name="Espace réservé du pied de page 4"/>
+          <p:cNvPr name="Espace réservé du pied de page 4" id="5"/>
           <p:cNvSpPr>
             <a:spLocks noGrp="true"/>
           </p:cNvSpPr>
           <p:nvPr>
-            <p:ph type="ftr" sz="quarter" idx="11"/>
+            <p:ph idx="11" sz="quarter" type="ftr"/>
           </p:nvPr>
         </p:nvSpPr>
         <p:spPr/>
@@ -458,12 +458,12 @@
       </p:sp>
       <p:sp>
         <p:nvSpPr>
-          <p:cNvPr id="6" name="Espace réservé du numéro de diapositive 5"/>
+          <p:cNvPr name="Espace réservé du numéro de diapositive 5" id="6"/>
           <p:cNvSpPr>
             <a:spLocks noGrp="true"/>
           </p:cNvSpPr>
           <p:nvPr>
-            <p:ph type="sldNum" sz="quarter" idx="12"/>
+            <p:ph idx="12" sz="quarter" type="sldNum"/>
           </p:nvPr>
         </p:nvSpPr>
         <p:spPr/>
@@ -471,8 +471,8 @@
           <a:bodyPr/>
           <a:lstStyle/>
           <a:p>
-            <a:fld id="{C47AABF0-D73A-43C1-84CC-8A30B6535388}" type="slidenum">
-              <a:rPr lang="fr-FR" smtClean="false"/>
+            <a:fld type="slidenum" id="{C47AABF0-D73A-43C1-84CC-8A30B6535388}">
+              <a:rPr smtClean="false" lang="fr-FR"/>
               <a:t>‹N°›</a:t>
             </a:fld>
             <a:endParaRPr lang="fr-FR"/>
@@ -492,7 +492,7 @@
   <p:timing>
     <p:tnLst>
       <p:par>
-        <p:cTn id="1" dur="indefinite" restart="never" nodeType="tmRoot"/>
+        <p:cTn nodeType="tmRoot" restart="never" dur="indefinite" id="1"/>
       </p:par>
     </p:tnLst>
   </p:timing>
@@ -500,25 +500,25 @@
 </file>
 
 <file path=ppt/slideLayouts/slideLayout2.xml><?xml version="1.0" encoding="utf-8"?>
-<p:sldLayout xmlns:r="http://schemas.openxmlformats.org/officeDocument/2006/relationships" xmlns:a="http://schemas.openxmlformats.org/drawingml/2006/main" xmlns:p="http://schemas.openxmlformats.org/presentationml/2006/main" xmlns:mc="http://schemas.openxmlformats.org/markup-compatibility/2006" xmlns:c="http://schemas.openxmlformats.org/drawingml/2006/chart" xmlns:ns6="http://schemas.openxmlformats.org/drawingml/2006/chartDrawing" xmlns:dgm="http://schemas.openxmlformats.org/drawingml/2006/diagram" xmlns:pic="http://schemas.openxmlformats.org/drawingml/2006/picture" xmlns:wp="http://schemas.openxmlformats.org/drawingml/2006/wordprocessingDrawing" xmlns:xdr="http://schemas.openxmlformats.org/drawingml/2006/spreadsheetDrawing" xmlns:ns11="http://schemas.openxmlformats.org/drawingml/2006/compatibility" xmlns:ns12="http://schemas.openxmlformats.org/drawingml/2006/lockedCanvas" type="obj" preserve="true">
+<p:sldLayout xmlns:r="http://schemas.openxmlformats.org/officeDocument/2006/relationships" xmlns:a="http://schemas.openxmlformats.org/drawingml/2006/main" xmlns:p="http://schemas.openxmlformats.org/presentationml/2006/main" xmlns:mc="http://schemas.openxmlformats.org/markup-compatibility/2006" xmlns:c="http://schemas.openxmlformats.org/drawingml/2006/chart" xmlns:ns6="http://schemas.openxmlformats.org/drawingml/2006/chartDrawing" xmlns:dgm="http://schemas.openxmlformats.org/drawingml/2006/diagram" xmlns:pic="http://schemas.openxmlformats.org/drawingml/2006/picture" xmlns:wp="http://schemas.openxmlformats.org/drawingml/2006/wordprocessingDrawing" xmlns:xdr="http://schemas.openxmlformats.org/drawingml/2006/spreadsheetDrawing" xmlns:ns11="http://schemas.openxmlformats.org/drawingml/2006/compatibility" xmlns:ns12="http://schemas.openxmlformats.org/drawingml/2006/lockedCanvas" preserve="true" type="obj">
   <p:cSld name="Title and Content">
     <p:spTree>
       <p:nvGrpSpPr>
-        <p:cNvPr id="1" name=""/>
+        <p:cNvPr name="" id="1"/>
         <p:cNvGrpSpPr/>
         <p:nvPr/>
       </p:nvGrpSpPr>
       <p:grpSpPr>
         <a:xfrm>
-          <a:off x="0" y="0"/>
-          <a:ext cx="0" cy="0"/>
-          <a:chOff x="0" y="0"/>
-          <a:chExt cx="0" cy="0"/>
+          <a:off y="0" x="0"/>
+          <a:ext cy="0" cx="0"/>
+          <a:chOff y="0" x="0"/>
+          <a:chExt cy="0" cx="0"/>
         </a:xfrm>
       </p:grpSpPr>
       <p:sp>
         <p:nvSpPr>
-          <p:cNvPr id="2" name="Titre 1"/>
+          <p:cNvPr name="Titre 1" id="2"/>
           <p:cNvSpPr>
             <a:spLocks noGrp="true"/>
           </p:cNvSpPr>
@@ -532,7 +532,7 @@
           <a:lstStyle/>
           <a:p>
             <a:r>
-              <a:rPr lang="fr-FR" smtClean="false"/>
+              <a:rPr smtClean="false" lang="fr-FR"/>
               <a:t>Modifiez le style du titre</a:t>
             </a:r>
             <a:endParaRPr lang="fr-FR"/>
@@ -541,7 +541,7 @@
       </p:sp>
       <p:sp>
         <p:nvSpPr>
-          <p:cNvPr id="3" name="Espace réservé du contenu 2"/>
+          <p:cNvPr name="Espace réservé du contenu 2" id="3"/>
           <p:cNvSpPr>
             <a:spLocks noGrp="true"/>
           </p:cNvSpPr>
@@ -551,8 +551,8 @@
         </p:nvSpPr>
         <p:spPr>
           <a:xfrm>
-            <a:off x="838200" y="1825625"/>
-            <a:ext cx="10515600" cy="4351338"/>
+            <a:off y="1825625" x="838200"/>
+            <a:ext cy="4351338" cx="10515600"/>
           </a:xfrm>
         </p:spPr>
         <p:txBody>
@@ -561,35 +561,35 @@
           <a:p>
             <a:pPr lvl="0"/>
             <a:r>
-              <a:rPr lang="fr-FR" smtClean="false"/>
+              <a:rPr smtClean="false" lang="fr-FR"/>
               <a:t>Modifiez les styles du texte du masque</a:t>
             </a:r>
           </a:p>
           <a:p>
             <a:pPr lvl="1"/>
             <a:r>
-              <a:rPr lang="fr-FR" smtClean="false"/>
+              <a:rPr smtClean="false" lang="fr-FR"/>
               <a:t>Deuxième niveau</a:t>
             </a:r>
           </a:p>
           <a:p>
             <a:pPr lvl="2"/>
             <a:r>
-              <a:rPr lang="fr-FR" smtClean="false"/>
+              <a:rPr smtClean="false" lang="fr-FR"/>
               <a:t>Troisième niveau</a:t>
             </a:r>
           </a:p>
           <a:p>
             <a:pPr lvl="3"/>
             <a:r>
-              <a:rPr lang="fr-FR" smtClean="false"/>
+              <a:rPr smtClean="false" lang="fr-FR"/>
               <a:t>Quatrième niveau</a:t>
             </a:r>
           </a:p>
           <a:p>
             <a:pPr lvl="4"/>
             <a:r>
-              <a:rPr lang="fr-FR" smtClean="false"/>
+              <a:rPr smtClean="false" lang="fr-FR"/>
               <a:t>Cinquième niveau</a:t>
             </a:r>
             <a:endParaRPr lang="fr-FR"/>
@@ -598,12 +598,12 @@
       </p:sp>
       <p:sp>
         <p:nvSpPr>
-          <p:cNvPr id="4" name="Espace réservé de la date 3"/>
+          <p:cNvPr name="Espace réservé de la date 3" id="4"/>
           <p:cNvSpPr>
             <a:spLocks noGrp="true"/>
           </p:cNvSpPr>
           <p:nvPr>
-            <p:ph type="dt" sz="half" idx="10"/>
+            <p:ph idx="10" sz="half" type="dt"/>
           </p:nvPr>
         </p:nvSpPr>
         <p:spPr/>
@@ -611,8 +611,8 @@
           <a:bodyPr/>
           <a:lstStyle/>
           <a:p>
-            <a:fld id="{CE3110EA-6548-4EF6-B0A9-8F847AEECEDD}" type="datetimeFigureOut">
-              <a:rPr lang="fr-FR" smtClean="false"/>
+            <a:fld type="datetimeFigureOut" id="{CE3110EA-6548-4EF6-B0A9-8F847AEECEDD}">
+              <a:rPr smtClean="false" lang="fr-FR"/>
               <a:t>07/12/2013</a:t>
             </a:fld>
             <a:endParaRPr lang="fr-FR"/>
@@ -621,12 +621,12 @@
       </p:sp>
       <p:sp>
         <p:nvSpPr>
-          <p:cNvPr id="5" name="Espace réservé du pied de page 4"/>
+          <p:cNvPr name="Espace réservé du pied de page 4" id="5"/>
           <p:cNvSpPr>
             <a:spLocks noGrp="true"/>
           </p:cNvSpPr>
           <p:nvPr>
-            <p:ph type="ftr" sz="quarter" idx="11"/>
+            <p:ph idx="11" sz="quarter" type="ftr"/>
           </p:nvPr>
         </p:nvSpPr>
         <p:spPr/>
@@ -640,12 +640,12 @@
       </p:sp>
       <p:sp>
         <p:nvSpPr>
-          <p:cNvPr id="6" name="Espace réservé du numéro de diapositive 5"/>
+          <p:cNvPr name="Espace réservé du numéro de diapositive 5" id="6"/>
           <p:cNvSpPr>
             <a:spLocks noGrp="true"/>
           </p:cNvSpPr>
           <p:nvPr>
-            <p:ph type="sldNum" sz="quarter" idx="12"/>
+            <p:ph idx="12" sz="quarter" type="sldNum"/>
           </p:nvPr>
         </p:nvSpPr>
         <p:spPr/>
@@ -653,8 +653,8 @@
           <a:bodyPr/>
           <a:lstStyle/>
           <a:p>
-            <a:fld id="{C47AABF0-D73A-43C1-84CC-8A30B6535388}" type="slidenum">
-              <a:rPr lang="fr-FR" smtClean="false"/>
+            <a:fld type="slidenum" id="{C47AABF0-D73A-43C1-84CC-8A30B6535388}">
+              <a:rPr smtClean="false" lang="fr-FR"/>
               <a:t>‹N°›</a:t>
             </a:fld>
             <a:endParaRPr lang="fr-FR"/>
@@ -674,7 +674,7 @@
   <p:timing>
     <p:tnLst>
       <p:par>
-        <p:cTn id="1" dur="indefinite" restart="never" nodeType="tmRoot"/>
+        <p:cTn nodeType="tmRoot" restart="never" dur="indefinite" id="1"/>
       </p:par>
     </p:tnLst>
   </p:timing>
@@ -682,25 +682,25 @@
 </file>
 
 <file path=ppt/slideLayouts/slideLayout3.xml><?xml version="1.0" encoding="utf-8"?>
-<p:sldLayout xmlns:r="http://schemas.openxmlformats.org/officeDocument/2006/relationships" xmlns:a="http://schemas.openxmlformats.org/drawingml/2006/main" xmlns:p="http://schemas.openxmlformats.org/presentationml/2006/main" xmlns:mc="http://schemas.openxmlformats.org/markup-compatibility/2006" xmlns:c="http://schemas.openxmlformats.org/drawingml/2006/chart" xmlns:ns6="http://schemas.openxmlformats.org/drawingml/2006/chartDrawing" xmlns:dgm="http://schemas.openxmlformats.org/drawingml/2006/diagram" xmlns:pic="http://schemas.openxmlformats.org/drawingml/2006/picture" xmlns:wp="http://schemas.openxmlformats.org/drawingml/2006/wordprocessingDrawing" xmlns:xdr="http://schemas.openxmlformats.org/drawingml/2006/spreadsheetDrawing" xmlns:ns11="http://schemas.openxmlformats.org/drawingml/2006/compatibility" xmlns:ns12="http://schemas.openxmlformats.org/drawingml/2006/lockedCanvas" type="secHead" preserve="true">
+<p:sldLayout xmlns:r="http://schemas.openxmlformats.org/officeDocument/2006/relationships" xmlns:a="http://schemas.openxmlformats.org/drawingml/2006/main" xmlns:p="http://schemas.openxmlformats.org/presentationml/2006/main" xmlns:mc="http://schemas.openxmlformats.org/markup-compatibility/2006" xmlns:c="http://schemas.openxmlformats.org/drawingml/2006/chart" xmlns:ns6="http://schemas.openxmlformats.org/drawingml/2006/chartDrawing" xmlns:dgm="http://schemas.openxmlformats.org/drawingml/2006/diagram" xmlns:pic="http://schemas.openxmlformats.org/drawingml/2006/picture" xmlns:wp="http://schemas.openxmlformats.org/drawingml/2006/wordprocessingDrawing" xmlns:xdr="http://schemas.openxmlformats.org/drawingml/2006/spreadsheetDrawing" xmlns:ns11="http://schemas.openxmlformats.org/drawingml/2006/compatibility" xmlns:ns12="http://schemas.openxmlformats.org/drawingml/2006/lockedCanvas" preserve="true" type="secHead">
   <p:cSld name="Section Header">
     <p:spTree>
       <p:nvGrpSpPr>
-        <p:cNvPr id="1" name=""/>
+        <p:cNvPr name="" id="1"/>
         <p:cNvGrpSpPr/>
         <p:nvPr/>
       </p:nvGrpSpPr>
       <p:grpSpPr>
         <a:xfrm>
-          <a:off x="0" y="0"/>
-          <a:ext cx="0" cy="0"/>
-          <a:chOff x="0" y="0"/>
-          <a:chExt cx="0" cy="0"/>
+          <a:off y="0" x="0"/>
+          <a:ext cy="0" cx="0"/>
+          <a:chOff y="0" x="0"/>
+          <a:chExt cy="0" cx="0"/>
         </a:xfrm>
       </p:grpSpPr>
       <p:sp>
         <p:nvSpPr>
-          <p:cNvPr id="2" name="Titre 1"/>
+          <p:cNvPr name="Titre 1" id="2"/>
           <p:cNvSpPr>
             <a:spLocks noGrp="true"/>
           </p:cNvSpPr>
@@ -710,8 +710,8 @@
         </p:nvSpPr>
         <p:spPr>
           <a:xfrm>
-            <a:off x="831850" y="1709738"/>
-            <a:ext cx="10515600" cy="2852737"/>
+            <a:off y="1709738" x="831850"/>
+            <a:ext cy="2852737" cx="10515600"/>
           </a:xfrm>
         </p:spPr>
         <p:txBody>
@@ -723,7 +723,7 @@
           </a:lstStyle>
           <a:p>
             <a:r>
-              <a:rPr lang="fr-FR" smtClean="false"/>
+              <a:rPr smtClean="false" lang="fr-FR"/>
               <a:t>Modifiez le style du titre</a:t>
             </a:r>
             <a:endParaRPr lang="fr-FR"/>
@@ -732,24 +732,24 @@
       </p:sp>
       <p:sp>
         <p:nvSpPr>
-          <p:cNvPr id="3" name="Espace réservé du texte 2"/>
+          <p:cNvPr name="Espace réservé du texte 2" id="3"/>
           <p:cNvSpPr>
             <a:spLocks noGrp="true"/>
           </p:cNvSpPr>
           <p:nvPr>
-            <p:ph type="body" idx="1"/>
+            <p:ph idx="1" type="body"/>
           </p:nvPr>
         </p:nvSpPr>
         <p:spPr>
           <a:xfrm>
-            <a:off x="831850" y="4589463"/>
-            <a:ext cx="10515600" cy="1500187"/>
+            <a:off y="4589463" x="831850"/>
+            <a:ext cy="1500187" cx="10515600"/>
           </a:xfrm>
         </p:spPr>
         <p:txBody>
           <a:bodyPr/>
           <a:lstStyle>
-            <a:lvl1pPr marL="0" indent="0">
+            <a:lvl1pPr indent="0" marL="0">
               <a:buNone/>
               <a:defRPr sz="2400">
                 <a:solidFill>
@@ -759,7 +759,7 @@
                 </a:solidFill>
               </a:defRPr>
             </a:lvl1pPr>
-            <a:lvl2pPr marL="457200" indent="0">
+            <a:lvl2pPr indent="0" marL="457200">
               <a:buNone/>
               <a:defRPr sz="2000">
                 <a:solidFill>
@@ -769,7 +769,7 @@
                 </a:solidFill>
               </a:defRPr>
             </a:lvl2pPr>
-            <a:lvl3pPr marL="914400" indent="0">
+            <a:lvl3pPr indent="0" marL="914400">
               <a:buNone/>
               <a:defRPr sz="1800">
                 <a:solidFill>
@@ -779,7 +779,7 @@
                 </a:solidFill>
               </a:defRPr>
             </a:lvl3pPr>
-            <a:lvl4pPr marL="1371600" indent="0">
+            <a:lvl4pPr indent="0" marL="1371600">
               <a:buNone/>
               <a:defRPr sz="1600">
                 <a:solidFill>
@@ -789,7 +789,7 @@
                 </a:solidFill>
               </a:defRPr>
             </a:lvl4pPr>
-            <a:lvl5pPr marL="1828800" indent="0">
+            <a:lvl5pPr indent="0" marL="1828800">
               <a:buNone/>
               <a:defRPr sz="1600">
                 <a:solidFill>
@@ -799,7 +799,7 @@
                 </a:solidFill>
               </a:defRPr>
             </a:lvl5pPr>
-            <a:lvl6pPr marL="2286000" indent="0">
+            <a:lvl6pPr indent="0" marL="2286000">
               <a:buNone/>
               <a:defRPr sz="1600">
                 <a:solidFill>
@@ -809,7 +809,7 @@
                 </a:solidFill>
               </a:defRPr>
             </a:lvl6pPr>
-            <a:lvl7pPr marL="2743200" indent="0">
+            <a:lvl7pPr indent="0" marL="2743200">
               <a:buNone/>
               <a:defRPr sz="1600">
                 <a:solidFill>
@@ -819,7 +819,7 @@
                 </a:solidFill>
               </a:defRPr>
             </a:lvl7pPr>
-            <a:lvl8pPr marL="3200400" indent="0">
+            <a:lvl8pPr indent="0" marL="3200400">
               <a:buNone/>
               <a:defRPr sz="1600">
                 <a:solidFill>
@@ -829,7 +829,7 @@
                 </a:solidFill>
               </a:defRPr>
             </a:lvl8pPr>
-            <a:lvl9pPr marL="3657600" indent="0">
+            <a:lvl9pPr indent="0" marL="3657600">
               <a:buNone/>
               <a:defRPr sz="1600">
                 <a:solidFill>
@@ -843,7 +843,7 @@
           <a:p>
             <a:pPr lvl="0"/>
             <a:r>
-              <a:rPr lang="fr-FR" smtClean="false"/>
+              <a:rPr smtClean="false" lang="fr-FR"/>
               <a:t>Modifiez les styles du texte du masque</a:t>
             </a:r>
           </a:p>
@@ -851,12 +851,12 @@
       </p:sp>
       <p:sp>
         <p:nvSpPr>
-          <p:cNvPr id="4" name="Espace réservé de la date 3"/>
+          <p:cNvPr name="Espace réservé de la date 3" id="4"/>
           <p:cNvSpPr>
             <a:spLocks noGrp="true"/>
           </p:cNvSpPr>
           <p:nvPr>
-            <p:ph type="dt" sz="half" idx="10"/>
+            <p:ph idx="10" sz="half" type="dt"/>
           </p:nvPr>
         </p:nvSpPr>
         <p:spPr/>
@@ -864,8 +864,8 @@
           <a:bodyPr/>
           <a:lstStyle/>
           <a:p>
-            <a:fld id="{CE3110EA-6548-4EF6-B0A9-8F847AEECEDD}" type="datetimeFigureOut">
-              <a:rPr lang="fr-FR" smtClean="false"/>
+            <a:fld type="datetimeFigureOut" id="{CE3110EA-6548-4EF6-B0A9-8F847AEECEDD}">
+              <a:rPr smtClean="false" lang="fr-FR"/>
               <a:t>07/12/2013</a:t>
             </a:fld>
             <a:endParaRPr lang="fr-FR"/>
@@ -874,12 +874,12 @@
       </p:sp>
       <p:sp>
         <p:nvSpPr>
-          <p:cNvPr id="5" name="Espace réservé du pied de page 4"/>
+          <p:cNvPr name="Espace réservé du pied de page 4" id="5"/>
           <p:cNvSpPr>
             <a:spLocks noGrp="true"/>
           </p:cNvSpPr>
           <p:nvPr>
-            <p:ph type="ftr" sz="quarter" idx="11"/>
+            <p:ph idx="11" sz="quarter" type="ftr"/>
           </p:nvPr>
         </p:nvSpPr>
         <p:spPr/>
@@ -893,12 +893,12 @@
       </p:sp>
       <p:sp>
         <p:nvSpPr>
-          <p:cNvPr id="6" name="Espace réservé du numéro de diapositive 5"/>
+          <p:cNvPr name="Espace réservé du numéro de diapositive 5" id="6"/>
           <p:cNvSpPr>
             <a:spLocks noGrp="true"/>
           </p:cNvSpPr>
           <p:nvPr>
-            <p:ph type="sldNum" sz="quarter" idx="12"/>
+            <p:ph idx="12" sz="quarter" type="sldNum"/>
           </p:nvPr>
         </p:nvSpPr>
         <p:spPr/>
@@ -906,8 +906,8 @@
           <a:bodyPr/>
           <a:lstStyle/>
           <a:p>
-            <a:fld id="{C47AABF0-D73A-43C1-84CC-8A30B6535388}" type="slidenum">
-              <a:rPr lang="fr-FR" smtClean="false"/>
+            <a:fld type="slidenum" id="{C47AABF0-D73A-43C1-84CC-8A30B6535388}">
+              <a:rPr smtClean="false" lang="fr-FR"/>
               <a:t>‹N°›</a:t>
             </a:fld>
             <a:endParaRPr lang="fr-FR"/>
@@ -927,7 +927,7 @@
   <p:timing>
     <p:tnLst>
       <p:par>
-        <p:cTn id="1" dur="indefinite" restart="never" nodeType="tmRoot"/>
+        <p:cTn nodeType="tmRoot" restart="never" dur="indefinite" id="1"/>
       </p:par>
     </p:tnLst>
   </p:timing>
@@ -935,25 +935,25 @@
 </file>
 
 <file path=ppt/slideLayouts/slideLayout4.xml><?xml version="1.0" encoding="utf-8"?>
-<p:sldLayout xmlns:r="http://schemas.openxmlformats.org/officeDocument/2006/relationships" xmlns:a="http://schemas.openxmlformats.org/drawingml/2006/main" xmlns:p="http://schemas.openxmlformats.org/presentationml/2006/main" xmlns:mc="http://schemas.openxmlformats.org/markup-compatibility/2006" xmlns:c="http://schemas.openxmlformats.org/drawingml/2006/chart" xmlns:ns6="http://schemas.openxmlformats.org/drawingml/2006/chartDrawing" xmlns:dgm="http://schemas.openxmlformats.org/drawingml/2006/diagram" xmlns:pic="http://schemas.openxmlformats.org/drawingml/2006/picture" xmlns:wp="http://schemas.openxmlformats.org/drawingml/2006/wordprocessingDrawing" xmlns:xdr="http://schemas.openxmlformats.org/drawingml/2006/spreadsheetDrawing" xmlns:ns11="http://schemas.openxmlformats.org/drawingml/2006/compatibility" xmlns:ns12="http://schemas.openxmlformats.org/drawingml/2006/lockedCanvas" type="twoObj" preserve="true">
+<p:sldLayout xmlns:r="http://schemas.openxmlformats.org/officeDocument/2006/relationships" xmlns:a="http://schemas.openxmlformats.org/drawingml/2006/main" xmlns:p="http://schemas.openxmlformats.org/presentationml/2006/main" xmlns:mc="http://schemas.openxmlformats.org/markup-compatibility/2006" xmlns:c="http://schemas.openxmlformats.org/drawingml/2006/chart" xmlns:ns6="http://schemas.openxmlformats.org/drawingml/2006/chartDrawing" xmlns:dgm="http://schemas.openxmlformats.org/drawingml/2006/diagram" xmlns:pic="http://schemas.openxmlformats.org/drawingml/2006/picture" xmlns:wp="http://schemas.openxmlformats.org/drawingml/2006/wordprocessingDrawing" xmlns:xdr="http://schemas.openxmlformats.org/drawingml/2006/spreadsheetDrawing" xmlns:ns11="http://schemas.openxmlformats.org/drawingml/2006/compatibility" xmlns:ns12="http://schemas.openxmlformats.org/drawingml/2006/lockedCanvas" preserve="true" type="twoObj">
   <p:cSld name="Two Content">
     <p:spTree>
       <p:nvGrpSpPr>
-        <p:cNvPr id="1" name=""/>
+        <p:cNvPr name="" id="1"/>
         <p:cNvGrpSpPr/>
         <p:nvPr/>
       </p:nvGrpSpPr>
       <p:grpSpPr>
         <a:xfrm>
-          <a:off x="0" y="0"/>
-          <a:ext cx="0" cy="0"/>
-          <a:chOff x="0" y="0"/>
-          <a:chExt cx="0" cy="0"/>
+          <a:off y="0" x="0"/>
+          <a:ext cy="0" cx="0"/>
+          <a:chOff y="0" x="0"/>
+          <a:chExt cy="0" cx="0"/>
         </a:xfrm>
       </p:grpSpPr>
       <p:sp>
         <p:nvSpPr>
-          <p:cNvPr id="2" name="Titre 1"/>
+          <p:cNvPr name="Titre 1" id="2"/>
           <p:cNvSpPr>
             <a:spLocks noGrp="true"/>
           </p:cNvSpPr>
@@ -967,7 +967,7 @@
           <a:lstStyle/>
           <a:p>
             <a:r>
-              <a:rPr lang="fr-FR" smtClean="false"/>
+              <a:rPr smtClean="false" lang="fr-FR"/>
               <a:t>Modifiez le style du titre</a:t>
             </a:r>
             <a:endParaRPr lang="fr-FR"/>
@@ -976,18 +976,18 @@
       </p:sp>
       <p:sp>
         <p:nvSpPr>
-          <p:cNvPr id="3" name="Espace réservé du contenu 2"/>
+          <p:cNvPr name="Espace réservé du contenu 2" id="3"/>
           <p:cNvSpPr>
             <a:spLocks noGrp="true"/>
           </p:cNvSpPr>
           <p:nvPr>
-            <p:ph sz="half" idx="1"/>
+            <p:ph idx="1" sz="half"/>
           </p:nvPr>
         </p:nvSpPr>
         <p:spPr>
           <a:xfrm>
-            <a:off x="838200" y="1825625"/>
-            <a:ext cx="5181600" cy="4351338"/>
+            <a:off y="1825625" x="838200"/>
+            <a:ext cy="4351338" cx="5181600"/>
           </a:xfrm>
         </p:spPr>
         <p:txBody>
@@ -996,35 +996,35 @@
           <a:p>
             <a:pPr lvl="0"/>
             <a:r>
-              <a:rPr lang="fr-FR" smtClean="false"/>
+              <a:rPr smtClean="false" lang="fr-FR"/>
               <a:t>Modifiez les styles du texte du masque</a:t>
             </a:r>
           </a:p>
           <a:p>
             <a:pPr lvl="1"/>
             <a:r>
-              <a:rPr lang="fr-FR" smtClean="false"/>
+              <a:rPr smtClean="false" lang="fr-FR"/>
               <a:t>Deuxième niveau</a:t>
             </a:r>
           </a:p>
           <a:p>
             <a:pPr lvl="2"/>
             <a:r>
-              <a:rPr lang="fr-FR" smtClean="false"/>
+              <a:rPr smtClean="false" lang="fr-FR"/>
               <a:t>Troisième niveau</a:t>
             </a:r>
           </a:p>
           <a:p>
             <a:pPr lvl="3"/>
             <a:r>
-              <a:rPr lang="fr-FR" smtClean="false"/>
+              <a:rPr smtClean="false" lang="fr-FR"/>
               <a:t>Quatrième niveau</a:t>
             </a:r>
           </a:p>
           <a:p>
             <a:pPr lvl="4"/>
             <a:r>
-              <a:rPr lang="fr-FR" smtClean="false"/>
+              <a:rPr smtClean="false" lang="fr-FR"/>
               <a:t>Cinquième niveau</a:t>
             </a:r>
             <a:endParaRPr lang="fr-FR"/>
@@ -1033,18 +1033,18 @@
       </p:sp>
       <p:sp>
         <p:nvSpPr>
-          <p:cNvPr id="4" name="Espace réservé du contenu 3"/>
+          <p:cNvPr name="Espace réservé du contenu 3" id="4"/>
           <p:cNvSpPr>
             <a:spLocks noGrp="true"/>
           </p:cNvSpPr>
           <p:nvPr>
-            <p:ph sz="half" idx="2"/>
+            <p:ph idx="2" sz="half"/>
           </p:nvPr>
         </p:nvSpPr>
         <p:spPr>
           <a:xfrm>
-            <a:off x="6172200" y="1825625"/>
-            <a:ext cx="5181600" cy="4351338"/>
+            <a:off y="1825625" x="6172200"/>
+            <a:ext cy="4351338" cx="5181600"/>
           </a:xfrm>
         </p:spPr>
         <p:txBody>
@@ -1053,35 +1053,35 @@
           <a:p>
             <a:pPr lvl="0"/>
             <a:r>
-              <a:rPr lang="fr-FR" smtClean="false"/>
+              <a:rPr smtClean="false" lang="fr-FR"/>
               <a:t>Modifiez les styles du texte du masque</a:t>
             </a:r>
           </a:p>
           <a:p>
             <a:pPr lvl="1"/>
             <a:r>
-              <a:rPr lang="fr-FR" smtClean="false"/>
+              <a:rPr smtClean="false" lang="fr-FR"/>
               <a:t>Deuxième niveau</a:t>
             </a:r>
           </a:p>
           <a:p>
             <a:pPr lvl="2"/>
             <a:r>
-              <a:rPr lang="fr-FR" smtClean="false"/>
+              <a:rPr smtClean="false" lang="fr-FR"/>
               <a:t>Troisième niveau</a:t>
             </a:r>
           </a:p>
           <a:p>
             <a:pPr lvl="3"/>
             <a:r>
-              <a:rPr lang="fr-FR" smtClean="false"/>
+              <a:rPr smtClean="false" lang="fr-FR"/>
               <a:t>Quatrième niveau</a:t>
             </a:r>
           </a:p>
           <a:p>
             <a:pPr lvl="4"/>
             <a:r>
-              <a:rPr lang="fr-FR" smtClean="false"/>
+              <a:rPr smtClean="false" lang="fr-FR"/>
               <a:t>Cinquième niveau</a:t>
             </a:r>
             <a:endParaRPr lang="fr-FR"/>
@@ -1090,12 +1090,12 @@
       </p:sp>
       <p:sp>
         <p:nvSpPr>
-          <p:cNvPr id="5" name="Espace réservé de la date 4"/>
+          <p:cNvPr name="Espace réservé de la date 4" id="5"/>
           <p:cNvSpPr>
             <a:spLocks noGrp="true"/>
           </p:cNvSpPr>
           <p:nvPr>
-            <p:ph type="dt" sz="half" idx="10"/>
+            <p:ph idx="10" sz="half" type="dt"/>
           </p:nvPr>
         </p:nvSpPr>
         <p:spPr/>
@@ -1103,8 +1103,8 @@
           <a:bodyPr/>
           <a:lstStyle/>
           <a:p>
-            <a:fld id="{CE3110EA-6548-4EF6-B0A9-8F847AEECEDD}" type="datetimeFigureOut">
-              <a:rPr lang="fr-FR" smtClean="false"/>
+            <a:fld type="datetimeFigureOut" id="{CE3110EA-6548-4EF6-B0A9-8F847AEECEDD}">
+              <a:rPr smtClean="false" lang="fr-FR"/>
               <a:t>07/12/2013</a:t>
             </a:fld>
             <a:endParaRPr lang="fr-FR"/>
@@ -1113,12 +1113,12 @@
       </p:sp>
       <p:sp>
         <p:nvSpPr>
-          <p:cNvPr id="7" name="Espace réservé du numéro de diapositive 6"/>
+          <p:cNvPr name="Espace réservé du numéro de diapositive 6" id="7"/>
           <p:cNvSpPr>
             <a:spLocks noGrp="true"/>
           </p:cNvSpPr>
           <p:nvPr>
-            <p:ph type="sldNum" sz="quarter" idx="12"/>
+            <p:ph idx="12" sz="quarter" type="sldNum"/>
           </p:nvPr>
         </p:nvSpPr>
         <p:spPr/>
@@ -1126,8 +1126,8 @@
           <a:bodyPr/>
           <a:lstStyle/>
           <a:p>
-            <a:fld id="{C47AABF0-D73A-43C1-84CC-8A30B6535388}" type="slidenum">
-              <a:rPr lang="fr-FR" smtClean="false"/>
+            <a:fld type="slidenum" id="{C47AABF0-D73A-43C1-84CC-8A30B6535388}">
+              <a:rPr smtClean="false" lang="fr-FR"/>
               <a:t>‹N°›</a:t>
             </a:fld>
             <a:endParaRPr lang="fr-FR"/>
@@ -1136,12 +1136,12 @@
       </p:sp>
       <p:sp>
         <p:nvSpPr>
-          <p:cNvPr id="6" name="Espace réservé du pied de page 5"/>
+          <p:cNvPr name="Espace réservé du pied de page 5" id="6"/>
           <p:cNvSpPr>
             <a:spLocks noGrp="true"/>
           </p:cNvSpPr>
           <p:nvPr>
-            <p:ph type="ftr" sz="quarter" idx="13"/>
+            <p:ph idx="13" sz="quarter" type="ftr"/>
           </p:nvPr>
         </p:nvSpPr>
         <p:spPr/>
@@ -1166,7 +1166,7 @@
   <p:timing>
     <p:tnLst>
       <p:par>
-        <p:cTn id="1" dur="indefinite" restart="never" nodeType="tmRoot"/>
+        <p:cTn nodeType="tmRoot" restart="never" dur="indefinite" id="1"/>
       </p:par>
     </p:tnLst>
   </p:timing>
@@ -1174,25 +1174,25 @@
 </file>
 
 <file path=ppt/slideLayouts/slideLayout5.xml><?xml version="1.0" encoding="utf-8"?>
-<p:sldLayout xmlns:r="http://schemas.openxmlformats.org/officeDocument/2006/relationships" xmlns:a="http://schemas.openxmlformats.org/drawingml/2006/main" xmlns:p="http://schemas.openxmlformats.org/presentationml/2006/main" xmlns:mc="http://schemas.openxmlformats.org/markup-compatibility/2006" xmlns:c="http://schemas.openxmlformats.org/drawingml/2006/chart" xmlns:ns6="http://schemas.openxmlformats.org/drawingml/2006/chartDrawing" xmlns:dgm="http://schemas.openxmlformats.org/drawingml/2006/diagram" xmlns:pic="http://schemas.openxmlformats.org/drawingml/2006/picture" xmlns:wp="http://schemas.openxmlformats.org/drawingml/2006/wordprocessingDrawing" xmlns:xdr="http://schemas.openxmlformats.org/drawingml/2006/spreadsheetDrawing" xmlns:ns11="http://schemas.openxmlformats.org/drawingml/2006/compatibility" xmlns:ns12="http://schemas.openxmlformats.org/drawingml/2006/lockedCanvas" type="twoTxTwoObj" preserve="true">
+<p:sldLayout xmlns:r="http://schemas.openxmlformats.org/officeDocument/2006/relationships" xmlns:a="http://schemas.openxmlformats.org/drawingml/2006/main" xmlns:p="http://schemas.openxmlformats.org/presentationml/2006/main" xmlns:mc="http://schemas.openxmlformats.org/markup-compatibility/2006" xmlns:c="http://schemas.openxmlformats.org/drawingml/2006/chart" xmlns:ns6="http://schemas.openxmlformats.org/drawingml/2006/chartDrawing" xmlns:dgm="http://schemas.openxmlformats.org/drawingml/2006/diagram" xmlns:pic="http://schemas.openxmlformats.org/drawingml/2006/picture" xmlns:wp="http://schemas.openxmlformats.org/drawingml/2006/wordprocessingDrawing" xmlns:xdr="http://schemas.openxmlformats.org/drawingml/2006/spreadsheetDrawing" xmlns:ns11="http://schemas.openxmlformats.org/drawingml/2006/compatibility" xmlns:ns12="http://schemas.openxmlformats.org/drawingml/2006/lockedCanvas" preserve="true" type="twoTxTwoObj">
   <p:cSld name="Comparison">
     <p:spTree>
       <p:nvGrpSpPr>
-        <p:cNvPr id="1" name=""/>
+        <p:cNvPr name="" id="1"/>
         <p:cNvGrpSpPr/>
         <p:nvPr/>
       </p:nvGrpSpPr>
       <p:grpSpPr>
         <a:xfrm>
-          <a:off x="0" y="0"/>
-          <a:ext cx="0" cy="0"/>
-          <a:chOff x="0" y="0"/>
-          <a:chExt cx="0" cy="0"/>
+          <a:off y="0" x="0"/>
+          <a:ext cy="0" cx="0"/>
+          <a:chOff y="0" x="0"/>
+          <a:chExt cy="0" cx="0"/>
         </a:xfrm>
       </p:grpSpPr>
       <p:sp>
         <p:nvSpPr>
-          <p:cNvPr id="2" name="Titre 1"/>
+          <p:cNvPr name="Titre 1" id="2"/>
           <p:cNvSpPr>
             <a:spLocks noGrp="true"/>
           </p:cNvSpPr>
@@ -1202,8 +1202,8 @@
         </p:nvSpPr>
         <p:spPr>
           <a:xfrm>
-            <a:off x="839788" y="365125"/>
-            <a:ext cx="10515600" cy="1325563"/>
+            <a:off y="365125" x="839788"/>
+            <a:ext cy="1325563" cx="10515600"/>
           </a:xfrm>
         </p:spPr>
         <p:txBody>
@@ -1211,7 +1211,7 @@
           <a:lstStyle/>
           <a:p>
             <a:r>
-              <a:rPr lang="fr-FR" smtClean="false"/>
+              <a:rPr smtClean="false" lang="fr-FR"/>
               <a:t>Modifiez le style du titre</a:t>
             </a:r>
             <a:endParaRPr lang="fr-FR"/>
@@ -1220,64 +1220,64 @@
       </p:sp>
       <p:sp>
         <p:nvSpPr>
-          <p:cNvPr id="3" name="Espace réservé du texte 2"/>
+          <p:cNvPr name="Espace réservé du texte 2" id="3"/>
           <p:cNvSpPr>
             <a:spLocks noGrp="true"/>
           </p:cNvSpPr>
           <p:nvPr>
-            <p:ph type="body" idx="1"/>
+            <p:ph idx="1" type="body"/>
           </p:nvPr>
         </p:nvSpPr>
         <p:spPr>
           <a:xfrm>
-            <a:off x="839788" y="1681163"/>
-            <a:ext cx="5157787" cy="823912"/>
+            <a:off y="1681163" x="839788"/>
+            <a:ext cy="823912" cx="5157787"/>
           </a:xfrm>
         </p:spPr>
         <p:txBody>
           <a:bodyPr anchor="b"/>
           <a:lstStyle>
-            <a:lvl1pPr marL="0" indent="0">
+            <a:lvl1pPr indent="0" marL="0">
               <a:buNone/>
-              <a:defRPr sz="2400" b="true"/>
+              <a:defRPr b="true" sz="2400"/>
             </a:lvl1pPr>
-            <a:lvl2pPr marL="457200" indent="0">
+            <a:lvl2pPr indent="0" marL="457200">
               <a:buNone/>
-              <a:defRPr sz="2000" b="true"/>
+              <a:defRPr b="true" sz="2000"/>
             </a:lvl2pPr>
-            <a:lvl3pPr marL="914400" indent="0">
+            <a:lvl3pPr indent="0" marL="914400">
               <a:buNone/>
-              <a:defRPr sz="1800" b="true"/>
+              <a:defRPr b="true" sz="1800"/>
             </a:lvl3pPr>
-            <a:lvl4pPr marL="1371600" indent="0">
+            <a:lvl4pPr indent="0" marL="1371600">
               <a:buNone/>
-              <a:defRPr sz="1600" b="true"/>
+              <a:defRPr b="true" sz="1600"/>
             </a:lvl4pPr>
-            <a:lvl5pPr marL="1828800" indent="0">
+            <a:lvl5pPr indent="0" marL="1828800">
               <a:buNone/>
-              <a:defRPr sz="1600" b="true"/>
+              <a:defRPr b="true" sz="1600"/>
             </a:lvl5pPr>
-            <a:lvl6pPr marL="2286000" indent="0">
+            <a:lvl6pPr indent="0" marL="2286000">
               <a:buNone/>
-              <a:defRPr sz="1600" b="true"/>
+              <a:defRPr b="true" sz="1600"/>
             </a:lvl6pPr>
-            <a:lvl7pPr marL="2743200" indent="0">
+            <a:lvl7pPr indent="0" marL="2743200">
               <a:buNone/>
-              <a:defRPr sz="1600" b="true"/>
+              <a:defRPr b="true" sz="1600"/>
             </a:lvl7pPr>
-            <a:lvl8pPr marL="3200400" indent="0">
+            <a:lvl8pPr indent="0" marL="3200400">
               <a:buNone/>
-              <a:defRPr sz="1600" b="true"/>
+              <a:defRPr b="true" sz="1600"/>
             </a:lvl8pPr>
-            <a:lvl9pPr marL="3657600" indent="0">
+            <a:lvl9pPr indent="0" marL="3657600">
               <a:buNone/>
-              <a:defRPr sz="1600" b="true"/>
+              <a:defRPr b="true" sz="1600"/>
             </a:lvl9pPr>
           </a:lstStyle>
           <a:p>
             <a:pPr lvl="0"/>
             <a:r>
-              <a:rPr lang="fr-FR" smtClean="false"/>
+              <a:rPr smtClean="false" lang="fr-FR"/>
               <a:t>Modifiez les styles du texte du masque</a:t>
             </a:r>
           </a:p>
@@ -1285,18 +1285,18 @@
       </p:sp>
       <p:sp>
         <p:nvSpPr>
-          <p:cNvPr id="4" name="Espace réservé du contenu 3"/>
+          <p:cNvPr name="Espace réservé du contenu 3" id="4"/>
           <p:cNvSpPr>
             <a:spLocks noGrp="true"/>
           </p:cNvSpPr>
           <p:nvPr>
-            <p:ph sz="half" idx="2"/>
+            <p:ph idx="2" sz="half"/>
           </p:nvPr>
         </p:nvSpPr>
         <p:spPr>
           <a:xfrm>
-            <a:off x="839788" y="2505075"/>
-            <a:ext cx="5157787" cy="3684588"/>
+            <a:off y="2505075" x="839788"/>
+            <a:ext cy="3684588" cx="5157787"/>
           </a:xfrm>
         </p:spPr>
         <p:txBody>
@@ -1305,35 +1305,35 @@
           <a:p>
             <a:pPr lvl="0"/>
             <a:r>
-              <a:rPr lang="fr-FR" smtClean="false"/>
+              <a:rPr smtClean="false" lang="fr-FR"/>
               <a:t>Modifiez les styles du texte du masque</a:t>
             </a:r>
           </a:p>
           <a:p>
             <a:pPr lvl="1"/>
             <a:r>
-              <a:rPr lang="fr-FR" smtClean="false"/>
+              <a:rPr smtClean="false" lang="fr-FR"/>
               <a:t>Deuxième niveau</a:t>
             </a:r>
           </a:p>
           <a:p>
             <a:pPr lvl="2"/>
             <a:r>
-              <a:rPr lang="fr-FR" smtClean="false"/>
+              <a:rPr smtClean="false" lang="fr-FR"/>
               <a:t>Troisième niveau</a:t>
             </a:r>
           </a:p>
           <a:p>
             <a:pPr lvl="3"/>
             <a:r>
-              <a:rPr lang="fr-FR" smtClean="false"/>
+              <a:rPr smtClean="false" lang="fr-FR"/>
               <a:t>Quatrième niveau</a:t>
             </a:r>
           </a:p>
           <a:p>
             <a:pPr lvl="4"/>
             <a:r>
-              <a:rPr lang="fr-FR" smtClean="false"/>
+              <a:rPr smtClean="false" lang="fr-FR"/>
               <a:t>Cinquième niveau</a:t>
             </a:r>
             <a:endParaRPr lang="fr-FR"/>
@@ -1342,64 +1342,64 @@
       </p:sp>
       <p:sp>
         <p:nvSpPr>
-          <p:cNvPr id="5" name="Espace réservé du texte 4"/>
+          <p:cNvPr name="Espace réservé du texte 4" id="5"/>
           <p:cNvSpPr>
             <a:spLocks noGrp="true"/>
           </p:cNvSpPr>
           <p:nvPr>
-            <p:ph type="body" sz="quarter" idx="3"/>
+            <p:ph idx="3" sz="quarter" type="body"/>
           </p:nvPr>
         </p:nvSpPr>
         <p:spPr>
           <a:xfrm>
-            <a:off x="6172200" y="1681163"/>
-            <a:ext cx="5183188" cy="823912"/>
+            <a:off y="1681163" x="6172200"/>
+            <a:ext cy="823912" cx="5183188"/>
           </a:xfrm>
         </p:spPr>
         <p:txBody>
           <a:bodyPr anchor="b"/>
           <a:lstStyle>
-            <a:lvl1pPr marL="0" indent="0">
+            <a:lvl1pPr indent="0" marL="0">
               <a:buNone/>
-              <a:defRPr sz="2400" b="true"/>
+              <a:defRPr b="true" sz="2400"/>
             </a:lvl1pPr>
-            <a:lvl2pPr marL="457200" indent="0">
+            <a:lvl2pPr indent="0" marL="457200">
               <a:buNone/>
-              <a:defRPr sz="2000" b="true"/>
+              <a:defRPr b="true" sz="2000"/>
             </a:lvl2pPr>
-            <a:lvl3pPr marL="914400" indent="0">
+            <a:lvl3pPr indent="0" marL="914400">
               <a:buNone/>
-              <a:defRPr sz="1800" b="true"/>
+              <a:defRPr b="true" sz="1800"/>
             </a:lvl3pPr>
-            <a:lvl4pPr marL="1371600" indent="0">
+            <a:lvl4pPr indent="0" marL="1371600">
               <a:buNone/>
-              <a:defRPr sz="1600" b="true"/>
+              <a:defRPr b="true" sz="1600"/>
             </a:lvl4pPr>
-            <a:lvl5pPr marL="1828800" indent="0">
+            <a:lvl5pPr indent="0" marL="1828800">
               <a:buNone/>
-              <a:defRPr sz="1600" b="true"/>
+              <a:defRPr b="true" sz="1600"/>
             </a:lvl5pPr>
-            <a:lvl6pPr marL="2286000" indent="0">
+            <a:lvl6pPr indent="0" marL="2286000">
               <a:buNone/>
-              <a:defRPr sz="1600" b="true"/>
+              <a:defRPr b="true" sz="1600"/>
             </a:lvl6pPr>
-            <a:lvl7pPr marL="2743200" indent="0">
+            <a:lvl7pPr indent="0" marL="2743200">
               <a:buNone/>
-              <a:defRPr sz="1600" b="true"/>
+              <a:defRPr b="true" sz="1600"/>
             </a:lvl7pPr>
-            <a:lvl8pPr marL="3200400" indent="0">
+            <a:lvl8pPr indent="0" marL="3200400">
               <a:buNone/>
-              <a:defRPr sz="1600" b="true"/>
+              <a:defRPr b="true" sz="1600"/>
             </a:lvl8pPr>
-            <a:lvl9pPr marL="3657600" indent="0">
+            <a:lvl9pPr indent="0" marL="3657600">
               <a:buNone/>
-              <a:defRPr sz="1600" b="true"/>
+              <a:defRPr b="true" sz="1600"/>
             </a:lvl9pPr>
           </a:lstStyle>
           <a:p>
             <a:pPr lvl="0"/>
             <a:r>
-              <a:rPr lang="fr-FR" smtClean="false"/>
+              <a:rPr smtClean="false" lang="fr-FR"/>
               <a:t>Modifiez les styles du texte du masque</a:t>
             </a:r>
           </a:p>
@@ -1407,18 +1407,18 @@
       </p:sp>
       <p:sp>
         <p:nvSpPr>
-          <p:cNvPr id="6" name="Espace réservé du contenu 5"/>
+          <p:cNvPr name="Espace réservé du contenu 5" id="6"/>
           <p:cNvSpPr>
             <a:spLocks noGrp="true"/>
           </p:cNvSpPr>
           <p:nvPr>
-            <p:ph sz="quarter" idx="4"/>
+            <p:ph idx="4" sz="quarter"/>
           </p:nvPr>
         </p:nvSpPr>
         <p:spPr>
           <a:xfrm>
-            <a:off x="6172200" y="2505075"/>
-            <a:ext cx="5183188" cy="3684588"/>
+            <a:off y="2505075" x="6172200"/>
+            <a:ext cy="3684588" cx="5183188"/>
           </a:xfrm>
         </p:spPr>
         <p:txBody>
@@ -1427,35 +1427,35 @@
           <a:p>
             <a:pPr lvl="0"/>
             <a:r>
-              <a:rPr lang="fr-FR" smtClean="false"/>
+              <a:rPr smtClean="false" lang="fr-FR"/>
               <a:t>Modifiez les styles du texte du masque</a:t>
             </a:r>
           </a:p>
           <a:p>
             <a:pPr lvl="1"/>
             <a:r>
-              <a:rPr lang="fr-FR" smtClean="false"/>
+              <a:rPr smtClean="false" lang="fr-FR"/>
               <a:t>Deuxième niveau</a:t>
             </a:r>
           </a:p>
           <a:p>
             <a:pPr lvl="2"/>
             <a:r>
-              <a:rPr lang="fr-FR" smtClean="false"/>
+              <a:rPr smtClean="false" lang="fr-FR"/>
               <a:t>Troisième niveau</a:t>
             </a:r>
           </a:p>
           <a:p>
             <a:pPr lvl="3"/>
             <a:r>
-              <a:rPr lang="fr-FR" smtClean="false"/>
+              <a:rPr smtClean="false" lang="fr-FR"/>
               <a:t>Quatrième niveau</a:t>
             </a:r>
           </a:p>
           <a:p>
             <a:pPr lvl="4"/>
             <a:r>
-              <a:rPr lang="fr-FR" smtClean="false"/>
+              <a:rPr smtClean="false" lang="fr-FR"/>
               <a:t>Cinquième niveau</a:t>
             </a:r>
             <a:endParaRPr lang="fr-FR"/>
@@ -1464,12 +1464,12 @@
       </p:sp>
       <p:sp>
         <p:nvSpPr>
-          <p:cNvPr id="7" name="Espace réservé de la date 6"/>
+          <p:cNvPr name="Espace réservé de la date 6" id="7"/>
           <p:cNvSpPr>
             <a:spLocks noGrp="true"/>
           </p:cNvSpPr>
           <p:nvPr>
-            <p:ph type="dt" sz="half" idx="10"/>
+            <p:ph idx="10" sz="half" type="dt"/>
           </p:nvPr>
         </p:nvSpPr>
         <p:spPr/>
@@ -1477,8 +1477,8 @@
           <a:bodyPr/>
           <a:lstStyle/>
           <a:p>
-            <a:fld id="{CE3110EA-6548-4EF6-B0A9-8F847AEECEDD}" type="datetimeFigureOut">
-              <a:rPr lang="fr-FR" smtClean="false"/>
+            <a:fld type="datetimeFigureOut" id="{CE3110EA-6548-4EF6-B0A9-8F847AEECEDD}">
+              <a:rPr smtClean="false" lang="fr-FR"/>
               <a:t>07/12/2013</a:t>
             </a:fld>
             <a:endParaRPr lang="fr-FR"/>
@@ -1487,12 +1487,12 @@
       </p:sp>
       <p:sp>
         <p:nvSpPr>
-          <p:cNvPr id="9" name="Espace réservé du numéro de diapositive 8"/>
+          <p:cNvPr name="Espace réservé du numéro de diapositive 8" id="9"/>
           <p:cNvSpPr>
             <a:spLocks noGrp="true"/>
           </p:cNvSpPr>
           <p:nvPr>
-            <p:ph type="sldNum" sz="quarter" idx="12"/>
+            <p:ph idx="12" sz="quarter" type="sldNum"/>
           </p:nvPr>
         </p:nvSpPr>
         <p:spPr/>
@@ -1500,8 +1500,8 @@
           <a:bodyPr/>
           <a:lstStyle/>
           <a:p>
-            <a:fld id="{C47AABF0-D73A-43C1-84CC-8A30B6535388}" type="slidenum">
-              <a:rPr lang="fr-FR" smtClean="false"/>
+            <a:fld type="slidenum" id="{C47AABF0-D73A-43C1-84CC-8A30B6535388}">
+              <a:rPr smtClean="false" lang="fr-FR"/>
               <a:t>‹N°›</a:t>
             </a:fld>
             <a:endParaRPr lang="fr-FR"/>
@@ -1521,7 +1521,7 @@
   <p:timing>
     <p:tnLst>
       <p:par>
-        <p:cTn id="1" dur="indefinite" restart="never" nodeType="tmRoot"/>
+        <p:cTn nodeType="tmRoot" restart="never" dur="indefinite" id="1"/>
       </p:par>
     </p:tnLst>
   </p:timing>
@@ -1529,25 +1529,25 @@
 </file>
 
 <file path=ppt/slideLayouts/slideLayout6.xml><?xml version="1.0" encoding="utf-8"?>
-<p:sldLayout xmlns:r="http://schemas.openxmlformats.org/officeDocument/2006/relationships" xmlns:a="http://schemas.openxmlformats.org/drawingml/2006/main" xmlns:p="http://schemas.openxmlformats.org/presentationml/2006/main" xmlns:mc="http://schemas.openxmlformats.org/markup-compatibility/2006" xmlns:c="http://schemas.openxmlformats.org/drawingml/2006/chart" xmlns:ns6="http://schemas.openxmlformats.org/drawingml/2006/chartDrawing" xmlns:dgm="http://schemas.openxmlformats.org/drawingml/2006/diagram" xmlns:pic="http://schemas.openxmlformats.org/drawingml/2006/picture" xmlns:wp="http://schemas.openxmlformats.org/drawingml/2006/wordprocessingDrawing" xmlns:xdr="http://schemas.openxmlformats.org/drawingml/2006/spreadsheetDrawing" xmlns:ns11="http://schemas.openxmlformats.org/drawingml/2006/compatibility" xmlns:ns12="http://schemas.openxmlformats.org/drawingml/2006/lockedCanvas" type="titleOnly" preserve="true">
+<p:sldLayout xmlns:r="http://schemas.openxmlformats.org/officeDocument/2006/relationships" xmlns:a="http://schemas.openxmlformats.org/drawingml/2006/main" xmlns:p="http://schemas.openxmlformats.org/presentationml/2006/main" xmlns:mc="http://schemas.openxmlformats.org/markup-compatibility/2006" xmlns:c="http://schemas.openxmlformats.org/drawingml/2006/chart" xmlns:ns6="http://schemas.openxmlformats.org/drawingml/2006/chartDrawing" xmlns:dgm="http://schemas.openxmlformats.org/drawingml/2006/diagram" xmlns:pic="http://schemas.openxmlformats.org/drawingml/2006/picture" xmlns:wp="http://schemas.openxmlformats.org/drawingml/2006/wordprocessingDrawing" xmlns:xdr="http://schemas.openxmlformats.org/drawingml/2006/spreadsheetDrawing" xmlns:ns11="http://schemas.openxmlformats.org/drawingml/2006/compatibility" xmlns:ns12="http://schemas.openxmlformats.org/drawingml/2006/lockedCanvas" preserve="true" type="titleOnly">
   <p:cSld name="Title Only">
     <p:spTree>
       <p:nvGrpSpPr>
-        <p:cNvPr id="1" name=""/>
+        <p:cNvPr name="" id="1"/>
         <p:cNvGrpSpPr/>
         <p:nvPr/>
       </p:nvGrpSpPr>
       <p:grpSpPr>
         <a:xfrm>
-          <a:off x="0" y="0"/>
-          <a:ext cx="0" cy="0"/>
-          <a:chOff x="0" y="0"/>
-          <a:chExt cx="0" cy="0"/>
+          <a:off y="0" x="0"/>
+          <a:ext cy="0" cx="0"/>
+          <a:chOff y="0" x="0"/>
+          <a:chExt cy="0" cx="0"/>
         </a:xfrm>
       </p:grpSpPr>
       <p:sp>
         <p:nvSpPr>
-          <p:cNvPr id="2" name="Titre 1"/>
+          <p:cNvPr name="Titre 1" id="2"/>
           <p:cNvSpPr>
             <a:spLocks noGrp="true"/>
           </p:cNvSpPr>
@@ -1561,7 +1561,7 @@
           <a:lstStyle/>
           <a:p>
             <a:r>
-              <a:rPr lang="fr-FR" smtClean="false"/>
+              <a:rPr smtClean="false" lang="fr-FR"/>
               <a:t>Modifiez le style du titre</a:t>
             </a:r>
             <a:endParaRPr lang="fr-FR"/>
@@ -1570,12 +1570,12 @@
       </p:sp>
       <p:sp>
         <p:nvSpPr>
-          <p:cNvPr id="3" name="Espace réservé de la date 2"/>
+          <p:cNvPr name="Espace réservé de la date 2" id="3"/>
           <p:cNvSpPr>
             <a:spLocks noGrp="true"/>
           </p:cNvSpPr>
           <p:nvPr>
-            <p:ph type="dt" sz="half" idx="10"/>
+            <p:ph idx="10" sz="half" type="dt"/>
           </p:nvPr>
         </p:nvSpPr>
         <p:spPr/>
@@ -1583,8 +1583,8 @@
           <a:bodyPr/>
           <a:lstStyle/>
           <a:p>
-            <a:fld id="{CE3110EA-6548-4EF6-B0A9-8F847AEECEDD}" type="datetimeFigureOut">
-              <a:rPr lang="fr-FR" smtClean="false"/>
+            <a:fld type="datetimeFigureOut" id="{CE3110EA-6548-4EF6-B0A9-8F847AEECEDD}">
+              <a:rPr smtClean="false" lang="fr-FR"/>
               <a:t>07/12/2013</a:t>
             </a:fld>
             <a:endParaRPr lang="fr-FR"/>
@@ -1593,12 +1593,12 @@
       </p:sp>
       <p:sp>
         <p:nvSpPr>
-          <p:cNvPr id="4" name="Espace réservé du pied de page 3"/>
+          <p:cNvPr name="Espace réservé du pied de page 3" id="4"/>
           <p:cNvSpPr>
             <a:spLocks noGrp="true"/>
           </p:cNvSpPr>
           <p:nvPr>
-            <p:ph type="ftr" sz="quarter" idx="11"/>
+            <p:ph idx="11" sz="quarter" type="ftr"/>
           </p:nvPr>
         </p:nvSpPr>
         <p:spPr/>
@@ -1612,12 +1612,12 @@
       </p:sp>
       <p:sp>
         <p:nvSpPr>
-          <p:cNvPr id="5" name="Espace réservé du numéro de diapositive 4"/>
+          <p:cNvPr name="Espace réservé du numéro de diapositive 4" id="5"/>
           <p:cNvSpPr>
             <a:spLocks noGrp="true"/>
           </p:cNvSpPr>
           <p:nvPr>
-            <p:ph type="sldNum" sz="quarter" idx="12"/>
+            <p:ph idx="12" sz="quarter" type="sldNum"/>
           </p:nvPr>
         </p:nvSpPr>
         <p:spPr/>
@@ -1625,8 +1625,8 @@
           <a:bodyPr/>
           <a:lstStyle/>
           <a:p>
-            <a:fld id="{C47AABF0-D73A-43C1-84CC-8A30B6535388}" type="slidenum">
-              <a:rPr lang="fr-FR" smtClean="false"/>
+            <a:fld type="slidenum" id="{C47AABF0-D73A-43C1-84CC-8A30B6535388}">
+              <a:rPr smtClean="false" lang="fr-FR"/>
               <a:t>‹N°›</a:t>
             </a:fld>
             <a:endParaRPr lang="fr-FR"/>
@@ -1646,7 +1646,7 @@
   <p:timing>
     <p:tnLst>
       <p:par>
-        <p:cTn id="1" dur="indefinite" restart="never" nodeType="tmRoot"/>
+        <p:cTn nodeType="tmRoot" restart="never" dur="indefinite" id="1"/>
       </p:par>
     </p:tnLst>
   </p:timing>
@@ -1654,30 +1654,30 @@
 </file>
 
 <file path=ppt/slideLayouts/slideLayout7.xml><?xml version="1.0" encoding="utf-8"?>
-<p:sldLayout xmlns:r="http://schemas.openxmlformats.org/officeDocument/2006/relationships" xmlns:a="http://schemas.openxmlformats.org/drawingml/2006/main" xmlns:p="http://schemas.openxmlformats.org/presentationml/2006/main" xmlns:mc="http://schemas.openxmlformats.org/markup-compatibility/2006" xmlns:c="http://schemas.openxmlformats.org/drawingml/2006/chart" xmlns:ns6="http://schemas.openxmlformats.org/drawingml/2006/chartDrawing" xmlns:dgm="http://schemas.openxmlformats.org/drawingml/2006/diagram" xmlns:pic="http://schemas.openxmlformats.org/drawingml/2006/picture" xmlns:wp="http://schemas.openxmlformats.org/drawingml/2006/wordprocessingDrawing" xmlns:xdr="http://schemas.openxmlformats.org/drawingml/2006/spreadsheetDrawing" xmlns:ns11="http://schemas.openxmlformats.org/drawingml/2006/compatibility" xmlns:ns12="http://schemas.openxmlformats.org/drawingml/2006/lockedCanvas" type="blank" preserve="true">
+<p:sldLayout xmlns:r="http://schemas.openxmlformats.org/officeDocument/2006/relationships" xmlns:a="http://schemas.openxmlformats.org/drawingml/2006/main" xmlns:p="http://schemas.openxmlformats.org/presentationml/2006/main" xmlns:mc="http://schemas.openxmlformats.org/markup-compatibility/2006" xmlns:c="http://schemas.openxmlformats.org/drawingml/2006/chart" xmlns:ns6="http://schemas.openxmlformats.org/drawingml/2006/chartDrawing" xmlns:dgm="http://schemas.openxmlformats.org/drawingml/2006/diagram" xmlns:pic="http://schemas.openxmlformats.org/drawingml/2006/picture" xmlns:wp="http://schemas.openxmlformats.org/drawingml/2006/wordprocessingDrawing" xmlns:xdr="http://schemas.openxmlformats.org/drawingml/2006/spreadsheetDrawing" xmlns:ns11="http://schemas.openxmlformats.org/drawingml/2006/compatibility" xmlns:ns12="http://schemas.openxmlformats.org/drawingml/2006/lockedCanvas" preserve="true" type="blank">
   <p:cSld name="Blank">
     <p:spTree>
       <p:nvGrpSpPr>
-        <p:cNvPr id="1" name=""/>
+        <p:cNvPr name="" id="1"/>
         <p:cNvGrpSpPr/>
         <p:nvPr/>
       </p:nvGrpSpPr>
       <p:grpSpPr>
         <a:xfrm>
-          <a:off x="0" y="0"/>
-          <a:ext cx="0" cy="0"/>
-          <a:chOff x="0" y="0"/>
-          <a:chExt cx="0" cy="0"/>
+          <a:off y="0" x="0"/>
+          <a:ext cy="0" cx="0"/>
+          <a:chOff y="0" x="0"/>
+          <a:chExt cy="0" cx="0"/>
         </a:xfrm>
       </p:grpSpPr>
       <p:sp>
         <p:nvSpPr>
-          <p:cNvPr id="2" name="Espace réservé de la date 1"/>
+          <p:cNvPr name="Espace réservé de la date 1" id="2"/>
           <p:cNvSpPr>
             <a:spLocks noGrp="true"/>
           </p:cNvSpPr>
           <p:nvPr>
-            <p:ph type="dt" sz="half" idx="10"/>
+            <p:ph idx="10" sz="half" type="dt"/>
           </p:nvPr>
         </p:nvSpPr>
         <p:spPr/>
@@ -1685,8 +1685,8 @@
           <a:bodyPr/>
           <a:lstStyle/>
           <a:p>
-            <a:fld id="{CE3110EA-6548-4EF6-B0A9-8F847AEECEDD}" type="datetimeFigureOut">
-              <a:rPr lang="fr-FR" smtClean="false"/>
+            <a:fld type="datetimeFigureOut" id="{CE3110EA-6548-4EF6-B0A9-8F847AEECEDD}">
+              <a:rPr smtClean="false" lang="fr-FR"/>
               <a:t>07/12/2013</a:t>
             </a:fld>
             <a:endParaRPr lang="fr-FR"/>
@@ -1695,12 +1695,12 @@
       </p:sp>
       <p:sp>
         <p:nvSpPr>
-          <p:cNvPr id="3" name="Espace réservé du pied de page 2"/>
+          <p:cNvPr name="Espace réservé du pied de page 2" id="3"/>
           <p:cNvSpPr>
             <a:spLocks noGrp="true"/>
           </p:cNvSpPr>
           <p:nvPr>
-            <p:ph type="ftr" sz="quarter" idx="11"/>
+            <p:ph idx="11" sz="quarter" type="ftr"/>
           </p:nvPr>
         </p:nvSpPr>
         <p:spPr/>
@@ -1714,12 +1714,12 @@
       </p:sp>
       <p:sp>
         <p:nvSpPr>
-          <p:cNvPr id="4" name="Espace réservé du numéro de diapositive 3"/>
+          <p:cNvPr name="Espace réservé du numéro de diapositive 3" id="4"/>
           <p:cNvSpPr>
             <a:spLocks noGrp="true"/>
           </p:cNvSpPr>
           <p:nvPr>
-            <p:ph type="sldNum" sz="quarter" idx="12"/>
+            <p:ph idx="12" sz="quarter" type="sldNum"/>
           </p:nvPr>
         </p:nvSpPr>
         <p:spPr/>
@@ -1727,8 +1727,8 @@
           <a:bodyPr/>
           <a:lstStyle/>
           <a:p>
-            <a:fld id="{C47AABF0-D73A-43C1-84CC-8A30B6535388}" type="slidenum">
-              <a:rPr lang="fr-FR" smtClean="false"/>
+            <a:fld type="slidenum" id="{C47AABF0-D73A-43C1-84CC-8A30B6535388}">
+              <a:rPr smtClean="false" lang="fr-FR"/>
               <a:t>‹N°›</a:t>
             </a:fld>
             <a:endParaRPr lang="fr-FR"/>
@@ -1748,7 +1748,7 @@
   <p:timing>
     <p:tnLst>
       <p:par>
-        <p:cTn id="1" dur="indefinite" restart="never" nodeType="tmRoot"/>
+        <p:cTn nodeType="tmRoot" restart="never" dur="indefinite" id="1"/>
       </p:par>
     </p:tnLst>
   </p:timing>
@@ -1756,25 +1756,25 @@
 </file>
 
 <file path=ppt/slideLayouts/slideLayout8.xml><?xml version="1.0" encoding="utf-8"?>
-<p:sldLayout xmlns:r="http://schemas.openxmlformats.org/officeDocument/2006/relationships" xmlns:a="http://schemas.openxmlformats.org/drawingml/2006/main" xmlns:p="http://schemas.openxmlformats.org/presentationml/2006/main" xmlns:mc="http://schemas.openxmlformats.org/markup-compatibility/2006" xmlns:c="http://schemas.openxmlformats.org/drawingml/2006/chart" xmlns:ns6="http://schemas.openxmlformats.org/drawingml/2006/chartDrawing" xmlns:dgm="http://schemas.openxmlformats.org/drawingml/2006/diagram" xmlns:pic="http://schemas.openxmlformats.org/drawingml/2006/picture" xmlns:wp="http://schemas.openxmlformats.org/drawingml/2006/wordprocessingDrawing" xmlns:xdr="http://schemas.openxmlformats.org/drawingml/2006/spreadsheetDrawing" xmlns:ns11="http://schemas.openxmlformats.org/drawingml/2006/compatibility" xmlns:ns12="http://schemas.openxmlformats.org/drawingml/2006/lockedCanvas" type="objTx" preserve="true">
+<p:sldLayout xmlns:r="http://schemas.openxmlformats.org/officeDocument/2006/relationships" xmlns:a="http://schemas.openxmlformats.org/drawingml/2006/main" xmlns:p="http://schemas.openxmlformats.org/presentationml/2006/main" xmlns:mc="http://schemas.openxmlformats.org/markup-compatibility/2006" xmlns:c="http://schemas.openxmlformats.org/drawingml/2006/chart" xmlns:ns6="http://schemas.openxmlformats.org/drawingml/2006/chartDrawing" xmlns:dgm="http://schemas.openxmlformats.org/drawingml/2006/diagram" xmlns:pic="http://schemas.openxmlformats.org/drawingml/2006/picture" xmlns:wp="http://schemas.openxmlformats.org/drawingml/2006/wordprocessingDrawing" xmlns:xdr="http://schemas.openxmlformats.org/drawingml/2006/spreadsheetDrawing" xmlns:ns11="http://schemas.openxmlformats.org/drawingml/2006/compatibility" xmlns:ns12="http://schemas.openxmlformats.org/drawingml/2006/lockedCanvas" preserve="true" type="objTx">
   <p:cSld name="Content with Caption">
     <p:spTree>
       <p:nvGrpSpPr>
-        <p:cNvPr id="1" name=""/>
+        <p:cNvPr name="" id="1"/>
         <p:cNvGrpSpPr/>
         <p:nvPr/>
       </p:nvGrpSpPr>
       <p:grpSpPr>
         <a:xfrm>
-          <a:off x="0" y="0"/>
-          <a:ext cx="0" cy="0"/>
-          <a:chOff x="0" y="0"/>
-          <a:chExt cx="0" cy="0"/>
+          <a:off y="0" x="0"/>
+          <a:ext cy="0" cx="0"/>
+          <a:chOff y="0" x="0"/>
+          <a:chExt cy="0" cx="0"/>
         </a:xfrm>
       </p:grpSpPr>
       <p:sp>
         <p:nvSpPr>
-          <p:cNvPr id="2" name="Titre 1"/>
+          <p:cNvPr name="Titre 1" id="2"/>
           <p:cNvSpPr>
             <a:spLocks noGrp="true"/>
           </p:cNvSpPr>
@@ -1784,8 +1784,8 @@
         </p:nvSpPr>
         <p:spPr>
           <a:xfrm>
-            <a:off x="839788" y="457200"/>
-            <a:ext cx="3932237" cy="1600200"/>
+            <a:off y="457200" x="839788"/>
+            <a:ext cy="1600200" cx="3932237"/>
           </a:xfrm>
         </p:spPr>
         <p:txBody>
@@ -1797,7 +1797,7 @@
           </a:lstStyle>
           <a:p>
             <a:r>
-              <a:rPr lang="fr-FR" smtClean="false"/>
+              <a:rPr smtClean="false" lang="fr-FR"/>
               <a:t>Modifiez le style du titre</a:t>
             </a:r>
             <a:endParaRPr lang="fr-FR"/>
@@ -1806,7 +1806,7 @@
       </p:sp>
       <p:sp>
         <p:nvSpPr>
-          <p:cNvPr id="3" name="Espace réservé du contenu 2"/>
+          <p:cNvPr name="Espace réservé du contenu 2" id="3"/>
           <p:cNvSpPr>
             <a:spLocks noGrp="true"/>
           </p:cNvSpPr>
@@ -1816,8 +1816,8 @@
         </p:nvSpPr>
         <p:spPr>
           <a:xfrm>
-            <a:off x="5183188" y="987425"/>
-            <a:ext cx="6172200" cy="4873625"/>
+            <a:off y="987425" x="5183188"/>
+            <a:ext cy="4873625" cx="6172200"/>
           </a:xfrm>
         </p:spPr>
         <p:txBody>
@@ -1854,35 +1854,35 @@
           <a:p>
             <a:pPr lvl="0"/>
             <a:r>
-              <a:rPr lang="fr-FR" smtClean="false"/>
+              <a:rPr smtClean="false" lang="fr-FR"/>
               <a:t>Modifiez les styles du texte du masque</a:t>
             </a:r>
           </a:p>
           <a:p>
             <a:pPr lvl="1"/>
             <a:r>
-              <a:rPr lang="fr-FR" smtClean="false"/>
+              <a:rPr smtClean="false" lang="fr-FR"/>
               <a:t>Deuxième niveau</a:t>
             </a:r>
           </a:p>
           <a:p>
             <a:pPr lvl="2"/>
             <a:r>
-              <a:rPr lang="fr-FR" smtClean="false"/>
+              <a:rPr smtClean="false" lang="fr-FR"/>
               <a:t>Troisième niveau</a:t>
             </a:r>
           </a:p>
           <a:p>
             <a:pPr lvl="3"/>
             <a:r>
-              <a:rPr lang="fr-FR" smtClean="false"/>
+              <a:rPr smtClean="false" lang="fr-FR"/>
               <a:t>Quatrième niveau</a:t>
             </a:r>
           </a:p>
           <a:p>
             <a:pPr lvl="4"/>
             <a:r>
-              <a:rPr lang="fr-FR" smtClean="false"/>
+              <a:rPr smtClean="false" lang="fr-FR"/>
               <a:t>Cinquième niveau</a:t>
             </a:r>
             <a:endParaRPr lang="fr-FR"/>
@@ -1891,56 +1891,56 @@
       </p:sp>
       <p:sp>
         <p:nvSpPr>
-          <p:cNvPr id="4" name="Espace réservé du texte 3"/>
+          <p:cNvPr name="Espace réservé du texte 3" id="4"/>
           <p:cNvSpPr>
             <a:spLocks noGrp="true"/>
           </p:cNvSpPr>
           <p:nvPr>
-            <p:ph type="body" sz="half" idx="2"/>
+            <p:ph idx="2" sz="half" type="body"/>
           </p:nvPr>
         </p:nvSpPr>
         <p:spPr>
           <a:xfrm>
-            <a:off x="839788" y="2057400"/>
-            <a:ext cx="3932237" cy="3811588"/>
+            <a:off y="2057400" x="839788"/>
+            <a:ext cy="3811588" cx="3932237"/>
           </a:xfrm>
         </p:spPr>
         <p:txBody>
           <a:bodyPr/>
           <a:lstStyle>
-            <a:lvl1pPr marL="0" indent="0">
+            <a:lvl1pPr indent="0" marL="0">
               <a:buNone/>
               <a:defRPr sz="1600"/>
             </a:lvl1pPr>
-            <a:lvl2pPr marL="457200" indent="0">
+            <a:lvl2pPr indent="0" marL="457200">
               <a:buNone/>
               <a:defRPr sz="1400"/>
             </a:lvl2pPr>
-            <a:lvl3pPr marL="914400" indent="0">
+            <a:lvl3pPr indent="0" marL="914400">
               <a:buNone/>
               <a:defRPr sz="1200"/>
             </a:lvl3pPr>
-            <a:lvl4pPr marL="1371600" indent="0">
+            <a:lvl4pPr indent="0" marL="1371600">
               <a:buNone/>
               <a:defRPr sz="1000"/>
             </a:lvl4pPr>
-            <a:lvl5pPr marL="1828800" indent="0">
+            <a:lvl5pPr indent="0" marL="1828800">
               <a:buNone/>
               <a:defRPr sz="1000"/>
             </a:lvl5pPr>
-            <a:lvl6pPr marL="2286000" indent="0">
+            <a:lvl6pPr indent="0" marL="2286000">
               <a:buNone/>
               <a:defRPr sz="1000"/>
             </a:lvl6pPr>
-            <a:lvl7pPr marL="2743200" indent="0">
+            <a:lvl7pPr indent="0" marL="2743200">
               <a:buNone/>
               <a:defRPr sz="1000"/>
             </a:lvl7pPr>
-            <a:lvl8pPr marL="3200400" indent="0">
+            <a:lvl8pPr indent="0" marL="3200400">
               <a:buNone/>
               <a:defRPr sz="1000"/>
             </a:lvl8pPr>
-            <a:lvl9pPr marL="3657600" indent="0">
+            <a:lvl9pPr indent="0" marL="3657600">
               <a:buNone/>
               <a:defRPr sz="1000"/>
             </a:lvl9pPr>
@@ -1948,7 +1948,7 @@
           <a:p>
             <a:pPr lvl="0"/>
             <a:r>
-              <a:rPr lang="fr-FR" smtClean="false"/>
+              <a:rPr smtClean="false" lang="fr-FR"/>
               <a:t>Modifiez les styles du texte du masque</a:t>
             </a:r>
           </a:p>
@@ -1956,12 +1956,12 @@
       </p:sp>
       <p:sp>
         <p:nvSpPr>
-          <p:cNvPr id="5" name="Espace réservé de la date 4"/>
+          <p:cNvPr name="Espace réservé de la date 4" id="5"/>
           <p:cNvSpPr>
             <a:spLocks noGrp="true"/>
           </p:cNvSpPr>
           <p:nvPr>
-            <p:ph type="dt" sz="half" idx="10"/>
+            <p:ph idx="10" sz="half" type="dt"/>
           </p:nvPr>
         </p:nvSpPr>
         <p:spPr/>
@@ -1969,8 +1969,8 @@
           <a:bodyPr/>
           <a:lstStyle/>
           <a:p>
-            <a:fld id="{CE3110EA-6548-4EF6-B0A9-8F847AEECEDD}" type="datetimeFigureOut">
-              <a:rPr lang="fr-FR" smtClean="false"/>
+            <a:fld type="datetimeFigureOut" id="{CE3110EA-6548-4EF6-B0A9-8F847AEECEDD}">
+              <a:rPr smtClean="false" lang="fr-FR"/>
               <a:t>07/12/2013</a:t>
             </a:fld>
             <a:endParaRPr lang="fr-FR"/>
@@ -1979,12 +1979,12 @@
       </p:sp>
       <p:sp>
         <p:nvSpPr>
-          <p:cNvPr id="6" name="Espace réservé du pied de page 5"/>
+          <p:cNvPr name="Espace réservé du pied de page 5" id="6"/>
           <p:cNvSpPr>
             <a:spLocks noGrp="true"/>
           </p:cNvSpPr>
           <p:nvPr>
-            <p:ph type="ftr" sz="quarter" idx="11"/>
+            <p:ph idx="11" sz="quarter" type="ftr"/>
           </p:nvPr>
         </p:nvSpPr>
         <p:spPr/>
@@ -1998,12 +1998,12 @@
       </p:sp>
       <p:sp>
         <p:nvSpPr>
-          <p:cNvPr id="7" name="Espace réservé du numéro de diapositive 6"/>
+          <p:cNvPr name="Espace réservé du numéro de diapositive 6" id="7"/>
           <p:cNvSpPr>
             <a:spLocks noGrp="true"/>
           </p:cNvSpPr>
           <p:nvPr>
-            <p:ph type="sldNum" sz="quarter" idx="12"/>
+            <p:ph idx="12" sz="quarter" type="sldNum"/>
           </p:nvPr>
         </p:nvSpPr>
         <p:spPr/>
@@ -2011,8 +2011,8 @@
           <a:bodyPr/>
           <a:lstStyle/>
           <a:p>
-            <a:fld id="{C47AABF0-D73A-43C1-84CC-8A30B6535388}" type="slidenum">
-              <a:rPr lang="fr-FR" smtClean="false"/>
+            <a:fld type="slidenum" id="{C47AABF0-D73A-43C1-84CC-8A30B6535388}">
+              <a:rPr smtClean="false" lang="fr-FR"/>
               <a:t>‹N°›</a:t>
             </a:fld>
             <a:endParaRPr lang="fr-FR"/>
@@ -2032,7 +2032,7 @@
   <p:timing>
     <p:tnLst>
       <p:par>
-        <p:cTn id="1" dur="indefinite" restart="never" nodeType="tmRoot"/>
+        <p:cTn nodeType="tmRoot" restart="never" dur="indefinite" id="1"/>
       </p:par>
     </p:tnLst>
   </p:timing>
@@ -2040,25 +2040,25 @@
 </file>
 
 <file path=ppt/slideLayouts/slideLayout9.xml><?xml version="1.0" encoding="utf-8"?>
-<p:sldLayout xmlns:r="http://schemas.openxmlformats.org/officeDocument/2006/relationships" xmlns:a="http://schemas.openxmlformats.org/drawingml/2006/main" xmlns:p="http://schemas.openxmlformats.org/presentationml/2006/main" xmlns:mc="http://schemas.openxmlformats.org/markup-compatibility/2006" xmlns:c="http://schemas.openxmlformats.org/drawingml/2006/chart" xmlns:ns6="http://schemas.openxmlformats.org/drawingml/2006/chartDrawing" xmlns:dgm="http://schemas.openxmlformats.org/drawingml/2006/diagram" xmlns:pic="http://schemas.openxmlformats.org/drawingml/2006/picture" xmlns:wp="http://schemas.openxmlformats.org/drawingml/2006/wordprocessingDrawing" xmlns:xdr="http://schemas.openxmlformats.org/drawingml/2006/spreadsheetDrawing" xmlns:ns11="http://schemas.openxmlformats.org/drawingml/2006/compatibility" xmlns:ns12="http://schemas.openxmlformats.org/drawingml/2006/lockedCanvas" type="vertTx" preserve="true">
+<p:sldLayout xmlns:r="http://schemas.openxmlformats.org/officeDocument/2006/relationships" xmlns:a="http://schemas.openxmlformats.org/drawingml/2006/main" xmlns:p="http://schemas.openxmlformats.org/presentationml/2006/main" xmlns:mc="http://schemas.openxmlformats.org/markup-compatibility/2006" xmlns:c="http://schemas.openxmlformats.org/drawingml/2006/chart" xmlns:ns6="http://schemas.openxmlformats.org/drawingml/2006/chartDrawing" xmlns:dgm="http://schemas.openxmlformats.org/drawingml/2006/diagram" xmlns:pic="http://schemas.openxmlformats.org/drawingml/2006/picture" xmlns:wp="http://schemas.openxmlformats.org/drawingml/2006/wordprocessingDrawing" xmlns:xdr="http://schemas.openxmlformats.org/drawingml/2006/spreadsheetDrawing" xmlns:ns11="http://schemas.openxmlformats.org/drawingml/2006/compatibility" xmlns:ns12="http://schemas.openxmlformats.org/drawingml/2006/lockedCanvas" preserve="true" type="vertTx">
   <p:cSld name="Title and Vertical Text">
     <p:spTree>
       <p:nvGrpSpPr>
-        <p:cNvPr id="1" name=""/>
+        <p:cNvPr name="" id="1"/>
         <p:cNvGrpSpPr/>
         <p:nvPr/>
       </p:nvGrpSpPr>
       <p:grpSpPr>
         <a:xfrm>
-          <a:off x="0" y="0"/>
-          <a:ext cx="0" cy="0"/>
-          <a:chOff x="0" y="0"/>
-          <a:chExt cx="0" cy="0"/>
+          <a:off y="0" x="0"/>
+          <a:ext cy="0" cx="0"/>
+          <a:chOff y="0" x="0"/>
+          <a:chExt cy="0" cx="0"/>
         </a:xfrm>
       </p:grpSpPr>
       <p:sp>
         <p:nvSpPr>
-          <p:cNvPr id="2" name="Titre 1"/>
+          <p:cNvPr name="Titre 1" id="2"/>
           <p:cNvSpPr>
             <a:spLocks noGrp="true"/>
           </p:cNvSpPr>
@@ -2072,7 +2072,7 @@
           <a:lstStyle/>
           <a:p>
             <a:r>
-              <a:rPr lang="fr-FR" smtClean="false"/>
+              <a:rPr smtClean="false" lang="fr-FR"/>
               <a:t>Modifiez le style du titre</a:t>
             </a:r>
             <a:endParaRPr lang="fr-FR"/>
@@ -2081,12 +2081,12 @@
       </p:sp>
       <p:sp>
         <p:nvSpPr>
-          <p:cNvPr id="3" name="Espace réservé du texte vertical 2"/>
+          <p:cNvPr name="Espace réservé du texte vertical 2" id="3"/>
           <p:cNvSpPr>
             <a:spLocks noGrp="true"/>
           </p:cNvSpPr>
           <p:nvPr>
-            <p:ph type="body" orient="vert" idx="1"/>
+            <p:ph idx="1" orient="vert" type="body"/>
           </p:nvPr>
         </p:nvSpPr>
         <p:spPr/>
@@ -2096,35 +2096,35 @@
           <a:p>
             <a:pPr lvl="0"/>
             <a:r>
-              <a:rPr lang="fr-FR" smtClean="false"/>
+              <a:rPr smtClean="false" lang="fr-FR"/>
               <a:t>Modifiez les styles du texte du masque</a:t>
             </a:r>
           </a:p>
           <a:p>
             <a:pPr lvl="1"/>
             <a:r>
-              <a:rPr lang="fr-FR" smtClean="false"/>
+              <a:rPr smtClean="false" lang="fr-FR"/>
               <a:t>Deuxième niveau</a:t>
             </a:r>
           </a:p>
           <a:p>
             <a:pPr lvl="2"/>
             <a:r>
-              <a:rPr lang="fr-FR" smtClean="false"/>
+              <a:rPr smtClean="false" lang="fr-FR"/>
               <a:t>Troisième niveau</a:t>
             </a:r>
           </a:p>
           <a:p>
             <a:pPr lvl="3"/>
             <a:r>
-              <a:rPr lang="fr-FR" smtClean="false"/>
+              <a:rPr smtClean="false" lang="fr-FR"/>
               <a:t>Quatrième niveau</a:t>
             </a:r>
           </a:p>
           <a:p>
             <a:pPr lvl="4"/>
             <a:r>
-              <a:rPr lang="fr-FR" smtClean="false"/>
+              <a:rPr smtClean="false" lang="fr-FR"/>
               <a:t>Cinquième niveau</a:t>
             </a:r>
             <a:endParaRPr lang="fr-FR"/>
@@ -2133,12 +2133,12 @@
       </p:sp>
       <p:sp>
         <p:nvSpPr>
-          <p:cNvPr id="4" name="Espace réservé de la date 3"/>
+          <p:cNvPr name="Espace réservé de la date 3" id="4"/>
           <p:cNvSpPr>
             <a:spLocks noGrp="true"/>
           </p:cNvSpPr>
           <p:nvPr>
-            <p:ph type="dt" sz="half" idx="10"/>
+            <p:ph idx="10" sz="half" type="dt"/>
           </p:nvPr>
         </p:nvSpPr>
         <p:spPr/>
@@ -2146,8 +2146,8 @@
           <a:bodyPr/>
           <a:lstStyle/>
           <a:p>
-            <a:fld id="{CE3110EA-6548-4EF6-B0A9-8F847AEECEDD}" type="datetimeFigureOut">
-              <a:rPr lang="fr-FR" smtClean="false"/>
+            <a:fld type="datetimeFigureOut" id="{CE3110EA-6548-4EF6-B0A9-8F847AEECEDD}">
+              <a:rPr smtClean="false" lang="fr-FR"/>
               <a:t>07/12/2013</a:t>
             </a:fld>
             <a:endParaRPr lang="fr-FR"/>
@@ -2156,12 +2156,12 @@
       </p:sp>
       <p:sp>
         <p:nvSpPr>
-          <p:cNvPr id="5" name="Espace réservé du pied de page 4"/>
+          <p:cNvPr name="Espace réservé du pied de page 4" id="5"/>
           <p:cNvSpPr>
             <a:spLocks noGrp="true"/>
           </p:cNvSpPr>
           <p:nvPr>
-            <p:ph type="ftr" sz="quarter" idx="11"/>
+            <p:ph idx="11" sz="quarter" type="ftr"/>
           </p:nvPr>
         </p:nvSpPr>
         <p:spPr/>
@@ -2175,12 +2175,12 @@
       </p:sp>
       <p:sp>
         <p:nvSpPr>
-          <p:cNvPr id="6" name="Espace réservé du numéro de diapositive 5"/>
+          <p:cNvPr name="Espace réservé du numéro de diapositive 5" id="6"/>
           <p:cNvSpPr>
             <a:spLocks noGrp="true"/>
           </p:cNvSpPr>
           <p:nvPr>
-            <p:ph type="sldNum" sz="quarter" idx="12"/>
+            <p:ph idx="12" sz="quarter" type="sldNum"/>
           </p:nvPr>
         </p:nvSpPr>
         <p:spPr/>
@@ -2188,8 +2188,8 @@
           <a:bodyPr/>
           <a:lstStyle/>
           <a:p>
-            <a:fld id="{C47AABF0-D73A-43C1-84CC-8A30B6535388}" type="slidenum">
-              <a:rPr lang="fr-FR" smtClean="false"/>
+            <a:fld type="slidenum" id="{C47AABF0-D73A-43C1-84CC-8A30B6535388}">
+              <a:rPr smtClean="false" lang="fr-FR"/>
               <a:t>‹N°›</a:t>
             </a:fld>
             <a:endParaRPr lang="fr-FR"/>
@@ -2209,7 +2209,7 @@
   <p:timing>
     <p:tnLst>
       <p:par>
-        <p:cTn id="1" dur="indefinite" restart="never" nodeType="tmRoot"/>
+        <p:cTn nodeType="tmRoot" restart="never" dur="indefinite" id="1"/>
       </p:par>
     </p:tnLst>
   </p:timing>
@@ -2226,21 +2226,21 @@
     </p:bg>
     <p:spTree>
       <p:nvGrpSpPr>
-        <p:cNvPr id="1" name=""/>
+        <p:cNvPr name="" id="1"/>
         <p:cNvGrpSpPr/>
         <p:nvPr/>
       </p:nvGrpSpPr>
       <p:grpSpPr>
         <a:xfrm>
-          <a:off x="0" y="0"/>
-          <a:ext cx="0" cy="0"/>
-          <a:chOff x="0" y="0"/>
-          <a:chExt cx="0" cy="0"/>
+          <a:off y="0" x="0"/>
+          <a:ext cy="0" cx="0"/>
+          <a:chOff y="0" x="0"/>
+          <a:chExt cy="0" cx="0"/>
         </a:xfrm>
       </p:grpSpPr>
       <p:sp>
         <p:nvSpPr>
-          <p:cNvPr id="2" name="Espace réservé du titre 1"/>
+          <p:cNvPr name="Espace réservé du titre 1" id="2"/>
           <p:cNvSpPr>
             <a:spLocks noGrp="true"/>
           </p:cNvSpPr>
@@ -2250,21 +2250,21 @@
         </p:nvSpPr>
         <p:spPr>
           <a:xfrm>
-            <a:off x="838200" y="360000"/>
-            <a:ext cx="10515600" cy="1325563"/>
+            <a:off y="360000" x="838200"/>
+            <a:ext cy="1325563" cx="10515600"/>
           </a:xfrm>
           <a:prstGeom prst="rect">
             <a:avLst/>
           </a:prstGeom>
         </p:spPr>
         <p:txBody>
-          <a:bodyPr vert="horz" lIns="91440" tIns="45720" rIns="91440" bIns="45720" rtlCol="false" anchor="ctr">
+          <a:bodyPr anchor="ctr" rtlCol="false" bIns="45720" rIns="91440" tIns="45720" lIns="91440" vert="horz">
             <a:normAutofit/>
           </a:bodyPr>
           <a:lstStyle/>
           <a:p>
             <a:r>
-              <a:rPr lang="fr-FR" smtClean="false"/>
+              <a:rPr smtClean="false" lang="fr-FR"/>
               <a:t>Modifiez le style du titre</a:t>
             </a:r>
             <a:endParaRPr lang="fr-FR"/>
@@ -2273,60 +2273,60 @@
       </p:sp>
       <p:sp>
         <p:nvSpPr>
-          <p:cNvPr id="3" name="Espace réservé du texte 2"/>
+          <p:cNvPr name="Espace réservé du texte 2" id="3"/>
           <p:cNvSpPr>
             <a:spLocks noGrp="true"/>
           </p:cNvSpPr>
           <p:nvPr>
-            <p:ph type="body" idx="1"/>
+            <p:ph idx="1" type="body"/>
           </p:nvPr>
         </p:nvSpPr>
         <p:spPr>
           <a:xfrm>
-            <a:off x="838200" y="1825625"/>
-            <a:ext cx="10515600" cy="4351338"/>
+            <a:off y="1825625" x="838200"/>
+            <a:ext cy="4351338" cx="10515600"/>
           </a:xfrm>
           <a:prstGeom prst="rect">
             <a:avLst/>
           </a:prstGeom>
         </p:spPr>
         <p:txBody>
-          <a:bodyPr vert="horz" lIns="91440" tIns="45720" rIns="91440" bIns="45720" rtlCol="false">
+          <a:bodyPr rtlCol="false" bIns="45720" rIns="91440" tIns="45720" lIns="91440" vert="horz">
             <a:normAutofit/>
           </a:bodyPr>
           <a:lstStyle/>
           <a:p>
             <a:pPr lvl="0"/>
             <a:r>
-              <a:rPr lang="fr-FR" smtClean="false"/>
+              <a:rPr smtClean="false" lang="fr-FR"/>
               <a:t>Modifiez les styles du texte du masque</a:t>
             </a:r>
           </a:p>
           <a:p>
             <a:pPr lvl="1"/>
             <a:r>
-              <a:rPr lang="fr-FR" smtClean="false"/>
+              <a:rPr smtClean="false" lang="fr-FR"/>
               <a:t>Deuxième niveau</a:t>
             </a:r>
           </a:p>
           <a:p>
             <a:pPr lvl="2"/>
             <a:r>
-              <a:rPr lang="fr-FR" smtClean="false"/>
+              <a:rPr smtClean="false" lang="fr-FR"/>
               <a:t>Troisième niveau</a:t>
             </a:r>
           </a:p>
           <a:p>
             <a:pPr lvl="3"/>
             <a:r>
-              <a:rPr lang="fr-FR" smtClean="false"/>
+              <a:rPr smtClean="false" lang="fr-FR"/>
               <a:t>Quatrième niveau</a:t>
             </a:r>
           </a:p>
           <a:p>
             <a:pPr lvl="4"/>
             <a:r>
-              <a:rPr lang="fr-FR" smtClean="false"/>
+              <a:rPr smtClean="false" lang="fr-FR"/>
               <a:t>Cinquième niveau</a:t>
             </a:r>
             <a:endParaRPr lang="fr-FR"/>
@@ -2335,25 +2335,25 @@
       </p:sp>
       <p:sp>
         <p:nvSpPr>
-          <p:cNvPr id="4" name="Espace réservé de la date 3"/>
+          <p:cNvPr name="Espace réservé de la date 3" id="4"/>
           <p:cNvSpPr>
             <a:spLocks noGrp="true"/>
           </p:cNvSpPr>
           <p:nvPr>
-            <p:ph type="dt" sz="half" idx="2"/>
+            <p:ph idx="2" sz="half" type="dt"/>
           </p:nvPr>
         </p:nvSpPr>
         <p:spPr>
           <a:xfrm>
-            <a:off x="838200" y="6356350"/>
-            <a:ext cx="2743200" cy="365125"/>
+            <a:off y="6356350" x="838200"/>
+            <a:ext cy="365125" cx="2743200"/>
           </a:xfrm>
           <a:prstGeom prst="rect">
             <a:avLst/>
           </a:prstGeom>
         </p:spPr>
         <p:txBody>
-          <a:bodyPr vert="horz" lIns="91440" tIns="45720" rIns="91440" bIns="45720" rtlCol="false" anchor="ctr"/>
+          <a:bodyPr anchor="ctr" rtlCol="false" bIns="45720" rIns="91440" tIns="45720" lIns="91440" vert="horz"/>
           <a:lstStyle>
             <a:lvl1pPr algn="l">
               <a:defRPr sz="1200">
@@ -2366,8 +2366,8 @@
             </a:lvl1pPr>
           </a:lstStyle>
           <a:p>
-            <a:fld id="{CE3110EA-6548-4EF6-B0A9-8F847AEECEDD}" type="datetimeFigureOut">
-              <a:rPr lang="fr-FR" smtClean="false"/>
+            <a:fld type="datetimeFigureOut" id="{CE3110EA-6548-4EF6-B0A9-8F847AEECEDD}">
+              <a:rPr smtClean="false" lang="fr-FR"/>
               <a:t>07/12/2013</a:t>
             </a:fld>
             <a:endParaRPr lang="fr-FR"/>
@@ -2376,25 +2376,25 @@
       </p:sp>
       <p:sp>
         <p:nvSpPr>
-          <p:cNvPr id="5" name="Espace réservé du pied de page 4"/>
+          <p:cNvPr name="Espace réservé du pied de page 4" id="5"/>
           <p:cNvSpPr>
             <a:spLocks noGrp="true"/>
           </p:cNvSpPr>
           <p:nvPr>
-            <p:ph type="ftr" sz="quarter" idx="3"/>
+            <p:ph idx="3" sz="quarter" type="ftr"/>
           </p:nvPr>
         </p:nvSpPr>
         <p:spPr>
           <a:xfrm>
-            <a:off x="4038600" y="6356350"/>
-            <a:ext cx="4114800" cy="365125"/>
+            <a:off y="6356350" x="4038600"/>
+            <a:ext cy="365125" cx="4114800"/>
           </a:xfrm>
           <a:prstGeom prst="rect">
             <a:avLst/>
           </a:prstGeom>
         </p:spPr>
         <p:txBody>
-          <a:bodyPr vert="horz" lIns="91440" tIns="45720" rIns="91440" bIns="45720" rtlCol="false" anchor="ctr"/>
+          <a:bodyPr anchor="ctr" rtlCol="false" bIns="45720" rIns="91440" tIns="45720" lIns="91440" vert="horz"/>
           <a:lstStyle>
             <a:lvl1pPr algn="ctr">
               <a:defRPr sz="1200">
@@ -2413,25 +2413,25 @@
       </p:sp>
       <p:sp>
         <p:nvSpPr>
-          <p:cNvPr id="6" name="Espace réservé du numéro de diapositive 5"/>
+          <p:cNvPr name="Espace réservé du numéro de diapositive 5" id="6"/>
           <p:cNvSpPr>
             <a:spLocks noGrp="true"/>
           </p:cNvSpPr>
           <p:nvPr>
-            <p:ph type="sldNum" sz="quarter" idx="4"/>
+            <p:ph idx="4" sz="quarter" type="sldNum"/>
           </p:nvPr>
         </p:nvSpPr>
         <p:spPr>
           <a:xfrm>
-            <a:off x="8610600" y="6356350"/>
-            <a:ext cx="2743200" cy="365125"/>
+            <a:off y="6356350" x="8610600"/>
+            <a:ext cy="365125" cx="2743200"/>
           </a:xfrm>
           <a:prstGeom prst="rect">
             <a:avLst/>
           </a:prstGeom>
         </p:spPr>
         <p:txBody>
-          <a:bodyPr vert="horz" lIns="91440" tIns="45720" rIns="91440" bIns="45720" rtlCol="false" anchor="ctr"/>
+          <a:bodyPr anchor="ctr" rtlCol="false" bIns="45720" rIns="91440" tIns="45720" lIns="91440" vert="horz"/>
           <a:lstStyle>
             <a:lvl1pPr algn="r">
               <a:defRPr sz="1200">
@@ -2444,8 +2444,8 @@
             </a:lvl1pPr>
           </a:lstStyle>
           <a:p>
-            <a:fld id="{C47AABF0-D73A-43C1-84CC-8A30B6535388}" type="slidenum">
-              <a:rPr lang="fr-FR" smtClean="false"/>
+            <a:fld type="slidenum" id="{C47AABF0-D73A-43C1-84CC-8A30B6535388}">
+              <a:rPr smtClean="false" lang="fr-FR"/>
               <a:t>‹N°›</a:t>
             </a:fld>
             <a:endParaRPr lang="fr-FR"/>
@@ -2459,29 +2459,29 @@
       </p:ext>
     </p:extLst>
   </p:cSld>
-  <p:clrMap bg1="lt1" tx1="dk1" bg2="lt2" tx2="dk2" accent1="accent1" accent2="accent2" accent3="accent3" accent4="accent4" accent5="accent5" accent6="accent6" hlink="hlink" folHlink="folHlink"/>
+  <p:clrMap folHlink="folHlink" hlink="hlink" accent6="accent6" accent5="accent5" accent4="accent4" accent3="accent3" accent2="accent2" accent1="accent1" tx2="dk2" bg2="lt2" tx1="dk1" bg1="lt1"/>
   <p:sldLayoutIdLst>
-    <p:sldLayoutId id="2147483649" r:id="rId1"/>
-    <p:sldLayoutId id="2147483650" r:id="rId2"/>
-    <p:sldLayoutId id="2147483651" r:id="rId3"/>
-    <p:sldLayoutId id="2147483652" r:id="rId4"/>
-    <p:sldLayoutId id="2147483653" r:id="rId5"/>
-    <p:sldLayoutId id="2147483654" r:id="rId6"/>
-    <p:sldLayoutId id="2147483655" r:id="rId7"/>
-    <p:sldLayoutId id="2147483656" r:id="rId8"/>
-    <p:sldLayoutId id="2147483658" r:id="rId9"/>
-    <p:sldLayoutId id="2147483659" r:id="rId10"/>
+    <p:sldLayoutId r:id="rId1" id="2147483649"/>
+    <p:sldLayoutId r:id="rId2" id="2147483650"/>
+    <p:sldLayoutId r:id="rId3" id="2147483651"/>
+    <p:sldLayoutId r:id="rId4" id="2147483652"/>
+    <p:sldLayoutId r:id="rId5" id="2147483653"/>
+    <p:sldLayoutId r:id="rId6" id="2147483654"/>
+    <p:sldLayoutId r:id="rId7" id="2147483655"/>
+    <p:sldLayoutId r:id="rId8" id="2147483656"/>
+    <p:sldLayoutId r:id="rId9" id="2147483658"/>
+    <p:sldLayoutId r:id="rId10" id="2147483659"/>
   </p:sldLayoutIdLst>
   <p:timing>
     <p:tnLst>
       <p:par>
-        <p:cTn id="1" dur="indefinite" restart="never" nodeType="tmRoot"/>
+        <p:cTn nodeType="tmRoot" restart="never" dur="indefinite" id="1"/>
       </p:par>
     </p:tnLst>
   </p:timing>
   <p:txStyles>
     <p:titleStyle>
-      <a:lvl1pPr algn="l" defTabSz="914400" rtl="false" eaLnBrk="true" latinLnBrk="false" hangingPunct="true">
+      <a:lvl1pPr hangingPunct="true" latinLnBrk="false" eaLnBrk="true" rtl="false" defTabSz="914400" algn="l">
         <a:lnSpc>
           <a:spcPct val="90000"/>
         </a:lnSpc>
@@ -2489,7 +2489,7 @@
           <a:spcPct val="0"/>
         </a:spcBef>
         <a:buNone/>
-        <a:defRPr sz="4400" kern="1200">
+        <a:defRPr kern="1200" sz="4400">
           <a:solidFill>
             <a:schemeClr val="tx1"/>
           </a:solidFill>
@@ -2500,16 +2500,16 @@
       </a:lvl1pPr>
     </p:titleStyle>
     <p:bodyStyle>
-      <a:lvl1pPr marL="228600" indent="-228600" algn="l" defTabSz="914400" rtl="false" eaLnBrk="true" latinLnBrk="false" hangingPunct="true">
+      <a:lvl1pPr hangingPunct="true" latinLnBrk="false" eaLnBrk="true" rtl="false" defTabSz="914400" algn="l" indent="-228600" marL="228600">
         <a:lnSpc>
           <a:spcPct val="90000"/>
         </a:lnSpc>
         <a:spcBef>
           <a:spcPts val="1000"/>
         </a:spcBef>
-        <a:buFont typeface="Arial" panose="020B0604020202020204" pitchFamily="34" charset="0"/>
+        <a:buFont charset="0" pitchFamily="34" panose="020B0604020202020204" typeface="Arial"/>
         <a:buChar char="•"/>
-        <a:defRPr sz="2800" kern="1200">
+        <a:defRPr kern="1200" sz="2800">
           <a:solidFill>
             <a:schemeClr val="tx1"/>
           </a:solidFill>
@@ -2518,16 +2518,16 @@
           <a:cs typeface="+mn-cs"/>
         </a:defRPr>
       </a:lvl1pPr>
-      <a:lvl2pPr marL="685800" indent="-228600" algn="l" defTabSz="914400" rtl="false" eaLnBrk="true" latinLnBrk="false" hangingPunct="true">
+      <a:lvl2pPr hangingPunct="true" latinLnBrk="false" eaLnBrk="true" rtl="false" defTabSz="914400" algn="l" indent="-228600" marL="685800">
         <a:lnSpc>
           <a:spcPct val="90000"/>
         </a:lnSpc>
         <a:spcBef>
           <a:spcPts val="500"/>
         </a:spcBef>
-        <a:buFont typeface="Arial" panose="020B0604020202020204" pitchFamily="34" charset="0"/>
+        <a:buFont charset="0" pitchFamily="34" panose="020B0604020202020204" typeface="Arial"/>
         <a:buChar char="•"/>
-        <a:defRPr sz="2400" kern="1200">
+        <a:defRPr kern="1200" sz="2400">
           <a:solidFill>
             <a:schemeClr val="tx1"/>
           </a:solidFill>
@@ -2536,16 +2536,16 @@
           <a:cs typeface="+mn-cs"/>
         </a:defRPr>
       </a:lvl2pPr>
-      <a:lvl3pPr marL="1143000" indent="-228600" algn="l" defTabSz="914400" rtl="false" eaLnBrk="true" latinLnBrk="false" hangingPunct="true">
+      <a:lvl3pPr hangingPunct="true" latinLnBrk="false" eaLnBrk="true" rtl="false" defTabSz="914400" algn="l" indent="-228600" marL="1143000">
         <a:lnSpc>
           <a:spcPct val="90000"/>
         </a:lnSpc>
         <a:spcBef>
           <a:spcPts val="500"/>
         </a:spcBef>
-        <a:buFont typeface="Arial" panose="020B0604020202020204" pitchFamily="34" charset="0"/>
+        <a:buFont charset="0" pitchFamily="34" panose="020B0604020202020204" typeface="Arial"/>
         <a:buChar char="•"/>
-        <a:defRPr sz="2000" kern="1200">
+        <a:defRPr kern="1200" sz="2000">
           <a:solidFill>
             <a:schemeClr val="tx1"/>
           </a:solidFill>
@@ -2554,16 +2554,16 @@
           <a:cs typeface="+mn-cs"/>
         </a:defRPr>
       </a:lvl3pPr>
-      <a:lvl4pPr marL="1600200" indent="-228600" algn="l" defTabSz="914400" rtl="false" eaLnBrk="true" latinLnBrk="false" hangingPunct="true">
+      <a:lvl4pPr hangingPunct="true" latinLnBrk="false" eaLnBrk="true" rtl="false" defTabSz="914400" algn="l" indent="-228600" marL="1600200">
         <a:lnSpc>
           <a:spcPct val="90000"/>
         </a:lnSpc>
         <a:spcBef>
           <a:spcPts val="500"/>
         </a:spcBef>
-        <a:buFont typeface="Arial" panose="020B0604020202020204" pitchFamily="34" charset="0"/>
+        <a:buFont charset="0" pitchFamily="34" panose="020B0604020202020204" typeface="Arial"/>
         <a:buChar char="•"/>
-        <a:defRPr sz="1800" kern="1200">
+        <a:defRPr kern="1200" sz="1800">
           <a:solidFill>
             <a:schemeClr val="tx1"/>
           </a:solidFill>
@@ -2572,16 +2572,16 @@
           <a:cs typeface="+mn-cs"/>
         </a:defRPr>
       </a:lvl4pPr>
-      <a:lvl5pPr marL="2057400" indent="-228600" algn="l" defTabSz="914400" rtl="false" eaLnBrk="true" latinLnBrk="false" hangingPunct="true">
+      <a:lvl5pPr hangingPunct="true" latinLnBrk="false" eaLnBrk="true" rtl="false" defTabSz="914400" algn="l" indent="-228600" marL="2057400">
         <a:lnSpc>
           <a:spcPct val="90000"/>
         </a:lnSpc>
         <a:spcBef>
           <a:spcPts val="500"/>
         </a:spcBef>
-        <a:buFont typeface="Arial" panose="020B0604020202020204" pitchFamily="34" charset="0"/>
+        <a:buFont charset="0" pitchFamily="34" panose="020B0604020202020204" typeface="Arial"/>
         <a:buChar char="•"/>
-        <a:defRPr sz="1800" kern="1200">
+        <a:defRPr kern="1200" sz="1800">
           <a:solidFill>
             <a:schemeClr val="tx1"/>
           </a:solidFill>
@@ -2590,16 +2590,16 @@
           <a:cs typeface="+mn-cs"/>
         </a:defRPr>
       </a:lvl5pPr>
-      <a:lvl6pPr marL="2514600" indent="-228600" algn="l" defTabSz="914400" rtl="false" eaLnBrk="true" latinLnBrk="false" hangingPunct="true">
+      <a:lvl6pPr hangingPunct="true" latinLnBrk="false" eaLnBrk="true" rtl="false" defTabSz="914400" algn="l" indent="-228600" marL="2514600">
         <a:lnSpc>
           <a:spcPct val="90000"/>
         </a:lnSpc>
         <a:spcBef>
           <a:spcPts val="500"/>
         </a:spcBef>
-        <a:buFont typeface="Arial" panose="020B0604020202020204" pitchFamily="34" charset="0"/>
+        <a:buFont charset="0" pitchFamily="34" panose="020B0604020202020204" typeface="Arial"/>
         <a:buChar char="•"/>
-        <a:defRPr sz="1800" kern="1200">
+        <a:defRPr kern="1200" sz="1800">
           <a:solidFill>
             <a:schemeClr val="tx1"/>
           </a:solidFill>
@@ -2608,16 +2608,16 @@
           <a:cs typeface="+mn-cs"/>
         </a:defRPr>
       </a:lvl6pPr>
-      <a:lvl7pPr marL="2971800" indent="-228600" algn="l" defTabSz="914400" rtl="false" eaLnBrk="true" latinLnBrk="false" hangingPunct="true">
+      <a:lvl7pPr hangingPunct="true" latinLnBrk="false" eaLnBrk="true" rtl="false" defTabSz="914400" algn="l" indent="-228600" marL="2971800">
         <a:lnSpc>
           <a:spcPct val="90000"/>
         </a:lnSpc>
         <a:spcBef>
           <a:spcPts val="500"/>
         </a:spcBef>
-        <a:buFont typeface="Arial" panose="020B0604020202020204" pitchFamily="34" charset="0"/>
+        <a:buFont charset="0" pitchFamily="34" panose="020B0604020202020204" typeface="Arial"/>
         <a:buChar char="•"/>
-        <a:defRPr sz="1800" kern="1200">
+        <a:defRPr kern="1200" sz="1800">
           <a:solidFill>
             <a:schemeClr val="tx1"/>
           </a:solidFill>
@@ -2626,16 +2626,16 @@
           <a:cs typeface="+mn-cs"/>
         </a:defRPr>
       </a:lvl7pPr>
-      <a:lvl8pPr marL="3429000" indent="-228600" algn="l" defTabSz="914400" rtl="false" eaLnBrk="true" latinLnBrk="false" hangingPunct="true">
+      <a:lvl8pPr hangingPunct="true" latinLnBrk="false" eaLnBrk="true" rtl="false" defTabSz="914400" algn="l" indent="-228600" marL="3429000">
         <a:lnSpc>
           <a:spcPct val="90000"/>
         </a:lnSpc>
         <a:spcBef>
           <a:spcPts val="500"/>
         </a:spcBef>
-        <a:buFont typeface="Arial" panose="020B0604020202020204" pitchFamily="34" charset="0"/>
+        <a:buFont charset="0" pitchFamily="34" panose="020B0604020202020204" typeface="Arial"/>
         <a:buChar char="•"/>
-        <a:defRPr sz="1800" kern="1200">
+        <a:defRPr kern="1200" sz="1800">
           <a:solidFill>
             <a:schemeClr val="tx1"/>
           </a:solidFill>
@@ -2644,16 +2644,16 @@
           <a:cs typeface="+mn-cs"/>
         </a:defRPr>
       </a:lvl8pPr>
-      <a:lvl9pPr marL="3886200" indent="-228600" algn="l" defTabSz="914400" rtl="false" eaLnBrk="true" latinLnBrk="false" hangingPunct="true">
+      <a:lvl9pPr hangingPunct="true" latinLnBrk="false" eaLnBrk="true" rtl="false" defTabSz="914400" algn="l" indent="-228600" marL="3886200">
         <a:lnSpc>
           <a:spcPct val="90000"/>
         </a:lnSpc>
         <a:spcBef>
           <a:spcPts val="500"/>
         </a:spcBef>
-        <a:buFont typeface="Arial" panose="020B0604020202020204" pitchFamily="34" charset="0"/>
+        <a:buFont charset="0" pitchFamily="34" panose="020B0604020202020204" typeface="Arial"/>
         <a:buChar char="•"/>
-        <a:defRPr sz="1800" kern="1200">
+        <a:defRPr kern="1200" sz="1800">
           <a:solidFill>
             <a:schemeClr val="tx1"/>
           </a:solidFill>
@@ -2667,8 +2667,8 @@
       <a:defPPr>
         <a:defRPr lang="fr-FR"/>
       </a:defPPr>
-      <a:lvl1pPr marL="0" algn="l" defTabSz="914400" rtl="false" eaLnBrk="true" latinLnBrk="false" hangingPunct="true">
-        <a:defRPr sz="1800" kern="1200">
+      <a:lvl1pPr hangingPunct="true" latinLnBrk="false" eaLnBrk="true" rtl="false" defTabSz="914400" algn="l" marL="0">
+        <a:defRPr kern="1200" sz="1800">
           <a:solidFill>
             <a:schemeClr val="tx1"/>
           </a:solidFill>
@@ -2677,8 +2677,8 @@
           <a:cs typeface="+mn-cs"/>
         </a:defRPr>
       </a:lvl1pPr>
-      <a:lvl2pPr marL="457200" algn="l" defTabSz="914400" rtl="false" eaLnBrk="true" latinLnBrk="false" hangingPunct="true">
-        <a:defRPr sz="1800" kern="1200">
+      <a:lvl2pPr hangingPunct="true" latinLnBrk="false" eaLnBrk="true" rtl="false" defTabSz="914400" algn="l" marL="457200">
+        <a:defRPr kern="1200" sz="1800">
           <a:solidFill>
             <a:schemeClr val="tx1"/>
           </a:solidFill>
@@ -2687,8 +2687,8 @@
           <a:cs typeface="+mn-cs"/>
         </a:defRPr>
       </a:lvl2pPr>
-      <a:lvl3pPr marL="914400" algn="l" defTabSz="914400" rtl="false" eaLnBrk="true" latinLnBrk="false" hangingPunct="true">
-        <a:defRPr sz="1800" kern="1200">
+      <a:lvl3pPr hangingPunct="true" latinLnBrk="false" eaLnBrk="true" rtl="false" defTabSz="914400" algn="l" marL="914400">
+        <a:defRPr kern="1200" sz="1800">
           <a:solidFill>
             <a:schemeClr val="tx1"/>
           </a:solidFill>
@@ -2697,8 +2697,8 @@
           <a:cs typeface="+mn-cs"/>
         </a:defRPr>
       </a:lvl3pPr>
-      <a:lvl4pPr marL="1371600" algn="l" defTabSz="914400" rtl="false" eaLnBrk="true" latinLnBrk="false" hangingPunct="true">
-        <a:defRPr sz="1800" kern="1200">
+      <a:lvl4pPr hangingPunct="true" latinLnBrk="false" eaLnBrk="true" rtl="false" defTabSz="914400" algn="l" marL="1371600">
+        <a:defRPr kern="1200" sz="1800">
           <a:solidFill>
             <a:schemeClr val="tx1"/>
           </a:solidFill>
@@ -2707,8 +2707,8 @@
           <a:cs typeface="+mn-cs"/>
         </a:defRPr>
       </a:lvl4pPr>
-      <a:lvl5pPr marL="1828800" algn="l" defTabSz="914400" rtl="false" eaLnBrk="true" latinLnBrk="false" hangingPunct="true">
-        <a:defRPr sz="1800" kern="1200">
+      <a:lvl5pPr hangingPunct="true" latinLnBrk="false" eaLnBrk="true" rtl="false" defTabSz="914400" algn="l" marL="1828800">
+        <a:defRPr kern="1200" sz="1800">
           <a:solidFill>
             <a:schemeClr val="tx1"/>
           </a:solidFill>
@@ -2717,8 +2717,8 @@
           <a:cs typeface="+mn-cs"/>
         </a:defRPr>
       </a:lvl5pPr>
-      <a:lvl6pPr marL="2286000" algn="l" defTabSz="914400" rtl="false" eaLnBrk="true" latinLnBrk="false" hangingPunct="true">
-        <a:defRPr sz="1800" kern="1200">
+      <a:lvl6pPr hangingPunct="true" latinLnBrk="false" eaLnBrk="true" rtl="false" defTabSz="914400" algn="l" marL="2286000">
+        <a:defRPr kern="1200" sz="1800">
           <a:solidFill>
             <a:schemeClr val="tx1"/>
           </a:solidFill>
@@ -2727,8 +2727,8 @@
           <a:cs typeface="+mn-cs"/>
         </a:defRPr>
       </a:lvl6pPr>
-      <a:lvl7pPr marL="2743200" algn="l" defTabSz="914400" rtl="false" eaLnBrk="true" latinLnBrk="false" hangingPunct="true">
-        <a:defRPr sz="1800" kern="1200">
+      <a:lvl7pPr hangingPunct="true" latinLnBrk="false" eaLnBrk="true" rtl="false" defTabSz="914400" algn="l" marL="2743200">
+        <a:defRPr kern="1200" sz="1800">
           <a:solidFill>
             <a:schemeClr val="tx1"/>
           </a:solidFill>
@@ -2737,8 +2737,8 @@
           <a:cs typeface="+mn-cs"/>
         </a:defRPr>
       </a:lvl7pPr>
-      <a:lvl8pPr marL="3200400" algn="l" defTabSz="914400" rtl="false" eaLnBrk="true" latinLnBrk="false" hangingPunct="true">
-        <a:defRPr sz="1800" kern="1200">
+      <a:lvl8pPr hangingPunct="true" latinLnBrk="false" eaLnBrk="true" rtl="false" defTabSz="914400" algn="l" marL="3200400">
+        <a:defRPr kern="1200" sz="1800">
           <a:solidFill>
             <a:schemeClr val="tx1"/>
           </a:solidFill>
@@ -2747,8 +2747,8 @@
           <a:cs typeface="+mn-cs"/>
         </a:defRPr>
       </a:lvl8pPr>
-      <a:lvl9pPr marL="3657600" algn="l" defTabSz="914400" rtl="false" eaLnBrk="true" latinLnBrk="false" hangingPunct="true">
-        <a:defRPr sz="1800" kern="1200">
+      <a:lvl9pPr hangingPunct="true" latinLnBrk="false" eaLnBrk="true" rtl="false" defTabSz="914400" algn="l" marL="3657600">
+        <a:defRPr kern="1200" sz="1800">
           <a:solidFill>
             <a:schemeClr val="tx1"/>
           </a:solidFill>
@@ -2767,24 +2767,24 @@
   <p:cSld>
     <p:spTree>
       <p:nvGrpSpPr>
-        <p:cNvPr id="1" name=""/>
+        <p:cNvPr name="" id="1"/>
         <p:cNvGrpSpPr/>
         <p:nvPr/>
       </p:nvGrpSpPr>
       <p:grpSpPr>
         <a:xfrm>
-          <a:off x="0" y="0"/>
-          <a:ext cx="0" cy="0"/>
-          <a:chOff x="0" y="0"/>
-          <a:chExt cx="0" cy="0"/>
+          <a:off y="0" x="0"/>
+          <a:ext cy="0" cx="0"/>
+          <a:chOff y="0" x="0"/>
+          <a:chExt cy="0" cx="0"/>
         </a:xfrm>
       </p:grpSpPr>
       <p:sp>
         <p:nvSpPr>
-          <p:cNvPr id="1" name="Title 1"/>
+          <p:cNvPr name="Title 1" id="1"/>
           <p:cNvSpPr/>
           <p:nvPr>
-            <p:ph type="title" idx="0"/>
+            <p:ph idx="0" type="title"/>
           </p:nvPr>
         </p:nvSpPr>
         <p:spPr/>
@@ -2801,15 +2801,15 @@
       </p:sp>
       <p:graphicFrame>
         <p:nvGraphicFramePr>
-          <p:cNvPr id="2" name="nvGraphicFrame 2"/>
+          <p:cNvPr name="nvGraphicFrame 2" id="2"/>
           <p:cNvGraphicFramePr>
             <a:graphicFrameLocks noGrp="true"/>
           </p:cNvGraphicFramePr>
           <p:nvPr/>
         </p:nvGraphicFramePr>
-        <p:xfrm>
-          <a:off x="838200" y="1825625"/>
-          <a:ext cx="5181600" cy="4351338"/>
+        <p:xfrm rot="0">
+          <a:off y="1825625" x="838200"/>
+          <a:ext cy="4351338" cx="5181600"/>
         </p:xfrm>
         <a:graphic>
           <a:graphicData uri="http://schemas.openxmlformats.org/drawingml/2006/table">
@@ -2828,7 +2828,7 @@
                     <a:bodyPr/>
                     <a:lstStyle/>
                     <a:p>
-                      <a:pPr marL="0" marR="0" indent="0" algn="l">
+                      <a:pPr algn="l" indent="0" marR="0" marL="0">
                         <a:spcBef>
                           <a:spcPts val="0"/>
                         </a:spcBef>
@@ -2838,7 +2838,7 @@
                         <a:buNone/>
                       </a:pPr>
                       <a:r>
-                        <a:rPr sz="1100" b="true">
+                        <a:rPr b="true" sz="1100">
                           <a:solidFill>
                             <a:srgbClr val="000000"/>
                           </a:solidFill>
@@ -2850,7 +2850,7 @@
                       </a:r>
                     </a:p>
                   </a:txBody>
-                  <a:tcPr anchor="ctr">
+                  <a:tcPr anchor="ctr" marB="0" marT="0" marR="0" marL="0">
                     <a:lnL w="12700">
                       <a:solidFill>
                         <a:srgbClr val="000000"/>
@@ -2885,7 +2885,7 @@
                     <a:bodyPr/>
                     <a:lstStyle/>
                     <a:p>
-                      <a:pPr marL="0" marR="0" indent="0" algn="l">
+                      <a:pPr algn="l" indent="0" marR="0" marL="0">
                         <a:spcBef>
                           <a:spcPts val="0"/>
                         </a:spcBef>
@@ -2895,7 +2895,7 @@
                         <a:buNone/>
                       </a:pPr>
                       <a:r>
-                        <a:rPr sz="1100" b="true">
+                        <a:rPr b="true" sz="1100">
                           <a:solidFill>
                             <a:srgbClr val="000000"/>
                           </a:solidFill>
@@ -2907,7 +2907,7 @@
                       </a:r>
                     </a:p>
                   </a:txBody>
-                  <a:tcPr anchor="ctr">
+                  <a:tcPr anchor="ctr" marB="0" marT="0" marR="0" marL="0">
                     <a:lnL w="12700">
                       <a:solidFill>
                         <a:srgbClr val="000000"/>
@@ -2942,7 +2942,7 @@
                     <a:bodyPr/>
                     <a:lstStyle/>
                     <a:p>
-                      <a:pPr marL="0" marR="0" indent="0" algn="l">
+                      <a:pPr algn="l" indent="0" marR="0" marL="0">
                         <a:spcBef>
                           <a:spcPts val="0"/>
                         </a:spcBef>
@@ -2952,7 +2952,7 @@
                         <a:buNone/>
                       </a:pPr>
                       <a:r>
-                        <a:rPr sz="1100" b="true">
+                        <a:rPr b="true" sz="1100">
                           <a:solidFill>
                             <a:srgbClr val="000000"/>
                           </a:solidFill>
@@ -2964,7 +2964,7 @@
                       </a:r>
                     </a:p>
                   </a:txBody>
-                  <a:tcPr anchor="ctr">
+                  <a:tcPr anchor="ctr" marB="0" marT="0" marR="0" marL="0">
                     <a:lnL w="12700">
                       <a:solidFill>
                         <a:srgbClr val="000000"/>
@@ -2999,7 +2999,7 @@
                     <a:bodyPr/>
                     <a:lstStyle/>
                     <a:p>
-                      <a:pPr marL="0" marR="0" indent="0" algn="l">
+                      <a:pPr algn="l" indent="0" marR="0" marL="0">
                         <a:spcBef>
                           <a:spcPts val="0"/>
                         </a:spcBef>
@@ -3009,7 +3009,7 @@
                         <a:buNone/>
                       </a:pPr>
                       <a:r>
-                        <a:rPr sz="1100" b="true">
+                        <a:rPr b="true" sz="1100">
                           <a:solidFill>
                             <a:srgbClr val="000000"/>
                           </a:solidFill>
@@ -3021,7 +3021,7 @@
                       </a:r>
                     </a:p>
                   </a:txBody>
-                  <a:tcPr anchor="ctr">
+                  <a:tcPr anchor="ctr" marB="0" marT="0" marR="0" marL="0">
                     <a:lnL w="12700">
                       <a:solidFill>
                         <a:srgbClr val="000000"/>
@@ -3056,7 +3056,7 @@
                     <a:bodyPr/>
                     <a:lstStyle/>
                     <a:p>
-                      <a:pPr marL="0" marR="0" indent="0" algn="l">
+                      <a:pPr algn="l" indent="0" marR="0" marL="0">
                         <a:spcBef>
                           <a:spcPts val="0"/>
                         </a:spcBef>
@@ -3066,7 +3066,7 @@
                         <a:buNone/>
                       </a:pPr>
                       <a:r>
-                        <a:rPr sz="1100" b="true">
+                        <a:rPr b="true" sz="1100">
                           <a:solidFill>
                             <a:srgbClr val="000000"/>
                           </a:solidFill>
@@ -3078,7 +3078,7 @@
                       </a:r>
                     </a:p>
                   </a:txBody>
-                  <a:tcPr anchor="ctr">
+                  <a:tcPr anchor="ctr" marB="0" marT="0" marR="0" marL="0">
                     <a:lnL w="12700">
                       <a:solidFill>
                         <a:srgbClr val="000000"/>
@@ -3115,7 +3115,7 @@
                     <a:bodyPr/>
                     <a:lstStyle/>
                     <a:p>
-                      <a:pPr marL="0" marR="0" indent="0" algn="l">
+                      <a:pPr algn="l" indent="0" marR="0" marL="0">
                         <a:spcBef>
                           <a:spcPts val="0"/>
                         </a:spcBef>
@@ -3148,7 +3148,7 @@
                       </a:r>
                     </a:p>
                   </a:txBody>
-                  <a:tcPr anchor="ctr">
+                  <a:tcPr anchor="ctr" marB="0" marT="0" marR="0" marL="0">
                     <a:lnL w="12700">
                       <a:solidFill>
                         <a:srgbClr val="000000"/>
@@ -3183,7 +3183,7 @@
                     <a:bodyPr/>
                     <a:lstStyle/>
                     <a:p>
-                      <a:pPr marL="0" marR="0" indent="0" algn="l">
+                      <a:pPr algn="l" indent="0" marR="0" marL="0">
                         <a:spcBef>
                           <a:spcPts val="0"/>
                         </a:spcBef>
@@ -3216,7 +3216,7 @@
                       </a:r>
                     </a:p>
                   </a:txBody>
-                  <a:tcPr anchor="ctr">
+                  <a:tcPr anchor="ctr" marB="0" marT="0" marR="0" marL="0">
                     <a:lnL w="12700">
                       <a:solidFill>
                         <a:srgbClr val="000000"/>
@@ -3251,7 +3251,7 @@
                     <a:bodyPr/>
                     <a:lstStyle/>
                     <a:p>
-                      <a:pPr marL="0" marR="0" indent="0" algn="l">
+                      <a:pPr algn="l" indent="0" marR="0" marL="0">
                         <a:spcBef>
                           <a:spcPts val="0"/>
                         </a:spcBef>
@@ -3284,7 +3284,7 @@
                       </a:r>
                     </a:p>
                   </a:txBody>
-                  <a:tcPr anchor="ctr">
+                  <a:tcPr anchor="ctr" marB="0" marT="0" marR="0" marL="0">
                     <a:lnL w="12700">
                       <a:solidFill>
                         <a:srgbClr val="000000"/>
@@ -3319,7 +3319,7 @@
                     <a:bodyPr/>
                     <a:lstStyle/>
                     <a:p>
-                      <a:pPr marL="0" marR="0" indent="0" algn="l">
+                      <a:pPr algn="l" indent="0" marR="0" marL="0">
                         <a:spcBef>
                           <a:spcPts val="0"/>
                         </a:spcBef>
@@ -3352,7 +3352,7 @@
                       </a:r>
                     </a:p>
                   </a:txBody>
-                  <a:tcPr anchor="ctr">
+                  <a:tcPr anchor="ctr" marB="0" marT="0" marR="0" marL="0">
                     <a:lnL w="12700">
                       <a:solidFill>
                         <a:srgbClr val="000000"/>
@@ -3387,7 +3387,7 @@
                     <a:bodyPr/>
                     <a:lstStyle/>
                     <a:p>
-                      <a:pPr marL="0" marR="0" indent="0" algn="l">
+                      <a:pPr algn="l" indent="0" marR="0" marL="0">
                         <a:spcBef>
                           <a:spcPts val="0"/>
                         </a:spcBef>
@@ -3420,7 +3420,7 @@
                       </a:r>
                     </a:p>
                   </a:txBody>
-                  <a:tcPr anchor="ctr">
+                  <a:tcPr anchor="ctr" marB="0" marT="0" marR="0" marL="0">
                     <a:lnL w="12700">
                       <a:solidFill>
                         <a:srgbClr val="000000"/>
@@ -3457,7 +3457,7 @@
                     <a:bodyPr/>
                     <a:lstStyle/>
                     <a:p>
-                      <a:pPr marL="0" marR="0" indent="0" algn="l">
+                      <a:pPr algn="l" indent="0" marR="0" marL="0">
                         <a:spcBef>
                           <a:spcPts val="0"/>
                         </a:spcBef>
@@ -3490,7 +3490,7 @@
                       </a:r>
                     </a:p>
                   </a:txBody>
-                  <a:tcPr anchor="ctr">
+                  <a:tcPr anchor="ctr" marB="0" marT="0" marR="0" marL="0">
                     <a:lnL w="12700">
                       <a:solidFill>
                         <a:srgbClr val="000000"/>
@@ -3525,7 +3525,7 @@
                     <a:bodyPr/>
                     <a:lstStyle/>
                     <a:p>
-                      <a:pPr marL="0" marR="0" indent="0" algn="l">
+                      <a:pPr algn="l" indent="0" marR="0" marL="0">
                         <a:spcBef>
                           <a:spcPts val="0"/>
                         </a:spcBef>
@@ -3558,7 +3558,7 @@
                       </a:r>
                     </a:p>
                   </a:txBody>
-                  <a:tcPr anchor="ctr">
+                  <a:tcPr anchor="ctr" marB="0" marT="0" marR="0" marL="0">
                     <a:lnL w="12700">
                       <a:solidFill>
                         <a:srgbClr val="000000"/>
@@ -3593,7 +3593,7 @@
                     <a:bodyPr/>
                     <a:lstStyle/>
                     <a:p>
-                      <a:pPr marL="0" marR="0" indent="0" algn="l">
+                      <a:pPr algn="l" indent="0" marR="0" marL="0">
                         <a:spcBef>
                           <a:spcPts val="0"/>
                         </a:spcBef>
@@ -3626,7 +3626,7 @@
                       </a:r>
                     </a:p>
                   </a:txBody>
-                  <a:tcPr anchor="ctr">
+                  <a:tcPr anchor="ctr" marB="0" marT="0" marR="0" marL="0">
                     <a:lnL w="12700">
                       <a:solidFill>
                         <a:srgbClr val="000000"/>
@@ -3661,7 +3661,7 @@
                     <a:bodyPr/>
                     <a:lstStyle/>
                     <a:p>
-                      <a:pPr marL="0" marR="0" indent="0" algn="l">
+                      <a:pPr algn="l" indent="0" marR="0" marL="0">
                         <a:spcBef>
                           <a:spcPts val="0"/>
                         </a:spcBef>
@@ -3694,7 +3694,7 @@
                       </a:r>
                     </a:p>
                   </a:txBody>
-                  <a:tcPr anchor="ctr">
+                  <a:tcPr anchor="ctr" marB="0" marT="0" marR="0" marL="0">
                     <a:lnL w="12700">
                       <a:solidFill>
                         <a:srgbClr val="000000"/>
@@ -3729,7 +3729,7 @@
                     <a:bodyPr/>
                     <a:lstStyle/>
                     <a:p>
-                      <a:pPr marL="0" marR="0" indent="0" algn="l">
+                      <a:pPr algn="l" indent="0" marR="0" marL="0">
                         <a:spcBef>
                           <a:spcPts val="0"/>
                         </a:spcBef>
@@ -3762,7 +3762,7 @@
                       </a:r>
                     </a:p>
                   </a:txBody>
-                  <a:tcPr anchor="ctr">
+                  <a:tcPr anchor="ctr" marB="0" marT="0" marR="0" marL="0">
                     <a:lnL w="12700">
                       <a:solidFill>
                         <a:srgbClr val="000000"/>
@@ -3799,7 +3799,7 @@
                     <a:bodyPr/>
                     <a:lstStyle/>
                     <a:p>
-                      <a:pPr marL="0" marR="0" indent="0" algn="l">
+                      <a:pPr algn="l" indent="0" marR="0" marL="0">
                         <a:spcBef>
                           <a:spcPts val="0"/>
                         </a:spcBef>
@@ -3832,7 +3832,7 @@
                       </a:r>
                     </a:p>
                   </a:txBody>
-                  <a:tcPr anchor="ctr">
+                  <a:tcPr anchor="ctr" marB="0" marT="0" marR="0" marL="0">
                     <a:lnL w="12700">
                       <a:solidFill>
                         <a:srgbClr val="000000"/>
@@ -3867,7 +3867,7 @@
                     <a:bodyPr/>
                     <a:lstStyle/>
                     <a:p>
-                      <a:pPr marL="0" marR="0" indent="0" algn="l">
+                      <a:pPr algn="l" indent="0" marR="0" marL="0">
                         <a:spcBef>
                           <a:spcPts val="0"/>
                         </a:spcBef>
@@ -3900,7 +3900,7 @@
                       </a:r>
                     </a:p>
                   </a:txBody>
-                  <a:tcPr anchor="ctr">
+                  <a:tcPr anchor="ctr" marB="0" marT="0" marR="0" marL="0">
                     <a:lnL w="12700">
                       <a:solidFill>
                         <a:srgbClr val="000000"/>
@@ -3935,7 +3935,7 @@
                     <a:bodyPr/>
                     <a:lstStyle/>
                     <a:p>
-                      <a:pPr marL="0" marR="0" indent="0" algn="l">
+                      <a:pPr algn="l" indent="0" marR="0" marL="0">
                         <a:spcBef>
                           <a:spcPts val="0"/>
                         </a:spcBef>
@@ -3968,7 +3968,7 @@
                       </a:r>
                     </a:p>
                   </a:txBody>
-                  <a:tcPr anchor="ctr">
+                  <a:tcPr anchor="ctr" marB="0" marT="0" marR="0" marL="0">
                     <a:lnL w="12700">
                       <a:solidFill>
                         <a:srgbClr val="000000"/>
@@ -4003,7 +4003,7 @@
                     <a:bodyPr/>
                     <a:lstStyle/>
                     <a:p>
-                      <a:pPr marL="0" marR="0" indent="0" algn="l">
+                      <a:pPr algn="l" indent="0" marR="0" marL="0">
                         <a:spcBef>
                           <a:spcPts val="0"/>
                         </a:spcBef>
@@ -4036,7 +4036,7 @@
                       </a:r>
                     </a:p>
                   </a:txBody>
-                  <a:tcPr anchor="ctr">
+                  <a:tcPr anchor="ctr" marB="0" marT="0" marR="0" marL="0">
                     <a:lnL w="12700">
                       <a:solidFill>
                         <a:srgbClr val="000000"/>
@@ -4071,7 +4071,7 @@
                     <a:bodyPr/>
                     <a:lstStyle/>
                     <a:p>
-                      <a:pPr marL="0" marR="0" indent="0" algn="l">
+                      <a:pPr algn="l" indent="0" marR="0" marL="0">
                         <a:spcBef>
                           <a:spcPts val="0"/>
                         </a:spcBef>
@@ -4104,7 +4104,7 @@
                       </a:r>
                     </a:p>
                   </a:txBody>
-                  <a:tcPr anchor="ctr">
+                  <a:tcPr anchor="ctr" marB="0" marT="0" marR="0" marL="0">
                     <a:lnL w="12700">
                       <a:solidFill>
                         <a:srgbClr val="000000"/>
@@ -4141,7 +4141,7 @@
                     <a:bodyPr/>
                     <a:lstStyle/>
                     <a:p>
-                      <a:pPr marL="0" marR="0" indent="0" algn="l">
+                      <a:pPr algn="l" indent="0" marR="0" marL="0">
                         <a:spcBef>
                           <a:spcPts val="0"/>
                         </a:spcBef>
@@ -4174,7 +4174,7 @@
                       </a:r>
                     </a:p>
                   </a:txBody>
-                  <a:tcPr anchor="ctr">
+                  <a:tcPr anchor="ctr" marB="0" marT="0" marR="0" marL="0">
                     <a:lnL w="12700">
                       <a:solidFill>
                         <a:srgbClr val="000000"/>
@@ -4209,7 +4209,7 @@
                     <a:bodyPr/>
                     <a:lstStyle/>
                     <a:p>
-                      <a:pPr marL="0" marR="0" indent="0" algn="l">
+                      <a:pPr algn="l" indent="0" marR="0" marL="0">
                         <a:spcBef>
                           <a:spcPts val="0"/>
                         </a:spcBef>
@@ -4242,7 +4242,7 @@
                       </a:r>
                     </a:p>
                   </a:txBody>
-                  <a:tcPr anchor="ctr">
+                  <a:tcPr anchor="ctr" marB="0" marT="0" marR="0" marL="0">
                     <a:lnL w="12700">
                       <a:solidFill>
                         <a:srgbClr val="000000"/>
@@ -4277,7 +4277,7 @@
                     <a:bodyPr/>
                     <a:lstStyle/>
                     <a:p>
-                      <a:pPr marL="0" marR="0" indent="0" algn="l">
+                      <a:pPr algn="l" indent="0" marR="0" marL="0">
                         <a:spcBef>
                           <a:spcPts val="0"/>
                         </a:spcBef>
@@ -4310,7 +4310,7 @@
                       </a:r>
                     </a:p>
                   </a:txBody>
-                  <a:tcPr anchor="ctr">
+                  <a:tcPr anchor="ctr" marB="0" marT="0" marR="0" marL="0">
                     <a:lnL w="12700">
                       <a:solidFill>
                         <a:srgbClr val="000000"/>
@@ -4345,7 +4345,7 @@
                     <a:bodyPr/>
                     <a:lstStyle/>
                     <a:p>
-                      <a:pPr marL="0" marR="0" indent="0" algn="l">
+                      <a:pPr algn="l" indent="0" marR="0" marL="0">
                         <a:spcBef>
                           <a:spcPts val="0"/>
                         </a:spcBef>
@@ -4378,7 +4378,7 @@
                       </a:r>
                     </a:p>
                   </a:txBody>
-                  <a:tcPr anchor="ctr">
+                  <a:tcPr anchor="ctr" marB="0" marT="0" marR="0" marL="0">
                     <a:lnL w="12700">
                       <a:solidFill>
                         <a:srgbClr val="000000"/>
@@ -4413,7 +4413,7 @@
                     <a:bodyPr/>
                     <a:lstStyle/>
                     <a:p>
-                      <a:pPr marL="0" marR="0" indent="0" algn="l">
+                      <a:pPr algn="l" indent="0" marR="0" marL="0">
                         <a:spcBef>
                           <a:spcPts val="0"/>
                         </a:spcBef>
@@ -4446,7 +4446,7 @@
                       </a:r>
                     </a:p>
                   </a:txBody>
-                  <a:tcPr anchor="ctr">
+                  <a:tcPr anchor="ctr" marB="0" marT="0" marR="0" marL="0">
                     <a:lnL w="12700">
                       <a:solidFill>
                         <a:srgbClr val="000000"/>
@@ -4483,7 +4483,7 @@
                     <a:bodyPr/>
                     <a:lstStyle/>
                     <a:p>
-                      <a:pPr marL="0" marR="0" indent="0" algn="l">
+                      <a:pPr algn="l" indent="0" marR="0" marL="0">
                         <a:spcBef>
                           <a:spcPts val="0"/>
                         </a:spcBef>
@@ -4516,7 +4516,7 @@
                       </a:r>
                     </a:p>
                   </a:txBody>
-                  <a:tcPr anchor="ctr">
+                  <a:tcPr anchor="ctr" marB="0" marT="0" marR="0" marL="0">
                     <a:lnL w="12700">
                       <a:solidFill>
                         <a:srgbClr val="000000"/>
@@ -4551,7 +4551,7 @@
                     <a:bodyPr/>
                     <a:lstStyle/>
                     <a:p>
-                      <a:pPr marL="0" marR="0" indent="0" algn="l">
+                      <a:pPr algn="l" indent="0" marR="0" marL="0">
                         <a:spcBef>
                           <a:spcPts val="0"/>
                         </a:spcBef>
@@ -4584,7 +4584,7 @@
                       </a:r>
                     </a:p>
                   </a:txBody>
-                  <a:tcPr anchor="ctr">
+                  <a:tcPr anchor="ctr" marB="0" marT="0" marR="0" marL="0">
                     <a:lnL w="12700">
                       <a:solidFill>
                         <a:srgbClr val="000000"/>
@@ -4619,7 +4619,7 @@
                     <a:bodyPr/>
                     <a:lstStyle/>
                     <a:p>
-                      <a:pPr marL="0" marR="0" indent="0" algn="l">
+                      <a:pPr algn="l" indent="0" marR="0" marL="0">
                         <a:spcBef>
                           <a:spcPts val="0"/>
                         </a:spcBef>
@@ -4652,7 +4652,7 @@
                       </a:r>
                     </a:p>
                   </a:txBody>
-                  <a:tcPr anchor="ctr">
+                  <a:tcPr anchor="ctr" marB="0" marT="0" marR="0" marL="0">
                     <a:lnL w="12700">
                       <a:solidFill>
                         <a:srgbClr val="000000"/>
@@ -4687,7 +4687,7 @@
                     <a:bodyPr/>
                     <a:lstStyle/>
                     <a:p>
-                      <a:pPr marL="0" marR="0" indent="0" algn="l">
+                      <a:pPr algn="l" indent="0" marR="0" marL="0">
                         <a:spcBef>
                           <a:spcPts val="0"/>
                         </a:spcBef>
@@ -4720,7 +4720,7 @@
                       </a:r>
                     </a:p>
                   </a:txBody>
-                  <a:tcPr anchor="ctr">
+                  <a:tcPr anchor="ctr" marB="0" marT="0" marR="0" marL="0">
                     <a:lnL w="12700">
                       <a:solidFill>
                         <a:srgbClr val="000000"/>
@@ -4755,7 +4755,7 @@
                     <a:bodyPr/>
                     <a:lstStyle/>
                     <a:p>
-                      <a:pPr marL="0" marR="0" indent="0" algn="l">
+                      <a:pPr algn="l" indent="0" marR="0" marL="0">
                         <a:spcBef>
                           <a:spcPts val="0"/>
                         </a:spcBef>
@@ -4788,7 +4788,7 @@
                       </a:r>
                     </a:p>
                   </a:txBody>
-                  <a:tcPr anchor="ctr">
+                  <a:tcPr anchor="ctr" marB="0" marT="0" marR="0" marL="0">
                     <a:lnL w="12700">
                       <a:solidFill>
                         <a:srgbClr val="000000"/>
@@ -4825,7 +4825,7 @@
                     <a:bodyPr/>
                     <a:lstStyle/>
                     <a:p>
-                      <a:pPr marL="0" marR="0" indent="0" algn="l">
+                      <a:pPr algn="l" indent="0" marR="0" marL="0">
                         <a:spcBef>
                           <a:spcPts val="0"/>
                         </a:spcBef>
@@ -4858,7 +4858,7 @@
                       </a:r>
                     </a:p>
                   </a:txBody>
-                  <a:tcPr anchor="ctr">
+                  <a:tcPr anchor="ctr" marB="0" marT="0" marR="0" marL="0">
                     <a:lnL w="12700">
                       <a:solidFill>
                         <a:srgbClr val="000000"/>
@@ -4893,7 +4893,7 @@
                     <a:bodyPr/>
                     <a:lstStyle/>
                     <a:p>
-                      <a:pPr marL="0" marR="0" indent="0" algn="l">
+                      <a:pPr algn="l" indent="0" marR="0" marL="0">
                         <a:spcBef>
                           <a:spcPts val="0"/>
                         </a:spcBef>
@@ -4926,7 +4926,7 @@
                       </a:r>
                     </a:p>
                   </a:txBody>
-                  <a:tcPr anchor="ctr">
+                  <a:tcPr anchor="ctr" marB="0" marT="0" marR="0" marL="0">
                     <a:lnL w="12700">
                       <a:solidFill>
                         <a:srgbClr val="000000"/>
@@ -4961,7 +4961,7 @@
                     <a:bodyPr/>
                     <a:lstStyle/>
                     <a:p>
-                      <a:pPr marL="0" marR="0" indent="0" algn="l">
+                      <a:pPr algn="l" indent="0" marR="0" marL="0">
                         <a:spcBef>
                           <a:spcPts val="0"/>
                         </a:spcBef>
@@ -4994,7 +4994,7 @@
                       </a:r>
                     </a:p>
                   </a:txBody>
-                  <a:tcPr anchor="ctr">
+                  <a:tcPr anchor="ctr" marB="0" marT="0" marR="0" marL="0">
                     <a:lnL w="12700">
                       <a:solidFill>
                         <a:srgbClr val="000000"/>
@@ -5029,7 +5029,7 @@
                     <a:bodyPr/>
                     <a:lstStyle/>
                     <a:p>
-                      <a:pPr marL="0" marR="0" indent="0" algn="l">
+                      <a:pPr algn="l" indent="0" marR="0" marL="0">
                         <a:spcBef>
                           <a:spcPts val="0"/>
                         </a:spcBef>
@@ -5062,7 +5062,7 @@
                       </a:r>
                     </a:p>
                   </a:txBody>
-                  <a:tcPr anchor="ctr">
+                  <a:tcPr anchor="ctr" marB="0" marT="0" marR="0" marL="0">
                     <a:lnL w="12700">
                       <a:solidFill>
                         <a:srgbClr val="000000"/>
@@ -5097,7 +5097,7 @@
                     <a:bodyPr/>
                     <a:lstStyle/>
                     <a:p>
-                      <a:pPr marL="0" marR="0" indent="0" algn="l">
+                      <a:pPr algn="l" indent="0" marR="0" marL="0">
                         <a:spcBef>
                           <a:spcPts val="0"/>
                         </a:spcBef>
@@ -5130,7 +5130,7 @@
                       </a:r>
                     </a:p>
                   </a:txBody>
-                  <a:tcPr anchor="ctr">
+                  <a:tcPr anchor="ctr" marB="0" marT="0" marR="0" marL="0">
                     <a:lnL w="12700">
                       <a:solidFill>
                         <a:srgbClr val="000000"/>
@@ -5167,7 +5167,7 @@
                     <a:bodyPr/>
                     <a:lstStyle/>
                     <a:p>
-                      <a:pPr marL="0" marR="0" indent="0" algn="l">
+                      <a:pPr algn="l" indent="0" marR="0" marL="0">
                         <a:spcBef>
                           <a:spcPts val="0"/>
                         </a:spcBef>
@@ -5200,7 +5200,7 @@
                       </a:r>
                     </a:p>
                   </a:txBody>
-                  <a:tcPr anchor="ctr">
+                  <a:tcPr anchor="ctr" marB="0" marT="0" marR="0" marL="0">
                     <a:lnL w="12700">
                       <a:solidFill>
                         <a:srgbClr val="000000"/>
@@ -5235,7 +5235,7 @@
                     <a:bodyPr/>
                     <a:lstStyle/>
                     <a:p>
-                      <a:pPr marL="0" marR="0" indent="0" algn="l">
+                      <a:pPr algn="l" indent="0" marR="0" marL="0">
                         <a:spcBef>
                           <a:spcPts val="0"/>
                         </a:spcBef>
@@ -5268,7 +5268,7 @@
                       </a:r>
                     </a:p>
                   </a:txBody>
-                  <a:tcPr anchor="ctr">
+                  <a:tcPr anchor="ctr" marB="0" marT="0" marR="0" marL="0">
                     <a:lnL w="12700">
                       <a:solidFill>
                         <a:srgbClr val="000000"/>
@@ -5303,7 +5303,7 @@
                     <a:bodyPr/>
                     <a:lstStyle/>
                     <a:p>
-                      <a:pPr marL="0" marR="0" indent="0" algn="l">
+                      <a:pPr algn="l" indent="0" marR="0" marL="0">
                         <a:spcBef>
                           <a:spcPts val="0"/>
                         </a:spcBef>
@@ -5336,7 +5336,7 @@
                       </a:r>
                     </a:p>
                   </a:txBody>
-                  <a:tcPr anchor="ctr">
+                  <a:tcPr anchor="ctr" marB="0" marT="0" marR="0" marL="0">
                     <a:lnL w="12700">
                       <a:solidFill>
                         <a:srgbClr val="000000"/>
@@ -5371,7 +5371,7 @@
                     <a:bodyPr/>
                     <a:lstStyle/>
                     <a:p>
-                      <a:pPr marL="0" marR="0" indent="0" algn="l">
+                      <a:pPr algn="l" indent="0" marR="0" marL="0">
                         <a:spcBef>
                           <a:spcPts val="0"/>
                         </a:spcBef>
@@ -5404,7 +5404,7 @@
                       </a:r>
                     </a:p>
                   </a:txBody>
-                  <a:tcPr anchor="ctr">
+                  <a:tcPr anchor="ctr" marB="0" marT="0" marR="0" marL="0">
                     <a:lnL w="12700">
                       <a:solidFill>
                         <a:srgbClr val="000000"/>
@@ -5439,7 +5439,7 @@
                     <a:bodyPr/>
                     <a:lstStyle/>
                     <a:p>
-                      <a:pPr marL="0" marR="0" indent="0" algn="l">
+                      <a:pPr algn="l" indent="0" marR="0" marL="0">
                         <a:spcBef>
                           <a:spcPts val="0"/>
                         </a:spcBef>
@@ -5472,7 +5472,7 @@
                       </a:r>
                     </a:p>
                   </a:txBody>
-                  <a:tcPr anchor="ctr">
+                  <a:tcPr anchor="ctr" marB="0" marT="0" marR="0" marL="0">
                     <a:lnL w="12700">
                       <a:solidFill>
                         <a:srgbClr val="000000"/>
@@ -5509,7 +5509,7 @@
                     <a:bodyPr/>
                     <a:lstStyle/>
                     <a:p>
-                      <a:pPr marL="0" marR="0" indent="0" algn="l">
+                      <a:pPr algn="l" indent="0" marR="0" marL="0">
                         <a:spcBef>
                           <a:spcPts val="0"/>
                         </a:spcBef>
@@ -5542,7 +5542,7 @@
                       </a:r>
                     </a:p>
                   </a:txBody>
-                  <a:tcPr anchor="ctr">
+                  <a:tcPr anchor="ctr" marB="0" marT="0" marR="0" marL="0">
                     <a:lnL w="12700">
                       <a:solidFill>
                         <a:srgbClr val="000000"/>
@@ -5577,7 +5577,7 @@
                     <a:bodyPr/>
                     <a:lstStyle/>
                     <a:p>
-                      <a:pPr marL="0" marR="0" indent="0" algn="l">
+                      <a:pPr algn="l" indent="0" marR="0" marL="0">
                         <a:spcBef>
                           <a:spcPts val="0"/>
                         </a:spcBef>
@@ -5610,7 +5610,7 @@
                       </a:r>
                     </a:p>
                   </a:txBody>
-                  <a:tcPr anchor="ctr">
+                  <a:tcPr anchor="ctr" marB="0" marT="0" marR="0" marL="0">
                     <a:lnL w="12700">
                       <a:solidFill>
                         <a:srgbClr val="000000"/>
@@ -5645,7 +5645,7 @@
                     <a:bodyPr/>
                     <a:lstStyle/>
                     <a:p>
-                      <a:pPr marL="0" marR="0" indent="0" algn="l">
+                      <a:pPr algn="l" indent="0" marR="0" marL="0">
                         <a:spcBef>
                           <a:spcPts val="0"/>
                         </a:spcBef>
@@ -5678,7 +5678,7 @@
                       </a:r>
                     </a:p>
                   </a:txBody>
-                  <a:tcPr anchor="ctr">
+                  <a:tcPr anchor="ctr" marB="0" marT="0" marR="0" marL="0">
                     <a:lnL w="12700">
                       <a:solidFill>
                         <a:srgbClr val="000000"/>
@@ -5713,7 +5713,7 @@
                     <a:bodyPr/>
                     <a:lstStyle/>
                     <a:p>
-                      <a:pPr marL="0" marR="0" indent="0" algn="l">
+                      <a:pPr algn="l" indent="0" marR="0" marL="0">
                         <a:spcBef>
                           <a:spcPts val="0"/>
                         </a:spcBef>
@@ -5746,7 +5746,7 @@
                       </a:r>
                     </a:p>
                   </a:txBody>
-                  <a:tcPr anchor="ctr">
+                  <a:tcPr anchor="ctr" marB="0" marT="0" marR="0" marL="0">
                     <a:lnL w="12700">
                       <a:solidFill>
                         <a:srgbClr val="000000"/>
@@ -5781,7 +5781,7 @@
                     <a:bodyPr/>
                     <a:lstStyle/>
                     <a:p>
-                      <a:pPr marL="0" marR="0" indent="0" algn="l">
+                      <a:pPr algn="l" indent="0" marR="0" marL="0">
                         <a:spcBef>
                           <a:spcPts val="0"/>
                         </a:spcBef>
@@ -5814,7 +5814,7 @@
                       </a:r>
                     </a:p>
                   </a:txBody>
-                  <a:tcPr anchor="ctr">
+                  <a:tcPr anchor="ctr" marB="0" marT="0" marR="0" marL="0">
                     <a:lnL w="12700">
                       <a:solidFill>
                         <a:srgbClr val="000000"/>
@@ -5851,7 +5851,7 @@
                     <a:bodyPr/>
                     <a:lstStyle/>
                     <a:p>
-                      <a:pPr marL="0" marR="0" indent="0" algn="l">
+                      <a:pPr algn="l" indent="0" marR="0" marL="0">
                         <a:spcBef>
                           <a:spcPts val="0"/>
                         </a:spcBef>
@@ -5884,7 +5884,7 @@
                       </a:r>
                     </a:p>
                   </a:txBody>
-                  <a:tcPr anchor="ctr">
+                  <a:tcPr anchor="ctr" marB="0" marT="0" marR="0" marL="0">
                     <a:lnL w="12700">
                       <a:solidFill>
                         <a:srgbClr val="000000"/>
@@ -5919,7 +5919,7 @@
                     <a:bodyPr/>
                     <a:lstStyle/>
                     <a:p>
-                      <a:pPr marL="0" marR="0" indent="0" algn="l">
+                      <a:pPr algn="l" indent="0" marR="0" marL="0">
                         <a:spcBef>
                           <a:spcPts val="0"/>
                         </a:spcBef>
@@ -5952,7 +5952,7 @@
                       </a:r>
                     </a:p>
                   </a:txBody>
-                  <a:tcPr anchor="ctr">
+                  <a:tcPr anchor="ctr" marB="0" marT="0" marR="0" marL="0">
                     <a:lnL w="12700">
                       <a:solidFill>
                         <a:srgbClr val="000000"/>
@@ -5987,7 +5987,7 @@
                     <a:bodyPr/>
                     <a:lstStyle/>
                     <a:p>
-                      <a:pPr marL="0" marR="0" indent="0" algn="l">
+                      <a:pPr algn="l" indent="0" marR="0" marL="0">
                         <a:spcBef>
                           <a:spcPts val="0"/>
                         </a:spcBef>
@@ -6020,7 +6020,7 @@
                       </a:r>
                     </a:p>
                   </a:txBody>
-                  <a:tcPr anchor="ctr">
+                  <a:tcPr anchor="ctr" marB="0" marT="0" marR="0" marL="0">
                     <a:lnL w="12700">
                       <a:solidFill>
                         <a:srgbClr val="000000"/>
@@ -6055,7 +6055,7 @@
                     <a:bodyPr/>
                     <a:lstStyle/>
                     <a:p>
-                      <a:pPr marL="0" marR="0" indent="0" algn="l">
+                      <a:pPr algn="l" indent="0" marR="0" marL="0">
                         <a:spcBef>
                           <a:spcPts val="0"/>
                         </a:spcBef>
@@ -6088,7 +6088,7 @@
                       </a:r>
                     </a:p>
                   </a:txBody>
-                  <a:tcPr anchor="ctr">
+                  <a:tcPr anchor="ctr" marB="0" marT="0" marR="0" marL="0">
                     <a:lnL w="12700">
                       <a:solidFill>
                         <a:srgbClr val="000000"/>
@@ -6123,7 +6123,7 @@
                     <a:bodyPr/>
                     <a:lstStyle/>
                     <a:p>
-                      <a:pPr marL="0" marR="0" indent="0" algn="l">
+                      <a:pPr algn="l" indent="0" marR="0" marL="0">
                         <a:spcBef>
                           <a:spcPts val="0"/>
                         </a:spcBef>
@@ -6156,7 +6156,7 @@
                       </a:r>
                     </a:p>
                   </a:txBody>
-                  <a:tcPr anchor="ctr">
+                  <a:tcPr anchor="ctr" marB="0" marT="0" marR="0" marL="0">
                     <a:lnL w="12700">
                       <a:solidFill>
                         <a:srgbClr val="000000"/>
@@ -6193,7 +6193,7 @@
                     <a:bodyPr/>
                     <a:lstStyle/>
                     <a:p>
-                      <a:pPr marL="0" marR="0" indent="0" algn="l">
+                      <a:pPr algn="l" indent="0" marR="0" marL="0">
                         <a:spcBef>
                           <a:spcPts val="0"/>
                         </a:spcBef>
@@ -6226,7 +6226,7 @@
                       </a:r>
                     </a:p>
                   </a:txBody>
-                  <a:tcPr anchor="ctr">
+                  <a:tcPr anchor="ctr" marB="0" marT="0" marR="0" marL="0">
                     <a:lnL w="12700">
                       <a:solidFill>
                         <a:srgbClr val="000000"/>
@@ -6261,7 +6261,7 @@
                     <a:bodyPr/>
                     <a:lstStyle/>
                     <a:p>
-                      <a:pPr marL="0" marR="0" indent="0" algn="l">
+                      <a:pPr algn="l" indent="0" marR="0" marL="0">
                         <a:spcBef>
                           <a:spcPts val="0"/>
                         </a:spcBef>
@@ -6294,7 +6294,7 @@
                       </a:r>
                     </a:p>
                   </a:txBody>
-                  <a:tcPr anchor="ctr">
+                  <a:tcPr anchor="ctr" marB="0" marT="0" marR="0" marL="0">
                     <a:lnL w="12700">
                       <a:solidFill>
                         <a:srgbClr val="000000"/>
@@ -6329,7 +6329,7 @@
                     <a:bodyPr/>
                     <a:lstStyle/>
                     <a:p>
-                      <a:pPr marL="0" marR="0" indent="0" algn="l">
+                      <a:pPr algn="l" indent="0" marR="0" marL="0">
                         <a:spcBef>
                           <a:spcPts val="0"/>
                         </a:spcBef>
@@ -6362,7 +6362,7 @@
                       </a:r>
                     </a:p>
                   </a:txBody>
-                  <a:tcPr anchor="ctr">
+                  <a:tcPr anchor="ctr" marB="0" marT="0" marR="0" marL="0">
                     <a:lnL w="12700">
                       <a:solidFill>
                         <a:srgbClr val="000000"/>
@@ -6397,7 +6397,7 @@
                     <a:bodyPr/>
                     <a:lstStyle/>
                     <a:p>
-                      <a:pPr marL="0" marR="0" indent="0" algn="l">
+                      <a:pPr algn="l" indent="0" marR="0" marL="0">
                         <a:spcBef>
                           <a:spcPts val="0"/>
                         </a:spcBef>
@@ -6430,7 +6430,7 @@
                       </a:r>
                     </a:p>
                   </a:txBody>
-                  <a:tcPr anchor="ctr">
+                  <a:tcPr anchor="ctr" marB="0" marT="0" marR="0" marL="0">
                     <a:lnL w="12700">
                       <a:solidFill>
                         <a:srgbClr val="000000"/>
@@ -6465,7 +6465,7 @@
                     <a:bodyPr/>
                     <a:lstStyle/>
                     <a:p>
-                      <a:pPr marL="0" marR="0" indent="0" algn="l">
+                      <a:pPr algn="l" indent="0" marR="0" marL="0">
                         <a:spcBef>
                           <a:spcPts val="0"/>
                         </a:spcBef>
@@ -6498,7 +6498,7 @@
                       </a:r>
                     </a:p>
                   </a:txBody>
-                  <a:tcPr anchor="ctr">
+                  <a:tcPr anchor="ctr" marB="0" marT="0" marR="0" marL="0">
                     <a:lnL w="12700">
                       <a:solidFill>
                         <a:srgbClr val="000000"/>
@@ -6535,7 +6535,7 @@
       </p:graphicFrame>
       <p:sp>
         <p:nvSpPr>
-          <p:cNvPr id="3" name="Title Texts3"/>
+          <p:cNvPr name="Title Texts3" id="3"/>
           <p:cNvSpPr>
             <a:spLocks noGrp="true"/>
           </p:cNvSpPr>
@@ -6544,39 +6544,21 @@
           </p:nvPr>
         </p:nvSpPr>
         <p:spPr>
-          <a:xfrm>
-            <a:off x="6172200" y="1825625"/>
-            <a:ext cx="5181600" cy="4351338"/>
+          <a:xfrm rot="0">
+            <a:off y="1825625" x="6172200"/>
+            <a:ext cy="4351338" cx="5181600"/>
           </a:xfrm>
         </p:spPr>
         <p:txBody>
           <a:bodyPr/>
           <a:lstStyle/>
           <a:p>
-            <a:pPr marL="12700" marR="12700" indent="0" algn="l">
-              <a:spcBef>
-                <a:spcPts val="100"/>
-              </a:spcBef>
-              <a:spcAft>
-                <a:spcPts val="100"/>
-              </a:spcAft>
-              <a:buNone/>
-            </a:pPr>
             <a:r>
               <a:rPr/>
               <a:t/>
             </a:r>
           </a:p>
           <a:p>
-            <a:pPr marL="12700" marR="12700" indent="0" algn="l">
-              <a:spcBef>
-                <a:spcPts val="100"/>
-              </a:spcBef>
-              <a:spcAft>
-                <a:spcPts val="100"/>
-              </a:spcAft>
-              <a:buNone/>
-            </a:pPr>
             <a:r>
               <a:rPr/>
               <a:t>Hello World!</a:t>
@@ -6594,42 +6576,42 @@
   <p:cSld>
     <p:spTree>
       <p:nvGrpSpPr>
-        <p:cNvPr id="1" name=""/>
+        <p:cNvPr name="" id="1"/>
         <p:cNvGrpSpPr/>
         <p:nvPr/>
       </p:nvGrpSpPr>
       <p:grpSpPr>
         <a:xfrm>
-          <a:off x="0" y="0"/>
-          <a:ext cx="0" cy="0"/>
-          <a:chOff x="0" y="0"/>
-          <a:chExt cx="0" cy="0"/>
+          <a:off y="0" x="0"/>
+          <a:ext cy="0" cx="0"/>
+          <a:chOff y="0" x="0"/>
+          <a:chExt cy="0" cx="0"/>
         </a:xfrm>
       </p:grpSpPr>
       <p:grpSp>
         <p:nvGrpSpPr>
-          <p:cNvPr id="1" name="Groupe 1"/>
+          <p:cNvPr name="Groupe 1" id="1"/>
           <p:cNvGrpSpPr/>
           <p:nvPr/>
         </p:nvGrpSpPr>
         <p:grpSpPr>
-          <a:xfrm>
-            <a:off x="838200" y="1825625"/>
-            <a:ext cx="10515600" cy="4351338"/>
-            <a:chOff x="838200" y="1825625"/>
-            <a:chExt cx="10515600" cy="4351338"/>
+          <a:xfrm rot="0">
+            <a:off y="1825625" x="838200"/>
+            <a:ext cy="4351338" cx="10515600"/>
+            <a:chOff y="1825625" x="838200"/>
+            <a:chExt cy="4351338" cx="10515600"/>
           </a:xfrm>
         </p:grpSpPr>
         <p:sp>
           <p:nvSpPr>
-            <p:cNvPr id="2" name="Rectangle 2"/>
+            <p:cNvPr name="Rectangle 2" id="2"/>
             <p:cNvSpPr/>
             <p:nvPr/>
           </p:nvSpPr>
           <p:spPr>
             <a:xfrm>
-              <a:off x="1879906" y="4962075"/>
-              <a:ext cx="936312" cy="349151"/>
+              <a:off y="4962075" x="1879906"/>
+              <a:ext cy="349151" cx="936312"/>
             </a:xfrm>
             <a:prstGeom prst="rect">
               <a:avLst/>
@@ -6657,14 +6639,14 @@
         </p:sp>
         <p:sp>
           <p:nvSpPr>
-            <p:cNvPr id="3" name="Rectangle 3"/>
+            <p:cNvPr name="Rectangle 3" id="3"/>
             <p:cNvSpPr/>
             <p:nvPr/>
           </p:nvSpPr>
           <p:spPr>
             <a:xfrm>
-              <a:off x="3003480" y="4612924"/>
-              <a:ext cx="936312" cy="698301"/>
+              <a:off y="4612924" x="3003480"/>
+              <a:ext cy="698301" cx="936312"/>
             </a:xfrm>
             <a:prstGeom prst="rect">
               <a:avLst/>
@@ -6692,14 +6674,14 @@
         </p:sp>
         <p:sp>
           <p:nvSpPr>
-            <p:cNvPr id="4" name="Rectangle 4"/>
+            <p:cNvPr name="Rectangle 4" id="4"/>
             <p:cNvSpPr/>
             <p:nvPr/>
           </p:nvSpPr>
           <p:spPr>
             <a:xfrm>
-              <a:off x="4127055" y="4263773"/>
-              <a:ext cx="936312" cy="1047452"/>
+              <a:off y="4263773" x="4127055"/>
+              <a:ext cy="1047452" cx="936312"/>
             </a:xfrm>
             <a:prstGeom prst="rect">
               <a:avLst/>
@@ -6727,14 +6709,14 @@
         </p:sp>
         <p:sp>
           <p:nvSpPr>
-            <p:cNvPr id="5" name="Rectangle 5"/>
+            <p:cNvPr name="Rectangle 5" id="5"/>
             <p:cNvSpPr/>
             <p:nvPr/>
           </p:nvSpPr>
           <p:spPr>
             <a:xfrm>
-              <a:off x="5250630" y="3914623"/>
-              <a:ext cx="936312" cy="1396603"/>
+              <a:off y="3914623" x="5250630"/>
+              <a:ext cy="1396603" cx="936312"/>
             </a:xfrm>
             <a:prstGeom prst="rect">
               <a:avLst/>
@@ -6762,14 +6744,14 @@
         </p:sp>
         <p:sp>
           <p:nvSpPr>
-            <p:cNvPr id="6" name="Rectangle 6"/>
+            <p:cNvPr name="Rectangle 6" id="6"/>
             <p:cNvSpPr/>
             <p:nvPr/>
           </p:nvSpPr>
           <p:spPr>
             <a:xfrm>
-              <a:off x="6374205" y="3565472"/>
-              <a:ext cx="936312" cy="1745753"/>
+              <a:off y="3565472" x="6374205"/>
+              <a:ext cy="1745753" cx="936312"/>
             </a:xfrm>
             <a:prstGeom prst="rect">
               <a:avLst/>
@@ -6797,14 +6779,14 @@
         </p:sp>
         <p:sp>
           <p:nvSpPr>
-            <p:cNvPr id="7" name="Rectangle 7"/>
+            <p:cNvPr name="Rectangle 7" id="7"/>
             <p:cNvSpPr/>
             <p:nvPr/>
           </p:nvSpPr>
           <p:spPr>
             <a:xfrm>
-              <a:off x="7497779" y="3216321"/>
-              <a:ext cx="936312" cy="2094904"/>
+              <a:off y="3216321" x="7497779"/>
+              <a:ext cy="2094904" cx="936312"/>
             </a:xfrm>
             <a:prstGeom prst="rect">
               <a:avLst/>
@@ -6832,14 +6814,14 @@
         </p:sp>
         <p:sp>
           <p:nvSpPr>
-            <p:cNvPr id="8" name="Rectangle 8"/>
+            <p:cNvPr name="Rectangle 8" id="8"/>
             <p:cNvSpPr/>
             <p:nvPr/>
           </p:nvSpPr>
           <p:spPr>
             <a:xfrm>
-              <a:off x="8621354" y="2867171"/>
-              <a:ext cx="936312" cy="2444054"/>
+              <a:off y="2867171" x="8621354"/>
+              <a:ext cy="2444054" cx="936312"/>
             </a:xfrm>
             <a:prstGeom prst="rect">
               <a:avLst/>
@@ -6867,14 +6849,14 @@
         </p:sp>
         <p:sp>
           <p:nvSpPr>
-            <p:cNvPr id="9" name="Rectangle 9"/>
+            <p:cNvPr name="Rectangle 9" id="9"/>
             <p:cNvSpPr/>
             <p:nvPr/>
           </p:nvSpPr>
           <p:spPr>
             <a:xfrm>
-              <a:off x="9744929" y="2518020"/>
-              <a:ext cx="936312" cy="2793205"/>
+              <a:off y="2518020" x="9744929"/>
+              <a:ext cy="2793205" cx="936312"/>
             </a:xfrm>
             <a:prstGeom prst="rect">
               <a:avLst/>
@@ -6902,24 +6884,24 @@
         </p:sp>
         <p:sp>
           <p:nvSpPr>
-            <p:cNvPr id="10" name="Line 10"/>
+            <p:cNvPr name="Line 10" id="10"/>
             <p:cNvSpPr/>
             <p:nvPr/>
           </p:nvSpPr>
           <p:spPr>
             <a:xfrm>
-              <a:off x="1527852" y="2518020"/>
-              <a:ext cx="0" cy="2793205"/>
+              <a:off y="2518020" x="1527852"/>
+              <a:ext cy="2793205" cx="0"/>
             </a:xfrm>
             <a:custGeom>
               <a:avLst/>
               <a:pathLst>
-                <a:path w="0" h="2793205">
+                <a:path h="2793205" w="0">
                   <a:moveTo>
-                    <a:pt x="0" y="2793205"/>
+                    <a:pt y="2793205" x="0"/>
                   </a:moveTo>
                   <a:lnTo>
-                    <a:pt x="0" y="0"/>
+                    <a:pt y="0" x="0"/>
                   </a:lnTo>
                 </a:path>
               </a:pathLst>
@@ -6942,24 +6924,24 @@
         </p:sp>
         <p:sp>
           <p:nvSpPr>
-            <p:cNvPr id="11" name="Line 11"/>
+            <p:cNvPr name="Line 11" id="11"/>
             <p:cNvSpPr/>
             <p:nvPr/>
           </p:nvSpPr>
           <p:spPr>
             <a:xfrm>
-              <a:off x="1444032" y="5311225"/>
-              <a:ext cx="83820" cy="0"/>
+              <a:off y="5311225" x="1444032"/>
+              <a:ext cy="0" cx="83820"/>
             </a:xfrm>
             <a:custGeom>
               <a:avLst/>
               <a:pathLst>
-                <a:path w="83820" h="0">
+                <a:path h="0" w="83820">
                   <a:moveTo>
-                    <a:pt x="83820" y="0"/>
+                    <a:pt y="0" x="83820"/>
                   </a:moveTo>
                   <a:lnTo>
-                    <a:pt x="0" y="0"/>
+                    <a:pt y="0" x="0"/>
                   </a:lnTo>
                 </a:path>
               </a:pathLst>
@@ -6982,24 +6964,24 @@
         </p:sp>
         <p:sp>
           <p:nvSpPr>
-            <p:cNvPr id="12" name="Line 12"/>
+            <p:cNvPr name="Line 12" id="12"/>
             <p:cNvSpPr/>
             <p:nvPr/>
           </p:nvSpPr>
           <p:spPr>
             <a:xfrm>
-              <a:off x="1444032" y="4612924"/>
-              <a:ext cx="83820" cy="0"/>
+              <a:off y="4612924" x="1444032"/>
+              <a:ext cy="0" cx="83820"/>
             </a:xfrm>
             <a:custGeom>
               <a:avLst/>
               <a:pathLst>
-                <a:path w="83820" h="0">
+                <a:path h="0" w="83820">
                   <a:moveTo>
-                    <a:pt x="83820" y="0"/>
+                    <a:pt y="0" x="83820"/>
                   </a:moveTo>
                   <a:lnTo>
-                    <a:pt x="0" y="0"/>
+                    <a:pt y="0" x="0"/>
                   </a:lnTo>
                 </a:path>
               </a:pathLst>
@@ -7022,24 +7004,24 @@
         </p:sp>
         <p:sp>
           <p:nvSpPr>
-            <p:cNvPr id="13" name="Line 13"/>
+            <p:cNvPr name="Line 13" id="13"/>
             <p:cNvSpPr/>
             <p:nvPr/>
           </p:nvSpPr>
           <p:spPr>
             <a:xfrm>
-              <a:off x="1444032" y="3914623"/>
-              <a:ext cx="83820" cy="0"/>
+              <a:off y="3914623" x="1444032"/>
+              <a:ext cy="0" cx="83820"/>
             </a:xfrm>
             <a:custGeom>
               <a:avLst/>
               <a:pathLst>
-                <a:path w="83820" h="0">
+                <a:path h="0" w="83820">
                   <a:moveTo>
-                    <a:pt x="83820" y="0"/>
+                    <a:pt y="0" x="83820"/>
                   </a:moveTo>
                   <a:lnTo>
-                    <a:pt x="0" y="0"/>
+                    <a:pt y="0" x="0"/>
                   </a:lnTo>
                 </a:path>
               </a:pathLst>
@@ -7062,24 +7044,24 @@
         </p:sp>
         <p:sp>
           <p:nvSpPr>
-            <p:cNvPr id="14" name="Line 14"/>
+            <p:cNvPr name="Line 14" id="14"/>
             <p:cNvSpPr/>
             <p:nvPr/>
           </p:nvSpPr>
           <p:spPr>
             <a:xfrm>
-              <a:off x="1444032" y="3216321"/>
-              <a:ext cx="83820" cy="0"/>
+              <a:off y="3216321" x="1444032"/>
+              <a:ext cy="0" cx="83820"/>
             </a:xfrm>
             <a:custGeom>
               <a:avLst/>
               <a:pathLst>
-                <a:path w="83820" h="0">
+                <a:path h="0" w="83820">
                   <a:moveTo>
-                    <a:pt x="83820" y="0"/>
+                    <a:pt y="0" x="83820"/>
                   </a:moveTo>
                   <a:lnTo>
-                    <a:pt x="0" y="0"/>
+                    <a:pt y="0" x="0"/>
                   </a:lnTo>
                 </a:path>
               </a:pathLst>
@@ -7102,24 +7084,24 @@
         </p:sp>
         <p:sp>
           <p:nvSpPr>
-            <p:cNvPr id="15" name="Line 15"/>
+            <p:cNvPr name="Line 15" id="15"/>
             <p:cNvSpPr/>
             <p:nvPr/>
           </p:nvSpPr>
           <p:spPr>
             <a:xfrm>
-              <a:off x="1444032" y="2518020"/>
-              <a:ext cx="83820" cy="0"/>
+              <a:off y="2518020" x="1444032"/>
+              <a:ext cy="0" cx="83820"/>
             </a:xfrm>
             <a:custGeom>
               <a:avLst/>
               <a:pathLst>
-                <a:path w="83820" h="0">
+                <a:path h="0" w="83820">
                   <a:moveTo>
-                    <a:pt x="83820" y="0"/>
+                    <a:pt y="0" x="83820"/>
                   </a:moveTo>
                   <a:lnTo>
-                    <a:pt x="0" y="0"/>
+                    <a:pt y="0" x="0"/>
                   </a:lnTo>
                 </a:path>
               </a:pathLst>
@@ -7142,14 +7124,14 @@
         </p:sp>
         <p:sp>
           <p:nvSpPr>
-            <p:cNvPr id="16" name="Text 16"/>
+            <p:cNvPr name="Text 16" id="16"/>
             <p:cNvSpPr/>
             <p:nvPr/>
           </p:nvSpPr>
           <p:spPr>
             <a:xfrm rot="-5400000">
-              <a:off x="1214162" y="5241375"/>
-              <a:ext cx="152400" cy="139700"/>
+              <a:off y="5241375" x="1214162"/>
+              <a:ext cy="139700" cx="152400"/>
             </a:xfrm>
             <a:prstGeom prst="rect">
               <a:avLst/>
@@ -7157,12 +7139,12 @@
             <a:noFill/>
           </p:spPr>
           <p:txBody>
-            <a:bodyPr lIns="0" tIns="0" rIns="0" bIns="0" anchor="b">
+            <a:bodyPr anchor="b" bIns="0" rIns="0" tIns="0" lIns="0">
               <a:spAutoFit/>
             </a:bodyPr>
             <a:lstStyle/>
             <a:p>
-              <a:pPr marL="0" marR="0" indent="0" algn="ctr">
+              <a:pPr algn="ctr" indent="0" marR="0" marL="0">
                 <a:lnSpc>
                   <a:spcPts val="1100"/>
                 </a:lnSpc>
@@ -7190,14 +7172,14 @@
         </p:sp>
         <p:sp>
           <p:nvSpPr>
-            <p:cNvPr id="17" name="Text 17"/>
+            <p:cNvPr name="Text 17" id="17"/>
             <p:cNvSpPr/>
             <p:nvPr/>
           </p:nvSpPr>
           <p:spPr>
             <a:xfrm rot="-5400000">
-              <a:off x="1214162" y="4543074"/>
-              <a:ext cx="152400" cy="139700"/>
+              <a:off y="4543074" x="1214162"/>
+              <a:ext cy="139700" cx="152400"/>
             </a:xfrm>
             <a:prstGeom prst="rect">
               <a:avLst/>
@@ -7205,12 +7187,12 @@
             <a:noFill/>
           </p:spPr>
           <p:txBody>
-            <a:bodyPr lIns="0" tIns="0" rIns="0" bIns="0" anchor="b">
+            <a:bodyPr anchor="b" bIns="0" rIns="0" tIns="0" lIns="0">
               <a:spAutoFit/>
             </a:bodyPr>
             <a:lstStyle/>
             <a:p>
-              <a:pPr marL="0" marR="0" indent="0" algn="ctr">
+              <a:pPr algn="ctr" indent="0" marR="0" marL="0">
                 <a:lnSpc>
                   <a:spcPts val="1100"/>
                 </a:lnSpc>
@@ -7238,14 +7220,14 @@
         </p:sp>
         <p:sp>
           <p:nvSpPr>
-            <p:cNvPr id="18" name="Text 18"/>
+            <p:cNvPr name="Text 18" id="18"/>
             <p:cNvSpPr/>
             <p:nvPr/>
           </p:nvSpPr>
           <p:spPr>
             <a:xfrm rot="-5400000">
-              <a:off x="1214162" y="3844773"/>
-              <a:ext cx="152400" cy="139700"/>
+              <a:off y="3844773" x="1214162"/>
+              <a:ext cy="139700" cx="152400"/>
             </a:xfrm>
             <a:prstGeom prst="rect">
               <a:avLst/>
@@ -7253,12 +7235,12 @@
             <a:noFill/>
           </p:spPr>
           <p:txBody>
-            <a:bodyPr lIns="0" tIns="0" rIns="0" bIns="0" anchor="b">
+            <a:bodyPr anchor="b" bIns="0" rIns="0" tIns="0" lIns="0">
               <a:spAutoFit/>
             </a:bodyPr>
             <a:lstStyle/>
             <a:p>
-              <a:pPr marL="0" marR="0" indent="0" algn="ctr">
+              <a:pPr algn="ctr" indent="0" marR="0" marL="0">
                 <a:lnSpc>
                   <a:spcPts val="1100"/>
                 </a:lnSpc>
@@ -7286,14 +7268,14 @@
         </p:sp>
         <p:sp>
           <p:nvSpPr>
-            <p:cNvPr id="19" name="Text 19"/>
+            <p:cNvPr name="Text 19" id="19"/>
             <p:cNvSpPr/>
             <p:nvPr/>
           </p:nvSpPr>
           <p:spPr>
             <a:xfrm rot="-5400000">
-              <a:off x="1214162" y="3146471"/>
-              <a:ext cx="152400" cy="139700"/>
+              <a:off y="3146471" x="1214162"/>
+              <a:ext cy="139700" cx="152400"/>
             </a:xfrm>
             <a:prstGeom prst="rect">
               <a:avLst/>
@@ -7301,12 +7283,12 @@
             <a:noFill/>
           </p:spPr>
           <p:txBody>
-            <a:bodyPr lIns="0" tIns="0" rIns="0" bIns="0" anchor="b">
+            <a:bodyPr anchor="b" bIns="0" rIns="0" tIns="0" lIns="0">
               <a:spAutoFit/>
             </a:bodyPr>
             <a:lstStyle/>
             <a:p>
-              <a:pPr marL="0" marR="0" indent="0" algn="ctr">
+              <a:pPr algn="ctr" indent="0" marR="0" marL="0">
                 <a:lnSpc>
                   <a:spcPts val="1100"/>
                 </a:lnSpc>
@@ -7334,14 +7316,14 @@
         </p:sp>
         <p:sp>
           <p:nvSpPr>
-            <p:cNvPr id="20" name="Text 20"/>
+            <p:cNvPr name="Text 20" id="20"/>
             <p:cNvSpPr/>
             <p:nvPr/>
           </p:nvSpPr>
           <p:spPr>
             <a:xfrm rot="-5400000">
-              <a:off x="1214162" y="2448170"/>
-              <a:ext cx="152400" cy="139700"/>
+              <a:off y="2448170" x="1214162"/>
+              <a:ext cy="139700" cx="152400"/>
             </a:xfrm>
             <a:prstGeom prst="rect">
               <a:avLst/>
@@ -7349,12 +7331,12 @@
             <a:noFill/>
           </p:spPr>
           <p:txBody>
-            <a:bodyPr lIns="0" tIns="0" rIns="0" bIns="0" anchor="b">
+            <a:bodyPr anchor="b" bIns="0" rIns="0" tIns="0" lIns="0">
               <a:spAutoFit/>
             </a:bodyPr>
             <a:lstStyle/>
             <a:p>
-              <a:pPr marL="0" marR="0" indent="0" algn="ctr">
+              <a:pPr algn="ctr" indent="0" marR="0" marL="0">
                 <a:lnSpc>
                   <a:spcPts val="1100"/>
                 </a:lnSpc>

--- a/examples/pp_simple_example.pptx
+++ b/examples/pp_simple_example.pptx
@@ -5,8 +5,8 @@
     <p:sldMasterId r:id="rId1" id="2147483648"/>
   </p:sldMasterIdLst>
   <p:sldIdLst>
-    <p:sldId r:id="rId6" id="1704904287"/>
-    <p:sldId r:id="rId7" id="414780442"/>
+    <p:sldId r:id="rId6" id="808333651"/>
+    <p:sldId r:id="rId7" id="933546261"/>
   </p:sldIdLst>
   <p:sldSz cy="6858000" cx="12192000"/>
   <p:notesSz cy="9144000" cx="6858000"/>
@@ -6590,12 +6590,12 @@
       </p:grpSpPr>
       <p:grpSp>
         <p:nvGrpSpPr>
-          <p:cNvPr name="Groupe 1" id="1"/>
+          <p:cNvPr name="grp3" id="3"/>
           <p:cNvGrpSpPr/>
           <p:nvPr/>
         </p:nvGrpSpPr>
         <p:grpSpPr>
-          <a:xfrm rot="0">
+          <a:xfrm>
             <a:off y="1825625" x="838200"/>
             <a:ext cy="4351338" cx="10515600"/>
             <a:chOff y="1825625" x="838200"/>
@@ -6604,14 +6604,49 @@
         </p:grpSpPr>
         <p:sp>
           <p:nvSpPr>
-            <p:cNvPr name="Rectangle 2" id="2"/>
+            <p:cNvPr name="rc4" id="4"/>
             <p:cNvSpPr/>
             <p:nvPr/>
           </p:nvSpPr>
           <p:spPr>
             <a:xfrm>
-              <a:off y="4962075" x="1879906"/>
-              <a:ext cy="349151" cx="936312"/>
+              <a:off y="1825625" x="838200"/>
+              <a:ext cy="4351338" cx="10515600"/>
+            </a:xfrm>
+            <a:prstGeom prst="rect">
+              <a:avLst/>
+            </a:prstGeom>
+            <a:solidFill>
+              <a:srgbClr val="FFFFFF">
+                <a:alpha val="100000"/>
+              </a:srgbClr>
+            </a:solidFill>
+            <a:ln cap="rnd" w="9525">
+              <a:solidFill>
+                <a:srgbClr val="FFFFFF">
+                  <a:alpha val="100000"/>
+                </a:srgbClr>
+              </a:solidFill>
+              <a:prstDash val="solid"/>
+              <a:round/>
+            </a:ln>
+          </p:spPr>
+          <p:txBody>
+            <a:bodyPr/>
+            <a:lstStyle/>
+            <a:p/>
+          </p:txBody>
+        </p:sp>
+        <p:sp>
+          <p:nvSpPr>
+            <p:cNvPr name="rc5" id="5"/>
+            <p:cNvSpPr/>
+            <p:nvPr/>
+          </p:nvSpPr>
+          <p:spPr>
+            <a:xfrm>
+              <a:off y="4946531" x="1876495"/>
+              <a:ext cy="347654" cx="933434"/>
             </a:xfrm>
             <a:prstGeom prst="rect">
               <a:avLst/>
@@ -6621,7 +6656,7 @@
                 <a:alpha val="100000"/>
               </a:srgbClr>
             </a:solidFill>
-            <a:ln w="9525">
+            <a:ln cap="rnd" w="9525">
               <a:solidFill>
                 <a:srgbClr val="000000">
                   <a:alpha val="100000"/>
@@ -6639,14 +6674,14 @@
         </p:sp>
         <p:sp>
           <p:nvSpPr>
-            <p:cNvPr name="Rectangle 3" id="3"/>
+            <p:cNvPr name="rc6" id="6"/>
             <p:cNvSpPr/>
             <p:nvPr/>
           </p:nvSpPr>
           <p:spPr>
             <a:xfrm>
-              <a:off y="4612924" x="3003480"/>
-              <a:ext cy="698301" cx="936312"/>
+              <a:off y="4598877" x="2996617"/>
+              <a:ext cy="695309" cx="933434"/>
             </a:xfrm>
             <a:prstGeom prst="rect">
               <a:avLst/>
@@ -6656,7 +6691,7 @@
                 <a:alpha val="100000"/>
               </a:srgbClr>
             </a:solidFill>
-            <a:ln w="9525">
+            <a:ln cap="rnd" w="9525">
               <a:solidFill>
                 <a:srgbClr val="000000">
                   <a:alpha val="100000"/>
@@ -6674,14 +6709,14 @@
         </p:sp>
         <p:sp>
           <p:nvSpPr>
-            <p:cNvPr name="Rectangle 4" id="4"/>
+            <p:cNvPr name="rc7" id="7"/>
             <p:cNvSpPr/>
             <p:nvPr/>
           </p:nvSpPr>
           <p:spPr>
             <a:xfrm>
-              <a:off y="4263773" x="4127055"/>
-              <a:ext cy="1047452" cx="936312"/>
+              <a:off y="4251222" x="4116739"/>
+              <a:ext cy="1042964" cx="933434"/>
             </a:xfrm>
             <a:prstGeom prst="rect">
               <a:avLst/>
@@ -6691,7 +6726,7 @@
                 <a:alpha val="100000"/>
               </a:srgbClr>
             </a:solidFill>
-            <a:ln w="9525">
+            <a:ln cap="rnd" w="9525">
               <a:solidFill>
                 <a:srgbClr val="000000">
                   <a:alpha val="100000"/>
@@ -6709,14 +6744,14 @@
         </p:sp>
         <p:sp>
           <p:nvSpPr>
-            <p:cNvPr name="Rectangle 5" id="5"/>
+            <p:cNvPr name="rc8" id="8"/>
             <p:cNvSpPr/>
             <p:nvPr/>
           </p:nvSpPr>
           <p:spPr>
             <a:xfrm>
-              <a:off y="3914623" x="5250630"/>
-              <a:ext cy="1396603" cx="936312"/>
+              <a:off y="3903567" x="5236861"/>
+              <a:ext cy="1390618" cx="933434"/>
             </a:xfrm>
             <a:prstGeom prst="rect">
               <a:avLst/>
@@ -6726,7 +6761,7 @@
                 <a:alpha val="100000"/>
               </a:srgbClr>
             </a:solidFill>
-            <a:ln w="9525">
+            <a:ln cap="rnd" w="9525">
               <a:solidFill>
                 <a:srgbClr val="000000">
                   <a:alpha val="100000"/>
@@ -6744,14 +6779,14 @@
         </p:sp>
         <p:sp>
           <p:nvSpPr>
-            <p:cNvPr name="Rectangle 6" id="6"/>
+            <p:cNvPr name="rc9" id="9"/>
             <p:cNvSpPr/>
             <p:nvPr/>
           </p:nvSpPr>
           <p:spPr>
             <a:xfrm>
-              <a:off y="3565472" x="6374205"/>
-              <a:ext cy="1745753" cx="936312"/>
+              <a:off y="3555913" x="6356983"/>
+              <a:ext cy="1738273" cx="933434"/>
             </a:xfrm>
             <a:prstGeom prst="rect">
               <a:avLst/>
@@ -6761,7 +6796,7 @@
                 <a:alpha val="100000"/>
               </a:srgbClr>
             </a:solidFill>
-            <a:ln w="9525">
+            <a:ln cap="rnd" w="9525">
               <a:solidFill>
                 <a:srgbClr val="000000">
                   <a:alpha val="100000"/>
@@ -6779,14 +6814,14 @@
         </p:sp>
         <p:sp>
           <p:nvSpPr>
-            <p:cNvPr name="Rectangle 7" id="7"/>
+            <p:cNvPr name="rc10" id="10"/>
             <p:cNvSpPr/>
             <p:nvPr/>
           </p:nvSpPr>
           <p:spPr>
             <a:xfrm>
-              <a:off y="3216321" x="7497779"/>
-              <a:ext cy="2094904" cx="936312"/>
+              <a:off y="3208258" x="7477105"/>
+              <a:ext cy="2085928" cx="933434"/>
             </a:xfrm>
             <a:prstGeom prst="rect">
               <a:avLst/>
@@ -6796,7 +6831,7 @@
                 <a:alpha val="100000"/>
               </a:srgbClr>
             </a:solidFill>
-            <a:ln w="9525">
+            <a:ln cap="rnd" w="9525">
               <a:solidFill>
                 <a:srgbClr val="000000">
                   <a:alpha val="100000"/>
@@ -6814,14 +6849,14 @@
         </p:sp>
         <p:sp>
           <p:nvSpPr>
-            <p:cNvPr name="Rectangle 8" id="8"/>
+            <p:cNvPr name="rc11" id="11"/>
             <p:cNvSpPr/>
             <p:nvPr/>
           </p:nvSpPr>
           <p:spPr>
             <a:xfrm>
-              <a:off y="2867171" x="8621354"/>
-              <a:ext cy="2444054" cx="936312"/>
+              <a:off y="2860603" x="8597227"/>
+              <a:ext cy="2433582" cx="933434"/>
             </a:xfrm>
             <a:prstGeom prst="rect">
               <a:avLst/>
@@ -6831,7 +6866,7 @@
                 <a:alpha val="100000"/>
               </a:srgbClr>
             </a:solidFill>
-            <a:ln w="9525">
+            <a:ln cap="rnd" w="9525">
               <a:solidFill>
                 <a:srgbClr val="000000">
                   <a:alpha val="100000"/>
@@ -6849,14 +6884,14 @@
         </p:sp>
         <p:sp>
           <p:nvSpPr>
-            <p:cNvPr name="Rectangle 9" id="9"/>
+            <p:cNvPr name="rc12" id="12"/>
             <p:cNvSpPr/>
             <p:nvPr/>
           </p:nvSpPr>
           <p:spPr>
             <a:xfrm>
-              <a:off y="2518020" x="9744929"/>
-              <a:ext cy="2793205" cx="936312"/>
+              <a:off y="2512949" x="9717349"/>
+              <a:ext cy="2781237" cx="933434"/>
             </a:xfrm>
             <a:prstGeom prst="rect">
               <a:avLst/>
@@ -6866,7 +6901,7 @@
                 <a:alpha val="100000"/>
               </a:srgbClr>
             </a:solidFill>
-            <a:ln w="9525">
+            <a:ln cap="rnd" w="9525">
               <a:solidFill>
                 <a:srgbClr val="000000">
                   <a:alpha val="100000"/>
@@ -6884,21 +6919,21 @@
         </p:sp>
         <p:sp>
           <p:nvSpPr>
-            <p:cNvPr name="Line 10" id="10"/>
+            <p:cNvPr name="ln13" id="13"/>
             <p:cNvSpPr/>
             <p:nvPr/>
           </p:nvSpPr>
           <p:spPr>
             <a:xfrm>
-              <a:off y="2518020" x="1527852"/>
-              <a:ext cy="2793205" cx="0"/>
+              <a:off y="2512949" x="1525524"/>
+              <a:ext cy="2781237" cx="0"/>
             </a:xfrm>
             <a:custGeom>
               <a:avLst/>
               <a:pathLst>
-                <a:path h="2793205" w="0">
+                <a:path h="2781237" w="0">
                   <a:moveTo>
-                    <a:pt y="2793205" x="0"/>
+                    <a:pt y="2781237" x="0"/>
                   </a:moveTo>
                   <a:lnTo>
                     <a:pt y="0" x="0"/>
@@ -6906,7 +6941,7 @@
                 </a:path>
               </a:pathLst>
             </a:custGeom>
-            <a:ln w="9525">
+            <a:ln cap="rnd" w="9525">
               <a:solidFill>
                 <a:srgbClr val="000000">
                   <a:alpha val="100000"/>
@@ -6924,13 +6959,13 @@
         </p:sp>
         <p:sp>
           <p:nvSpPr>
-            <p:cNvPr name="Line 11" id="11"/>
+            <p:cNvPr name="ln14" id="14"/>
             <p:cNvSpPr/>
             <p:nvPr/>
           </p:nvSpPr>
           <p:spPr>
             <a:xfrm>
-              <a:off y="5311225" x="1444032"/>
+              <a:off y="5294186" x="1441704"/>
               <a:ext cy="0" cx="83820"/>
             </a:xfrm>
             <a:custGeom>
@@ -6946,7 +6981,7 @@
                 </a:path>
               </a:pathLst>
             </a:custGeom>
-            <a:ln w="9525">
+            <a:ln cap="rnd" w="9525">
               <a:solidFill>
                 <a:srgbClr val="000000">
                   <a:alpha val="100000"/>
@@ -6964,13 +6999,13 @@
         </p:sp>
         <p:sp>
           <p:nvSpPr>
-            <p:cNvPr name="Line 12" id="12"/>
+            <p:cNvPr name="ln15" id="15"/>
             <p:cNvSpPr/>
             <p:nvPr/>
           </p:nvSpPr>
           <p:spPr>
             <a:xfrm>
-              <a:off y="4612924" x="1444032"/>
+              <a:off y="4598877" x="1441704"/>
               <a:ext cy="0" cx="83820"/>
             </a:xfrm>
             <a:custGeom>
@@ -6986,7 +7021,7 @@
                 </a:path>
               </a:pathLst>
             </a:custGeom>
-            <a:ln w="9525">
+            <a:ln cap="rnd" w="9525">
               <a:solidFill>
                 <a:srgbClr val="000000">
                   <a:alpha val="100000"/>
@@ -7004,13 +7039,13 @@
         </p:sp>
         <p:sp>
           <p:nvSpPr>
-            <p:cNvPr name="Line 13" id="13"/>
+            <p:cNvPr name="ln16" id="16"/>
             <p:cNvSpPr/>
             <p:nvPr/>
           </p:nvSpPr>
           <p:spPr>
             <a:xfrm>
-              <a:off y="3914623" x="1444032"/>
+              <a:off y="3903567" x="1441704"/>
               <a:ext cy="0" cx="83820"/>
             </a:xfrm>
             <a:custGeom>
@@ -7026,7 +7061,7 @@
                 </a:path>
               </a:pathLst>
             </a:custGeom>
-            <a:ln w="9525">
+            <a:ln cap="rnd" w="9525">
               <a:solidFill>
                 <a:srgbClr val="000000">
                   <a:alpha val="100000"/>
@@ -7044,13 +7079,13 @@
         </p:sp>
         <p:sp>
           <p:nvSpPr>
-            <p:cNvPr name="Line 14" id="14"/>
+            <p:cNvPr name="ln17" id="17"/>
             <p:cNvSpPr/>
             <p:nvPr/>
           </p:nvSpPr>
           <p:spPr>
             <a:xfrm>
-              <a:off y="3216321" x="1444032"/>
+              <a:off y="3208258" x="1441704"/>
               <a:ext cy="0" cx="83820"/>
             </a:xfrm>
             <a:custGeom>
@@ -7066,7 +7101,7 @@
                 </a:path>
               </a:pathLst>
             </a:custGeom>
-            <a:ln w="9525">
+            <a:ln cap="rnd" w="9525">
               <a:solidFill>
                 <a:srgbClr val="000000">
                   <a:alpha val="100000"/>
@@ -7084,13 +7119,13 @@
         </p:sp>
         <p:sp>
           <p:nvSpPr>
-            <p:cNvPr name="Line 15" id="15"/>
+            <p:cNvPr name="ln18" id="18"/>
             <p:cNvSpPr/>
             <p:nvPr/>
           </p:nvSpPr>
           <p:spPr>
             <a:xfrm>
-              <a:off y="2518020" x="1444032"/>
+              <a:off y="2512949" x="1441704"/>
               <a:ext cy="0" cx="83820"/>
             </a:xfrm>
             <a:custGeom>
@@ -7106,7 +7141,7 @@
                 </a:path>
               </a:pathLst>
             </a:custGeom>
-            <a:ln w="9525">
+            <a:ln cap="rnd" w="9525">
               <a:solidFill>
                 <a:srgbClr val="000000">
                   <a:alpha val="100000"/>
@@ -7124,14 +7159,14 @@
         </p:sp>
         <p:sp>
           <p:nvSpPr>
-            <p:cNvPr name="Text 16" id="16"/>
+            <p:cNvPr name="tx19" id="19"/>
             <p:cNvSpPr/>
             <p:nvPr/>
           </p:nvSpPr>
           <p:spPr>
             <a:xfrm rot="-5400000">
-              <a:off y="5241375" x="1214162"/>
-              <a:ext cy="139700" cx="152400"/>
+              <a:off y="5248756" x="1243523"/>
+              <a:ext cy="90859" cx="70804"/>
             </a:xfrm>
             <a:prstGeom prst="rect">
               <a:avLst/>
@@ -7139,12 +7174,10 @@
             <a:noFill/>
           </p:spPr>
           <p:txBody>
-            <a:bodyPr anchor="b" bIns="0" rIns="0" tIns="0" lIns="0">
-              <a:spAutoFit/>
-            </a:bodyPr>
+            <a:bodyPr anchorCtr="true" anchor="ctr" bIns="0" rIns="0" tIns="0" lIns="0"/>
             <a:lstStyle/>
             <a:p>
-              <a:pPr algn="ctr" indent="0" marR="0" marL="0">
+              <a:pPr algn="l" indent="0" marR="0" marL="0">
                 <a:lnSpc>
                   <a:spcPts val="1100"/>
                 </a:lnSpc>
@@ -7162,8 +7195,8 @@
                       <a:alpha val="100000"/>
                     </a:srgbClr>
                   </a:solidFill>
-                  <a:latin typeface="Arial"/>
-                  <a:cs typeface="Arial"/>
+                  <a:latin typeface="Calibri"/>
+                  <a:cs typeface="Calibri"/>
                 </a:rPr>
                 <a:t>0</a:t>
               </a:r>
@@ -7172,14 +7205,14 @@
         </p:sp>
         <p:sp>
           <p:nvSpPr>
-            <p:cNvPr name="Text 17" id="17"/>
+            <p:cNvPr name="tx20" id="20"/>
             <p:cNvSpPr/>
             <p:nvPr/>
           </p:nvSpPr>
           <p:spPr>
             <a:xfrm rot="-5400000">
-              <a:off y="4543074" x="1214162"/>
-              <a:ext cy="139700" cx="152400"/>
+              <a:off y="4554095" x="1244171"/>
+              <a:ext cy="89563" cx="70804"/>
             </a:xfrm>
             <a:prstGeom prst="rect">
               <a:avLst/>
@@ -7187,12 +7220,10 @@
             <a:noFill/>
           </p:spPr>
           <p:txBody>
-            <a:bodyPr anchor="b" bIns="0" rIns="0" tIns="0" lIns="0">
-              <a:spAutoFit/>
-            </a:bodyPr>
+            <a:bodyPr anchorCtr="true" anchor="ctr" bIns="0" rIns="0" tIns="0" lIns="0"/>
             <a:lstStyle/>
             <a:p>
-              <a:pPr algn="ctr" indent="0" marR="0" marL="0">
+              <a:pPr algn="l" indent="0" marR="0" marL="0">
                 <a:lnSpc>
                   <a:spcPts val="1100"/>
                 </a:lnSpc>
@@ -7210,8 +7241,8 @@
                       <a:alpha val="100000"/>
                     </a:srgbClr>
                   </a:solidFill>
-                  <a:latin typeface="Arial"/>
-                  <a:cs typeface="Arial"/>
+                  <a:latin typeface="Calibri"/>
+                  <a:cs typeface="Calibri"/>
                 </a:rPr>
                 <a:t>2</a:t>
               </a:r>
@@ -7220,14 +7251,14 @@
         </p:sp>
         <p:sp>
           <p:nvSpPr>
-            <p:cNvPr name="Text 18" id="18"/>
+            <p:cNvPr name="tx21" id="21"/>
             <p:cNvSpPr/>
             <p:nvPr/>
           </p:nvSpPr>
           <p:spPr>
             <a:xfrm rot="-5400000">
-              <a:off y="3844773" x="1214162"/>
-              <a:ext cy="139700" cx="152400"/>
+              <a:off y="3859024" x="1244410"/>
+              <a:ext cy="89086" cx="70804"/>
             </a:xfrm>
             <a:prstGeom prst="rect">
               <a:avLst/>
@@ -7235,12 +7266,10 @@
             <a:noFill/>
           </p:spPr>
           <p:txBody>
-            <a:bodyPr anchor="b" bIns="0" rIns="0" tIns="0" lIns="0">
-              <a:spAutoFit/>
-            </a:bodyPr>
+            <a:bodyPr anchorCtr="true" anchor="ctr" bIns="0" rIns="0" tIns="0" lIns="0"/>
             <a:lstStyle/>
             <a:p>
-              <a:pPr algn="ctr" indent="0" marR="0" marL="0">
+              <a:pPr algn="l" indent="0" marR="0" marL="0">
                 <a:lnSpc>
                   <a:spcPts val="1100"/>
                 </a:lnSpc>
@@ -7258,8 +7287,8 @@
                       <a:alpha val="100000"/>
                     </a:srgbClr>
                   </a:solidFill>
-                  <a:latin typeface="Arial"/>
-                  <a:cs typeface="Arial"/>
+                  <a:latin typeface="Calibri"/>
+                  <a:cs typeface="Calibri"/>
                 </a:rPr>
                 <a:t>4</a:t>
               </a:r>
@@ -7268,14 +7297,14 @@
         </p:sp>
         <p:sp>
           <p:nvSpPr>
-            <p:cNvPr name="Text 19" id="19"/>
+            <p:cNvPr name="tx22" id="22"/>
             <p:cNvSpPr/>
             <p:nvPr/>
           </p:nvSpPr>
           <p:spPr>
             <a:xfrm rot="-5400000">
-              <a:off y="3146471" x="1214162"/>
-              <a:ext cy="139700" cx="152400"/>
+              <a:off y="3162862" x="1243557"/>
+              <a:ext cy="90791" cx="70804"/>
             </a:xfrm>
             <a:prstGeom prst="rect">
               <a:avLst/>
@@ -7283,12 +7312,10 @@
             <a:noFill/>
           </p:spPr>
           <p:txBody>
-            <a:bodyPr anchor="b" bIns="0" rIns="0" tIns="0" lIns="0">
-              <a:spAutoFit/>
-            </a:bodyPr>
+            <a:bodyPr anchorCtr="true" anchor="ctr" bIns="0" rIns="0" tIns="0" lIns="0"/>
             <a:lstStyle/>
             <a:p>
-              <a:pPr algn="ctr" indent="0" marR="0" marL="0">
+              <a:pPr algn="l" indent="0" marR="0" marL="0">
                 <a:lnSpc>
                   <a:spcPts val="1100"/>
                 </a:lnSpc>
@@ -7306,8 +7333,8 @@
                       <a:alpha val="100000"/>
                     </a:srgbClr>
                   </a:solidFill>
-                  <a:latin typeface="Arial"/>
-                  <a:cs typeface="Arial"/>
+                  <a:latin typeface="Calibri"/>
+                  <a:cs typeface="Calibri"/>
                 </a:rPr>
                 <a:t>6</a:t>
               </a:r>
@@ -7316,14 +7343,14 @@
         </p:sp>
         <p:sp>
           <p:nvSpPr>
-            <p:cNvPr name="Text 20" id="20"/>
+            <p:cNvPr name="tx23" id="23"/>
             <p:cNvSpPr/>
             <p:nvPr/>
           </p:nvSpPr>
           <p:spPr>
             <a:xfrm rot="-5400000">
-              <a:off y="2448170" x="1214162"/>
-              <a:ext cy="139700" cx="152400"/>
+              <a:off y="2467519" x="1243523"/>
+              <a:ext cy="90859" cx="70804"/>
             </a:xfrm>
             <a:prstGeom prst="rect">
               <a:avLst/>
@@ -7331,12 +7358,10 @@
             <a:noFill/>
           </p:spPr>
           <p:txBody>
-            <a:bodyPr anchor="b" bIns="0" rIns="0" tIns="0" lIns="0">
-              <a:spAutoFit/>
-            </a:bodyPr>
+            <a:bodyPr anchorCtr="true" anchor="ctr" bIns="0" rIns="0" tIns="0" lIns="0"/>
             <a:lstStyle/>
             <a:p>
-              <a:pPr algn="ctr" indent="0" marR="0" marL="0">
+              <a:pPr algn="l" indent="0" marR="0" marL="0">
                 <a:lnSpc>
                   <a:spcPts val="1100"/>
                 </a:lnSpc>
@@ -7354,8 +7379,8 @@
                       <a:alpha val="100000"/>
                     </a:srgbClr>
                   </a:solidFill>
-                  <a:latin typeface="Arial"/>
-                  <a:cs typeface="Arial"/>
+                  <a:latin typeface="Calibri"/>
+                  <a:cs typeface="Calibri"/>
                 </a:rPr>
                 <a:t>8</a:t>
               </a:r>

--- a/examples/pp_simple_example.pptx
+++ b/examples/pp_simple_example.pptx
@@ -5,8 +5,8 @@
     <p:sldMasterId r:id="rId1" id="2147483648"/>
   </p:sldMasterIdLst>
   <p:sldIdLst>
-    <p:sldId r:id="rId6" id="808333651"/>
-    <p:sldId r:id="rId7" id="933546261"/>
+    <p:sldId r:id="rId6" id="331264092"/>
+    <p:sldId r:id="rId7" id="2042050481"/>
   </p:sldIdLst>
   <p:sldSz cy="6858000" cx="12192000"/>
   <p:notesSz cy="9144000" cx="6858000"/>

--- a/examples/pp_simple_example.pptx
+++ b/examples/pp_simple_example.pptx
@@ -5,8 +5,8 @@
     <p:sldMasterId r:id="rId1" id="2147483648"/>
   </p:sldMasterIdLst>
   <p:sldIdLst>
-    <p:sldId r:id="rId6" id="331264092"/>
-    <p:sldId r:id="rId7" id="2042050481"/>
+    <p:sldId r:id="rId6" id="49193689"/>
+    <p:sldId r:id="rId7" id="1456568712"/>
   </p:sldIdLst>
   <p:sldSz cy="6858000" cx="12192000"/>
   <p:notesSz cy="9144000" cx="6858000"/>
